--- a/document/design/domain.pptx
+++ b/document/design/domain.pptx
@@ -3342,1620 +3342,1644 @@
           <a:chExt cx="0" cy="0"/>
         </a:xfrm>
       </p:grpSpPr>
-      <p:sp>
-        <p:nvSpPr>
-          <p:cNvPr id="4" name="직사각형 3">
-            <a:extLst>
-              <a:ext uri="{FF2B5EF4-FFF2-40B4-BE49-F238E27FC236}">
-                <a16:creationId xmlns:a16="http://schemas.microsoft.com/office/drawing/2014/main" id="{191E3FBA-ECFA-2246-8BE3-0978CD009B37}"/>
-              </a:ext>
-            </a:extLst>
-          </p:cNvPr>
-          <p:cNvSpPr/>
+      <p:grpSp>
+        <p:nvGrpSpPr>
+          <p:cNvPr id="76" name="그룹 75">
+            <a:extLst>
+              <a:ext uri="{FF2B5EF4-FFF2-40B4-BE49-F238E27FC236}">
+                <a16:creationId xmlns:a16="http://schemas.microsoft.com/office/drawing/2014/main" id="{5502C321-B9AA-704F-B866-2CF8A20BA0EB}"/>
+              </a:ext>
+            </a:extLst>
+          </p:cNvPr>
+          <p:cNvGrpSpPr/>
           <p:nvPr/>
-        </p:nvSpPr>
-        <p:spPr>
+        </p:nvGrpSpPr>
+        <p:grpSpPr>
           <a:xfrm>
-            <a:off x="1026929" y="1588204"/>
-            <a:ext cx="1455838" cy="2067936"/>
+            <a:off x="472835" y="-174490"/>
+            <a:ext cx="11444466" cy="7022314"/>
+            <a:chOff x="472835" y="-174490"/>
+            <a:chExt cx="11444466" cy="7022314"/>
           </a:xfrm>
-          <a:prstGeom prst="rect">
-            <a:avLst/>
-          </a:prstGeom>
-          <a:noFill/>
-          <a:ln w="38100">
-            <a:solidFill>
-              <a:schemeClr val="tx1"/>
-            </a:solidFill>
-          </a:ln>
-        </p:spPr>
-        <p:style>
-          <a:lnRef idx="2">
-            <a:schemeClr val="accent1">
-              <a:shade val="50000"/>
-            </a:schemeClr>
-          </a:lnRef>
-          <a:fillRef idx="1">
-            <a:schemeClr val="accent1"/>
-          </a:fillRef>
-          <a:effectRef idx="0">
-            <a:schemeClr val="accent1"/>
-          </a:effectRef>
-          <a:fontRef idx="minor">
-            <a:schemeClr val="lt1"/>
-          </a:fontRef>
-        </p:style>
-        <p:txBody>
-          <a:bodyPr rtlCol="0" anchor="ctr"/>
-          <a:lstStyle/>
-          <a:p>
-            <a:pPr algn="ctr"/>
-            <a:r>
-              <a:rPr kumimoji="1" lang="ko-Kore-KR" altLang="en-US" dirty="0">
+        </p:grpSpPr>
+        <p:sp>
+          <p:nvSpPr>
+            <p:cNvPr id="4" name="직사각형 3">
+              <a:extLst>
+                <a:ext uri="{FF2B5EF4-FFF2-40B4-BE49-F238E27FC236}">
+                  <a16:creationId xmlns:a16="http://schemas.microsoft.com/office/drawing/2014/main" id="{191E3FBA-ECFA-2246-8BE3-0978CD009B37}"/>
+                </a:ext>
+              </a:extLst>
+            </p:cNvPr>
+            <p:cNvSpPr/>
+            <p:nvPr/>
+          </p:nvSpPr>
+          <p:spPr>
+            <a:xfrm>
+              <a:off x="1026929" y="1588204"/>
+              <a:ext cx="1455838" cy="2067936"/>
+            </a:xfrm>
+            <a:prstGeom prst="rect">
+              <a:avLst/>
+            </a:prstGeom>
+            <a:noFill/>
+            <a:ln w="38100">
+              <a:solidFill>
+                <a:schemeClr val="tx1"/>
+              </a:solidFill>
+            </a:ln>
+          </p:spPr>
+          <p:style>
+            <a:lnRef idx="2">
+              <a:schemeClr val="accent1">
+                <a:shade val="50000"/>
+              </a:schemeClr>
+            </a:lnRef>
+            <a:fillRef idx="1">
+              <a:schemeClr val="accent1"/>
+            </a:fillRef>
+            <a:effectRef idx="0">
+              <a:schemeClr val="accent1"/>
+            </a:effectRef>
+            <a:fontRef idx="minor">
+              <a:schemeClr val="lt1"/>
+            </a:fontRef>
+          </p:style>
+          <p:txBody>
+            <a:bodyPr rtlCol="0" anchor="ctr"/>
+            <a:lstStyle/>
+            <a:p>
+              <a:pPr algn="ctr"/>
+              <a:r>
+                <a:rPr kumimoji="1" lang="ko-Kore-KR" altLang="en-US" dirty="0">
+                  <a:solidFill>
+                    <a:schemeClr val="tx1"/>
+                  </a:solidFill>
+                </a:rPr>
+                <a:t>회원</a:t>
+              </a:r>
+            </a:p>
+          </p:txBody>
+        </p:sp>
+        <p:sp>
+          <p:nvSpPr>
+            <p:cNvPr id="7" name="직사각형 6">
+              <a:extLst>
+                <a:ext uri="{FF2B5EF4-FFF2-40B4-BE49-F238E27FC236}">
+                  <a16:creationId xmlns:a16="http://schemas.microsoft.com/office/drawing/2014/main" id="{B8819FFC-C9E7-B64F-A3C0-9B02C36C198C}"/>
+                </a:ext>
+              </a:extLst>
+            </p:cNvPr>
+            <p:cNvSpPr/>
+            <p:nvPr/>
+          </p:nvSpPr>
+          <p:spPr>
+            <a:xfrm>
+              <a:off x="10461463" y="1588204"/>
+              <a:ext cx="1455838" cy="2067936"/>
+            </a:xfrm>
+            <a:prstGeom prst="rect">
+              <a:avLst/>
+            </a:prstGeom>
+            <a:noFill/>
+            <a:ln w="38100">
+              <a:solidFill>
+                <a:schemeClr val="tx1"/>
+              </a:solidFill>
+            </a:ln>
+          </p:spPr>
+          <p:style>
+            <a:lnRef idx="2">
+              <a:schemeClr val="accent1">
+                <a:shade val="50000"/>
+              </a:schemeClr>
+            </a:lnRef>
+            <a:fillRef idx="1">
+              <a:schemeClr val="accent1"/>
+            </a:fillRef>
+            <a:effectRef idx="0">
+              <a:schemeClr val="accent1"/>
+            </a:effectRef>
+            <a:fontRef idx="minor">
+              <a:schemeClr val="lt1"/>
+            </a:fontRef>
+          </p:style>
+          <p:txBody>
+            <a:bodyPr rtlCol="0" anchor="ctr"/>
+            <a:lstStyle/>
+            <a:p>
+              <a:pPr algn="ctr"/>
+              <a:r>
+                <a:rPr kumimoji="1" lang="ko-KR" altLang="en-US" dirty="0">
+                  <a:solidFill>
+                    <a:schemeClr val="tx1"/>
+                  </a:solidFill>
+                </a:rPr>
+                <a:t>댓글</a:t>
+              </a:r>
+              <a:endParaRPr kumimoji="1" lang="ko-Kore-KR" altLang="en-US" dirty="0">
                 <a:solidFill>
                   <a:schemeClr val="tx1"/>
                 </a:solidFill>
-              </a:rPr>
-              <a:t>회원</a:t>
-            </a:r>
-          </a:p>
-        </p:txBody>
-      </p:sp>
-      <p:sp>
-        <p:nvSpPr>
-          <p:cNvPr id="7" name="직사각형 6">
-            <a:extLst>
-              <a:ext uri="{FF2B5EF4-FFF2-40B4-BE49-F238E27FC236}">
-                <a16:creationId xmlns:a16="http://schemas.microsoft.com/office/drawing/2014/main" id="{B8819FFC-C9E7-B64F-A3C0-9B02C36C198C}"/>
-              </a:ext>
-            </a:extLst>
-          </p:cNvPr>
-          <p:cNvSpPr/>
-          <p:nvPr/>
-        </p:nvSpPr>
-        <p:spPr>
-          <a:xfrm>
-            <a:off x="10461463" y="1588204"/>
-            <a:ext cx="1455838" cy="2067936"/>
-          </a:xfrm>
-          <a:prstGeom prst="rect">
-            <a:avLst/>
-          </a:prstGeom>
-          <a:noFill/>
-          <a:ln w="38100">
-            <a:solidFill>
+              </a:endParaRPr>
+            </a:p>
+          </p:txBody>
+        </p:sp>
+        <p:cxnSp>
+          <p:nvCxnSpPr>
+            <p:cNvPr id="10" name="직선 연결선[R] 9">
+              <a:extLst>
+                <a:ext uri="{FF2B5EF4-FFF2-40B4-BE49-F238E27FC236}">
+                  <a16:creationId xmlns:a16="http://schemas.microsoft.com/office/drawing/2014/main" id="{1A5EDADE-DEA2-C44A-A58B-74630F3C3892}"/>
+                </a:ext>
+              </a:extLst>
+            </p:cNvPr>
+            <p:cNvCxnSpPr>
+              <a:cxnSpLocks/>
+            </p:cNvCxnSpPr>
+            <p:nvPr/>
+          </p:nvCxnSpPr>
+          <p:spPr>
+            <a:xfrm>
+              <a:off x="2482767" y="2003610"/>
+              <a:ext cx="3167300" cy="0"/>
+            </a:xfrm>
+            <a:prstGeom prst="line">
+              <a:avLst/>
+            </a:prstGeom>
+            <a:ln w="38100">
+              <a:solidFill>
+                <a:schemeClr val="tx1"/>
+              </a:solidFill>
+            </a:ln>
+          </p:spPr>
+          <p:style>
+            <a:lnRef idx="1">
+              <a:schemeClr val="accent1"/>
+            </a:lnRef>
+            <a:fillRef idx="0">
+              <a:schemeClr val="accent1"/>
+            </a:fillRef>
+            <a:effectRef idx="0">
+              <a:schemeClr val="accent1"/>
+            </a:effectRef>
+            <a:fontRef idx="minor">
               <a:schemeClr val="tx1"/>
-            </a:solidFill>
-          </a:ln>
-        </p:spPr>
-        <p:style>
-          <a:lnRef idx="2">
-            <a:schemeClr val="accent1">
-              <a:shade val="50000"/>
-            </a:schemeClr>
-          </a:lnRef>
-          <a:fillRef idx="1">
-            <a:schemeClr val="accent1"/>
-          </a:fillRef>
-          <a:effectRef idx="0">
-            <a:schemeClr val="accent1"/>
-          </a:effectRef>
-          <a:fontRef idx="minor">
-            <a:schemeClr val="lt1"/>
-          </a:fontRef>
-        </p:style>
-        <p:txBody>
-          <a:bodyPr rtlCol="0" anchor="ctr"/>
-          <a:lstStyle/>
-          <a:p>
-            <a:pPr algn="ctr"/>
-            <a:r>
-              <a:rPr kumimoji="1" lang="ko-KR" altLang="en-US" dirty="0">
+            </a:fontRef>
+          </p:style>
+        </p:cxnSp>
+        <p:cxnSp>
+          <p:nvCxnSpPr>
+            <p:cNvPr id="11" name="직선 연결선[R] 10">
+              <a:extLst>
+                <a:ext uri="{FF2B5EF4-FFF2-40B4-BE49-F238E27FC236}">
+                  <a16:creationId xmlns:a16="http://schemas.microsoft.com/office/drawing/2014/main" id="{8A5EEA6C-C520-C941-9FC2-AF4802FC55FA}"/>
+                </a:ext>
+              </a:extLst>
+            </p:cNvPr>
+            <p:cNvCxnSpPr>
+              <a:cxnSpLocks/>
+            </p:cNvCxnSpPr>
+            <p:nvPr/>
+          </p:nvCxnSpPr>
+          <p:spPr>
+            <a:xfrm>
+              <a:off x="7105905" y="2245656"/>
+              <a:ext cx="3355558" cy="0"/>
+            </a:xfrm>
+            <a:prstGeom prst="line">
+              <a:avLst/>
+            </a:prstGeom>
+            <a:ln w="38100">
+              <a:solidFill>
+                <a:schemeClr val="tx1"/>
+              </a:solidFill>
+            </a:ln>
+          </p:spPr>
+          <p:style>
+            <a:lnRef idx="1">
+              <a:schemeClr val="accent1"/>
+            </a:lnRef>
+            <a:fillRef idx="0">
+              <a:schemeClr val="accent1"/>
+            </a:fillRef>
+            <a:effectRef idx="0">
+              <a:schemeClr val="accent1"/>
+            </a:effectRef>
+            <a:fontRef idx="minor">
+              <a:schemeClr val="tx1"/>
+            </a:fontRef>
+          </p:style>
+        </p:cxnSp>
+        <p:sp>
+          <p:nvSpPr>
+            <p:cNvPr id="5" name="직사각형 4">
+              <a:extLst>
+                <a:ext uri="{FF2B5EF4-FFF2-40B4-BE49-F238E27FC236}">
+                  <a16:creationId xmlns:a16="http://schemas.microsoft.com/office/drawing/2014/main" id="{2ABAC75C-7DBA-BC43-A56D-73EF35F52796}"/>
+                </a:ext>
+              </a:extLst>
+            </p:cNvPr>
+            <p:cNvSpPr/>
+            <p:nvPr/>
+          </p:nvSpPr>
+          <p:spPr>
+            <a:xfrm>
+              <a:off x="5650067" y="1588204"/>
+              <a:ext cx="1455838" cy="2067936"/>
+            </a:xfrm>
+            <a:prstGeom prst="rect">
+              <a:avLst/>
+            </a:prstGeom>
+            <a:noFill/>
+            <a:ln w="38100">
+              <a:solidFill>
+                <a:schemeClr val="tx1"/>
+              </a:solidFill>
+            </a:ln>
+          </p:spPr>
+          <p:style>
+            <a:lnRef idx="2">
+              <a:schemeClr val="accent1">
+                <a:shade val="50000"/>
+              </a:schemeClr>
+            </a:lnRef>
+            <a:fillRef idx="1">
+              <a:schemeClr val="accent1"/>
+            </a:fillRef>
+            <a:effectRef idx="0">
+              <a:schemeClr val="accent1"/>
+            </a:effectRef>
+            <a:fontRef idx="minor">
+              <a:schemeClr val="lt1"/>
+            </a:fontRef>
+          </p:style>
+          <p:txBody>
+            <a:bodyPr rtlCol="0" anchor="ctr"/>
+            <a:lstStyle/>
+            <a:p>
+              <a:pPr algn="ctr"/>
+              <a:r>
+                <a:rPr kumimoji="1" lang="ko-Kore-KR" altLang="en-US" dirty="0">
+                  <a:solidFill>
+                    <a:schemeClr val="tx1"/>
+                  </a:solidFill>
+                </a:rPr>
+                <a:t>피드</a:t>
+              </a:r>
+            </a:p>
+          </p:txBody>
+        </p:sp>
+        <p:sp>
+          <p:nvSpPr>
+            <p:cNvPr id="6" name="직사각형 5">
+              <a:extLst>
+                <a:ext uri="{FF2B5EF4-FFF2-40B4-BE49-F238E27FC236}">
+                  <a16:creationId xmlns:a16="http://schemas.microsoft.com/office/drawing/2014/main" id="{21350F2C-9C99-8942-890F-126D53923103}"/>
+                </a:ext>
+              </a:extLst>
+            </p:cNvPr>
+            <p:cNvSpPr/>
+            <p:nvPr/>
+          </p:nvSpPr>
+          <p:spPr>
+            <a:xfrm>
+              <a:off x="5650067" y="5563799"/>
+              <a:ext cx="1455838" cy="1284025"/>
+            </a:xfrm>
+            <a:prstGeom prst="rect">
+              <a:avLst/>
+            </a:prstGeom>
+            <a:noFill/>
+            <a:ln w="38100">
+              <a:solidFill>
+                <a:schemeClr val="tx1"/>
+              </a:solidFill>
+            </a:ln>
+          </p:spPr>
+          <p:style>
+            <a:lnRef idx="2">
+              <a:schemeClr val="accent1">
+                <a:shade val="50000"/>
+              </a:schemeClr>
+            </a:lnRef>
+            <a:fillRef idx="1">
+              <a:schemeClr val="accent1"/>
+            </a:fillRef>
+            <a:effectRef idx="0">
+              <a:schemeClr val="accent1"/>
+            </a:effectRef>
+            <a:fontRef idx="minor">
+              <a:schemeClr val="lt1"/>
+            </a:fontRef>
+          </p:style>
+          <p:txBody>
+            <a:bodyPr rtlCol="0" anchor="ctr"/>
+            <a:lstStyle/>
+            <a:p>
+              <a:pPr algn="ctr"/>
+              <a:r>
+                <a:rPr kumimoji="1" lang="ko-Kore-KR" altLang="en-US" dirty="0">
+                  <a:solidFill>
+                    <a:schemeClr val="tx1"/>
+                  </a:solidFill>
+                </a:rPr>
+                <a:t>해시</a:t>
+              </a:r>
+              <a:r>
+                <a:rPr kumimoji="1" lang="ko-KR" altLang="en-US" dirty="0">
+                  <a:solidFill>
+                    <a:schemeClr val="tx1"/>
+                  </a:solidFill>
+                </a:rPr>
+                <a:t> 태그</a:t>
+              </a:r>
+              <a:endParaRPr kumimoji="1" lang="ko-Kore-KR" altLang="en-US" dirty="0">
                 <a:solidFill>
                   <a:schemeClr val="tx1"/>
                 </a:solidFill>
-              </a:rPr>
-              <a:t>댓글</a:t>
-            </a:r>
-            <a:endParaRPr kumimoji="1" lang="ko-Kore-KR" altLang="en-US" dirty="0">
+              </a:endParaRPr>
+            </a:p>
+          </p:txBody>
+        </p:sp>
+        <p:cxnSp>
+          <p:nvCxnSpPr>
+            <p:cNvPr id="12" name="직선 연결선[R] 11">
+              <a:extLst>
+                <a:ext uri="{FF2B5EF4-FFF2-40B4-BE49-F238E27FC236}">
+                  <a16:creationId xmlns:a16="http://schemas.microsoft.com/office/drawing/2014/main" id="{045935FF-E279-6E4B-B11C-1D37FF724269}"/>
+                </a:ext>
+              </a:extLst>
+            </p:cNvPr>
+            <p:cNvCxnSpPr>
+              <a:cxnSpLocks/>
+              <a:stCxn id="6" idx="0"/>
+              <a:endCxn id="5" idx="2"/>
+            </p:cNvCxnSpPr>
+            <p:nvPr/>
+          </p:nvCxnSpPr>
+          <p:spPr>
+            <a:xfrm flipV="1">
+              <a:off x="6377986" y="3656140"/>
+              <a:ext cx="0" cy="1907659"/>
+            </a:xfrm>
+            <a:prstGeom prst="line">
+              <a:avLst/>
+            </a:prstGeom>
+            <a:ln w="38100">
               <a:solidFill>
                 <a:schemeClr val="tx1"/>
               </a:solidFill>
-            </a:endParaRPr>
-          </a:p>
-        </p:txBody>
-      </p:sp>
-      <p:cxnSp>
-        <p:nvCxnSpPr>
-          <p:cNvPr id="10" name="직선 연결선[R] 9">
-            <a:extLst>
-              <a:ext uri="{FF2B5EF4-FFF2-40B4-BE49-F238E27FC236}">
-                <a16:creationId xmlns:a16="http://schemas.microsoft.com/office/drawing/2014/main" id="{1A5EDADE-DEA2-C44A-A58B-74630F3C3892}"/>
-              </a:ext>
-            </a:extLst>
-          </p:cNvPr>
-          <p:cNvCxnSpPr>
-            <a:cxnSpLocks/>
-          </p:cNvCxnSpPr>
-          <p:nvPr/>
-        </p:nvCxnSpPr>
-        <p:spPr>
-          <a:xfrm>
-            <a:off x="2482767" y="2003610"/>
-            <a:ext cx="3167300" cy="0"/>
-          </a:xfrm>
-          <a:prstGeom prst="line">
-            <a:avLst/>
-          </a:prstGeom>
-          <a:ln w="38100">
-            <a:solidFill>
+            </a:ln>
+          </p:spPr>
+          <p:style>
+            <a:lnRef idx="1">
+              <a:schemeClr val="accent1"/>
+            </a:lnRef>
+            <a:fillRef idx="0">
+              <a:schemeClr val="accent1"/>
+            </a:fillRef>
+            <a:effectRef idx="0">
+              <a:schemeClr val="accent1"/>
+            </a:effectRef>
+            <a:fontRef idx="minor">
               <a:schemeClr val="tx1"/>
-            </a:solidFill>
-          </a:ln>
-        </p:spPr>
-        <p:style>
-          <a:lnRef idx="1">
-            <a:schemeClr val="accent1"/>
-          </a:lnRef>
-          <a:fillRef idx="0">
-            <a:schemeClr val="accent1"/>
-          </a:fillRef>
-          <a:effectRef idx="0">
-            <a:schemeClr val="accent1"/>
-          </a:effectRef>
-          <a:fontRef idx="minor">
-            <a:schemeClr val="tx1"/>
-          </a:fontRef>
-        </p:style>
-      </p:cxnSp>
-      <p:cxnSp>
-        <p:nvCxnSpPr>
-          <p:cNvPr id="11" name="직선 연결선[R] 10">
-            <a:extLst>
-              <a:ext uri="{FF2B5EF4-FFF2-40B4-BE49-F238E27FC236}">
-                <a16:creationId xmlns:a16="http://schemas.microsoft.com/office/drawing/2014/main" id="{8A5EEA6C-C520-C941-9FC2-AF4802FC55FA}"/>
-              </a:ext>
-            </a:extLst>
-          </p:cNvPr>
-          <p:cNvCxnSpPr>
-            <a:cxnSpLocks/>
-          </p:cNvCxnSpPr>
-          <p:nvPr/>
-        </p:nvCxnSpPr>
-        <p:spPr>
-          <a:xfrm>
-            <a:off x="7105905" y="2245656"/>
-            <a:ext cx="3355558" cy="0"/>
-          </a:xfrm>
-          <a:prstGeom prst="line">
-            <a:avLst/>
-          </a:prstGeom>
-          <a:ln w="38100">
-            <a:solidFill>
-              <a:schemeClr val="tx1"/>
-            </a:solidFill>
-          </a:ln>
-        </p:spPr>
-        <p:style>
-          <a:lnRef idx="1">
-            <a:schemeClr val="accent1"/>
-          </a:lnRef>
-          <a:fillRef idx="0">
-            <a:schemeClr val="accent1"/>
-          </a:fillRef>
-          <a:effectRef idx="0">
-            <a:schemeClr val="accent1"/>
-          </a:effectRef>
-          <a:fontRef idx="minor">
-            <a:schemeClr val="tx1"/>
-          </a:fontRef>
-        </p:style>
-      </p:cxnSp>
-      <p:sp>
-        <p:nvSpPr>
-          <p:cNvPr id="5" name="직사각형 4">
-            <a:extLst>
-              <a:ext uri="{FF2B5EF4-FFF2-40B4-BE49-F238E27FC236}">
-                <a16:creationId xmlns:a16="http://schemas.microsoft.com/office/drawing/2014/main" id="{2ABAC75C-7DBA-BC43-A56D-73EF35F52796}"/>
-              </a:ext>
-            </a:extLst>
-          </p:cNvPr>
-          <p:cNvSpPr/>
-          <p:nvPr/>
-        </p:nvSpPr>
-        <p:spPr>
-          <a:xfrm>
-            <a:off x="5650067" y="1588204"/>
-            <a:ext cx="1455838" cy="2067936"/>
-          </a:xfrm>
-          <a:prstGeom prst="rect">
-            <a:avLst/>
-          </a:prstGeom>
-          <a:noFill/>
-          <a:ln w="38100">
-            <a:solidFill>
-              <a:schemeClr val="tx1"/>
-            </a:solidFill>
-          </a:ln>
-        </p:spPr>
-        <p:style>
-          <a:lnRef idx="2">
-            <a:schemeClr val="accent1">
-              <a:shade val="50000"/>
-            </a:schemeClr>
-          </a:lnRef>
-          <a:fillRef idx="1">
-            <a:schemeClr val="accent1"/>
-          </a:fillRef>
-          <a:effectRef idx="0">
-            <a:schemeClr val="accent1"/>
-          </a:effectRef>
-          <a:fontRef idx="minor">
-            <a:schemeClr val="lt1"/>
-          </a:fontRef>
-        </p:style>
-        <p:txBody>
-          <a:bodyPr rtlCol="0" anchor="ctr"/>
-          <a:lstStyle/>
-          <a:p>
-            <a:pPr algn="ctr"/>
-            <a:r>
-              <a:rPr kumimoji="1" lang="ko-Kore-KR" altLang="en-US" dirty="0">
-                <a:solidFill>
-                  <a:schemeClr val="tx1"/>
-                </a:solidFill>
-              </a:rPr>
-              <a:t>피드</a:t>
-            </a:r>
-          </a:p>
-        </p:txBody>
-      </p:sp>
-      <p:sp>
-        <p:nvSpPr>
-          <p:cNvPr id="6" name="직사각형 5">
-            <a:extLst>
-              <a:ext uri="{FF2B5EF4-FFF2-40B4-BE49-F238E27FC236}">
-                <a16:creationId xmlns:a16="http://schemas.microsoft.com/office/drawing/2014/main" id="{21350F2C-9C99-8942-890F-126D53923103}"/>
-              </a:ext>
-            </a:extLst>
-          </p:cNvPr>
-          <p:cNvSpPr/>
-          <p:nvPr/>
-        </p:nvSpPr>
-        <p:spPr>
-          <a:xfrm>
-            <a:off x="5650067" y="5563799"/>
-            <a:ext cx="1455838" cy="1284025"/>
-          </a:xfrm>
-          <a:prstGeom prst="rect">
-            <a:avLst/>
-          </a:prstGeom>
-          <a:noFill/>
-          <a:ln w="38100">
-            <a:solidFill>
-              <a:schemeClr val="tx1"/>
-            </a:solidFill>
-          </a:ln>
-        </p:spPr>
-        <p:style>
-          <a:lnRef idx="2">
-            <a:schemeClr val="accent1">
-              <a:shade val="50000"/>
-            </a:schemeClr>
-          </a:lnRef>
-          <a:fillRef idx="1">
-            <a:schemeClr val="accent1"/>
-          </a:fillRef>
-          <a:effectRef idx="0">
-            <a:schemeClr val="accent1"/>
-          </a:effectRef>
-          <a:fontRef idx="minor">
-            <a:schemeClr val="lt1"/>
-          </a:fontRef>
-        </p:style>
-        <p:txBody>
-          <a:bodyPr rtlCol="0" anchor="ctr"/>
-          <a:lstStyle/>
-          <a:p>
-            <a:pPr algn="ctr"/>
-            <a:r>
-              <a:rPr kumimoji="1" lang="ko-Kore-KR" altLang="en-US" dirty="0">
-                <a:solidFill>
-                  <a:schemeClr val="tx1"/>
-                </a:solidFill>
-              </a:rPr>
-              <a:t>해시</a:t>
-            </a:r>
-            <a:r>
-              <a:rPr kumimoji="1" lang="ko-KR" altLang="en-US" dirty="0">
-                <a:solidFill>
-                  <a:schemeClr val="tx1"/>
-                </a:solidFill>
-              </a:rPr>
-              <a:t> 태그</a:t>
-            </a:r>
-            <a:endParaRPr kumimoji="1" lang="ko-Kore-KR" altLang="en-US" dirty="0">
+            </a:fontRef>
+          </p:style>
+        </p:cxnSp>
+        <p:sp>
+          <p:nvSpPr>
+            <p:cNvPr id="19" name="TextBox 18">
+              <a:extLst>
+                <a:ext uri="{FF2B5EF4-FFF2-40B4-BE49-F238E27FC236}">
+                  <a16:creationId xmlns:a16="http://schemas.microsoft.com/office/drawing/2014/main" id="{22FA4E34-C716-A74A-B031-AADB44F03589}"/>
+                </a:ext>
+              </a:extLst>
+            </p:cNvPr>
+            <p:cNvSpPr txBox="1"/>
+            <p:nvPr/>
+          </p:nvSpPr>
+          <p:spPr>
+            <a:xfrm>
+              <a:off x="3627835" y="1634278"/>
+              <a:ext cx="877163" cy="369332"/>
+            </a:xfrm>
+            <a:prstGeom prst="rect">
+              <a:avLst/>
+            </a:prstGeom>
+            <a:noFill/>
+          </p:spPr>
+          <p:txBody>
+            <a:bodyPr wrap="none" rtlCol="0">
+              <a:spAutoFit/>
+            </a:bodyPr>
+            <a:lstStyle/>
+            <a:p>
+              <a:r>
+                <a:rPr kumimoji="1" lang="ko-Kore-KR" altLang="en-US" dirty="0"/>
+                <a:t>작성자</a:t>
+              </a:r>
+            </a:p>
+          </p:txBody>
+        </p:sp>
+        <p:sp>
+          <p:nvSpPr>
+            <p:cNvPr id="20" name="TextBox 19">
+              <a:extLst>
+                <a:ext uri="{FF2B5EF4-FFF2-40B4-BE49-F238E27FC236}">
+                  <a16:creationId xmlns:a16="http://schemas.microsoft.com/office/drawing/2014/main" id="{3E974255-F8D9-3C41-8EA0-C5F08062368D}"/>
+                </a:ext>
+              </a:extLst>
+            </p:cNvPr>
+            <p:cNvSpPr txBox="1"/>
+            <p:nvPr/>
+          </p:nvSpPr>
+          <p:spPr>
+            <a:xfrm>
+              <a:off x="2522595" y="1674157"/>
+              <a:ext cx="301686" cy="369332"/>
+            </a:xfrm>
+            <a:prstGeom prst="rect">
+              <a:avLst/>
+            </a:prstGeom>
+            <a:noFill/>
+          </p:spPr>
+          <p:txBody>
+            <a:bodyPr wrap="none" rtlCol="0">
+              <a:spAutoFit/>
+            </a:bodyPr>
+            <a:lstStyle/>
+            <a:p>
+              <a:r>
+                <a:rPr kumimoji="1" lang="en-US" altLang="ko-Kore-KR" dirty="0"/>
+                <a:t>1</a:t>
+              </a:r>
+              <a:endParaRPr kumimoji="1" lang="ko-Kore-KR" altLang="en-US" dirty="0"/>
+            </a:p>
+          </p:txBody>
+        </p:sp>
+        <p:sp>
+          <p:nvSpPr>
+            <p:cNvPr id="21" name="TextBox 20">
+              <a:extLst>
+                <a:ext uri="{FF2B5EF4-FFF2-40B4-BE49-F238E27FC236}">
+                  <a16:creationId xmlns:a16="http://schemas.microsoft.com/office/drawing/2014/main" id="{BA6760E4-E89C-5C4B-A8B6-3A7B4671338B}"/>
+                </a:ext>
+              </a:extLst>
+            </p:cNvPr>
+            <p:cNvSpPr txBox="1"/>
+            <p:nvPr/>
+          </p:nvSpPr>
+          <p:spPr>
+            <a:xfrm>
+              <a:off x="10151097" y="1862418"/>
+              <a:ext cx="301686" cy="369332"/>
+            </a:xfrm>
+            <a:prstGeom prst="rect">
+              <a:avLst/>
+            </a:prstGeom>
+            <a:noFill/>
+          </p:spPr>
+          <p:txBody>
+            <a:bodyPr wrap="none" rtlCol="0">
+              <a:spAutoFit/>
+            </a:bodyPr>
+            <a:lstStyle/>
+            <a:p>
+              <a:r>
+                <a:rPr kumimoji="1" lang="en-US" altLang="ko-KR" dirty="0"/>
+                <a:t>*</a:t>
+              </a:r>
+              <a:endParaRPr kumimoji="1" lang="ko-Kore-KR" altLang="en-US" dirty="0"/>
+            </a:p>
+          </p:txBody>
+        </p:sp>
+        <p:cxnSp>
+          <p:nvCxnSpPr>
+            <p:cNvPr id="23" name="직선 연결선[R] 22">
+              <a:extLst>
+                <a:ext uri="{FF2B5EF4-FFF2-40B4-BE49-F238E27FC236}">
+                  <a16:creationId xmlns:a16="http://schemas.microsoft.com/office/drawing/2014/main" id="{FF765111-E65F-0E4E-8857-B940D3E9E945}"/>
+                </a:ext>
+              </a:extLst>
+            </p:cNvPr>
+            <p:cNvCxnSpPr>
+              <a:cxnSpLocks/>
+            </p:cNvCxnSpPr>
+            <p:nvPr/>
+          </p:nvCxnSpPr>
+          <p:spPr>
+            <a:xfrm>
+              <a:off x="2459626" y="2782152"/>
+              <a:ext cx="3167300" cy="0"/>
+            </a:xfrm>
+            <a:prstGeom prst="line">
+              <a:avLst/>
+            </a:prstGeom>
+            <a:ln w="38100">
               <a:solidFill>
                 <a:schemeClr val="tx1"/>
               </a:solidFill>
-            </a:endParaRPr>
-          </a:p>
-        </p:txBody>
-      </p:sp>
-      <p:cxnSp>
-        <p:nvCxnSpPr>
-          <p:cNvPr id="12" name="직선 연결선[R] 11">
-            <a:extLst>
-              <a:ext uri="{FF2B5EF4-FFF2-40B4-BE49-F238E27FC236}">
-                <a16:creationId xmlns:a16="http://schemas.microsoft.com/office/drawing/2014/main" id="{045935FF-E279-6E4B-B11C-1D37FF724269}"/>
-              </a:ext>
-            </a:extLst>
-          </p:cNvPr>
-          <p:cNvCxnSpPr>
-            <a:cxnSpLocks/>
-            <a:stCxn id="6" idx="0"/>
-            <a:endCxn id="5" idx="2"/>
-          </p:cNvCxnSpPr>
-          <p:nvPr/>
-        </p:nvCxnSpPr>
-        <p:spPr>
-          <a:xfrm flipV="1">
-            <a:off x="6377986" y="3656140"/>
-            <a:ext cx="0" cy="1907659"/>
-          </a:xfrm>
-          <a:prstGeom prst="line">
-            <a:avLst/>
-          </a:prstGeom>
-          <a:ln w="38100">
-            <a:solidFill>
+            </a:ln>
+          </p:spPr>
+          <p:style>
+            <a:lnRef idx="1">
+              <a:schemeClr val="accent1"/>
+            </a:lnRef>
+            <a:fillRef idx="0">
+              <a:schemeClr val="accent1"/>
+            </a:fillRef>
+            <a:effectRef idx="0">
+              <a:schemeClr val="accent1"/>
+            </a:effectRef>
+            <a:fontRef idx="minor">
               <a:schemeClr val="tx1"/>
-            </a:solidFill>
-          </a:ln>
-        </p:spPr>
-        <p:style>
-          <a:lnRef idx="1">
-            <a:schemeClr val="accent1"/>
-          </a:lnRef>
-          <a:fillRef idx="0">
-            <a:schemeClr val="accent1"/>
-          </a:fillRef>
-          <a:effectRef idx="0">
-            <a:schemeClr val="accent1"/>
-          </a:effectRef>
-          <a:fontRef idx="minor">
-            <a:schemeClr val="tx1"/>
-          </a:fontRef>
-        </p:style>
-      </p:cxnSp>
-      <p:sp>
-        <p:nvSpPr>
-          <p:cNvPr id="19" name="TextBox 18">
-            <a:extLst>
-              <a:ext uri="{FF2B5EF4-FFF2-40B4-BE49-F238E27FC236}">
-                <a16:creationId xmlns:a16="http://schemas.microsoft.com/office/drawing/2014/main" id="{22FA4E34-C716-A74A-B031-AADB44F03589}"/>
-              </a:ext>
-            </a:extLst>
-          </p:cNvPr>
-          <p:cNvSpPr txBox="1"/>
-          <p:nvPr/>
-        </p:nvSpPr>
-        <p:spPr>
-          <a:xfrm>
-            <a:off x="3627835" y="1634278"/>
-            <a:ext cx="877163" cy="369332"/>
-          </a:xfrm>
-          <a:prstGeom prst="rect">
-            <a:avLst/>
-          </a:prstGeom>
-          <a:noFill/>
-        </p:spPr>
-        <p:txBody>
-          <a:bodyPr wrap="none" rtlCol="0">
-            <a:spAutoFit/>
-          </a:bodyPr>
-          <a:lstStyle/>
-          <a:p>
-            <a:r>
-              <a:rPr kumimoji="1" lang="ko-Kore-KR" altLang="en-US" dirty="0"/>
-              <a:t>작성자</a:t>
-            </a:r>
-          </a:p>
-        </p:txBody>
-      </p:sp>
-      <p:sp>
-        <p:nvSpPr>
-          <p:cNvPr id="20" name="TextBox 19">
-            <a:extLst>
-              <a:ext uri="{FF2B5EF4-FFF2-40B4-BE49-F238E27FC236}">
-                <a16:creationId xmlns:a16="http://schemas.microsoft.com/office/drawing/2014/main" id="{3E974255-F8D9-3C41-8EA0-C5F08062368D}"/>
-              </a:ext>
-            </a:extLst>
-          </p:cNvPr>
-          <p:cNvSpPr txBox="1"/>
-          <p:nvPr/>
-        </p:nvSpPr>
-        <p:spPr>
-          <a:xfrm>
-            <a:off x="2522595" y="1674157"/>
-            <a:ext cx="300082" cy="369332"/>
-          </a:xfrm>
-          <a:prstGeom prst="rect">
-            <a:avLst/>
-          </a:prstGeom>
-          <a:noFill/>
-        </p:spPr>
-        <p:txBody>
-          <a:bodyPr wrap="none" rtlCol="0">
-            <a:spAutoFit/>
-          </a:bodyPr>
-          <a:lstStyle/>
-          <a:p>
-            <a:r>
-              <a:rPr kumimoji="1" lang="ko-Kore-KR" altLang="en-US" dirty="0"/>
-              <a:t>*</a:t>
-            </a:r>
-          </a:p>
-        </p:txBody>
-      </p:sp>
-      <p:sp>
-        <p:nvSpPr>
-          <p:cNvPr id="21" name="TextBox 20">
-            <a:extLst>
-              <a:ext uri="{FF2B5EF4-FFF2-40B4-BE49-F238E27FC236}">
-                <a16:creationId xmlns:a16="http://schemas.microsoft.com/office/drawing/2014/main" id="{BA6760E4-E89C-5C4B-A8B6-3A7B4671338B}"/>
-              </a:ext>
-            </a:extLst>
-          </p:cNvPr>
-          <p:cNvSpPr txBox="1"/>
-          <p:nvPr/>
-        </p:nvSpPr>
-        <p:spPr>
-          <a:xfrm>
-            <a:off x="10151097" y="1862418"/>
-            <a:ext cx="301686" cy="369332"/>
-          </a:xfrm>
-          <a:prstGeom prst="rect">
-            <a:avLst/>
-          </a:prstGeom>
-          <a:noFill/>
-        </p:spPr>
-        <p:txBody>
-          <a:bodyPr wrap="none" rtlCol="0">
-            <a:spAutoFit/>
-          </a:bodyPr>
-          <a:lstStyle/>
-          <a:p>
-            <a:r>
-              <a:rPr kumimoji="1" lang="en-US" altLang="ko-KR" dirty="0"/>
-              <a:t>1</a:t>
-            </a:r>
-            <a:endParaRPr kumimoji="1" lang="ko-Kore-KR" altLang="en-US" dirty="0"/>
-          </a:p>
-        </p:txBody>
-      </p:sp>
-      <p:cxnSp>
-        <p:nvCxnSpPr>
-          <p:cNvPr id="23" name="직선 연결선[R] 22">
-            <a:extLst>
-              <a:ext uri="{FF2B5EF4-FFF2-40B4-BE49-F238E27FC236}">
-                <a16:creationId xmlns:a16="http://schemas.microsoft.com/office/drawing/2014/main" id="{FF765111-E65F-0E4E-8857-B940D3E9E945}"/>
-              </a:ext>
-            </a:extLst>
-          </p:cNvPr>
-          <p:cNvCxnSpPr>
-            <a:cxnSpLocks/>
-          </p:cNvCxnSpPr>
-          <p:nvPr/>
-        </p:nvCxnSpPr>
-        <p:spPr>
-          <a:xfrm>
-            <a:off x="2459626" y="2782152"/>
-            <a:ext cx="3167300" cy="0"/>
-          </a:xfrm>
-          <a:prstGeom prst="line">
-            <a:avLst/>
-          </a:prstGeom>
-          <a:ln w="38100">
-            <a:solidFill>
+            </a:fontRef>
+          </p:style>
+        </p:cxnSp>
+        <p:sp>
+          <p:nvSpPr>
+            <p:cNvPr id="24" name="TextBox 23">
+              <a:extLst>
+                <a:ext uri="{FF2B5EF4-FFF2-40B4-BE49-F238E27FC236}">
+                  <a16:creationId xmlns:a16="http://schemas.microsoft.com/office/drawing/2014/main" id="{A5045C65-2FA1-F24F-B881-E6791DEFEE1E}"/>
+                </a:ext>
+              </a:extLst>
+            </p:cNvPr>
+            <p:cNvSpPr txBox="1"/>
+            <p:nvPr/>
+          </p:nvSpPr>
+          <p:spPr>
+            <a:xfrm>
+              <a:off x="3604694" y="2412820"/>
+              <a:ext cx="877163" cy="369332"/>
+            </a:xfrm>
+            <a:prstGeom prst="rect">
+              <a:avLst/>
+            </a:prstGeom>
+            <a:noFill/>
+          </p:spPr>
+          <p:txBody>
+            <a:bodyPr wrap="none" rtlCol="0">
+              <a:spAutoFit/>
+            </a:bodyPr>
+            <a:lstStyle/>
+            <a:p>
+              <a:r>
+                <a:rPr kumimoji="1" lang="ko-Kore-KR" altLang="en-US" dirty="0"/>
+                <a:t>좋아요</a:t>
+              </a:r>
+            </a:p>
+          </p:txBody>
+        </p:sp>
+        <p:sp>
+          <p:nvSpPr>
+            <p:cNvPr id="25" name="TextBox 24">
+              <a:extLst>
+                <a:ext uri="{FF2B5EF4-FFF2-40B4-BE49-F238E27FC236}">
+                  <a16:creationId xmlns:a16="http://schemas.microsoft.com/office/drawing/2014/main" id="{7023132C-BD7C-3A45-BF5B-BFE549685914}"/>
+                </a:ext>
+              </a:extLst>
+            </p:cNvPr>
+            <p:cNvSpPr txBox="1"/>
+            <p:nvPr/>
+          </p:nvSpPr>
+          <p:spPr>
+            <a:xfrm>
+              <a:off x="2499454" y="2452699"/>
+              <a:ext cx="300082" cy="369332"/>
+            </a:xfrm>
+            <a:prstGeom prst="rect">
+              <a:avLst/>
+            </a:prstGeom>
+            <a:noFill/>
+          </p:spPr>
+          <p:txBody>
+            <a:bodyPr wrap="none" rtlCol="0">
+              <a:spAutoFit/>
+            </a:bodyPr>
+            <a:lstStyle/>
+            <a:p>
+              <a:r>
+                <a:rPr kumimoji="1" lang="ko-Kore-KR" altLang="en-US" dirty="0"/>
+                <a:t>*</a:t>
+              </a:r>
+            </a:p>
+          </p:txBody>
+        </p:sp>
+        <p:sp>
+          <p:nvSpPr>
+            <p:cNvPr id="26" name="TextBox 25">
+              <a:extLst>
+                <a:ext uri="{FF2B5EF4-FFF2-40B4-BE49-F238E27FC236}">
+                  <a16:creationId xmlns:a16="http://schemas.microsoft.com/office/drawing/2014/main" id="{AF04798A-D013-3144-8973-367D40E6DB35}"/>
+                </a:ext>
+              </a:extLst>
+            </p:cNvPr>
+            <p:cNvSpPr txBox="1"/>
+            <p:nvPr/>
+          </p:nvSpPr>
+          <p:spPr>
+            <a:xfrm>
+              <a:off x="5287015" y="2439252"/>
+              <a:ext cx="300082" cy="369332"/>
+            </a:xfrm>
+            <a:prstGeom prst="rect">
+              <a:avLst/>
+            </a:prstGeom>
+            <a:noFill/>
+          </p:spPr>
+          <p:txBody>
+            <a:bodyPr wrap="none" rtlCol="0">
+              <a:spAutoFit/>
+            </a:bodyPr>
+            <a:lstStyle/>
+            <a:p>
+              <a:r>
+                <a:rPr kumimoji="1" lang="ko-KR" altLang="en-US" dirty="0"/>
+                <a:t>*</a:t>
+              </a:r>
+              <a:endParaRPr kumimoji="1" lang="ko-Kore-KR" altLang="en-US" dirty="0"/>
+            </a:p>
+          </p:txBody>
+        </p:sp>
+        <p:cxnSp>
+          <p:nvCxnSpPr>
+            <p:cNvPr id="28" name="꺾인 연결선[E] 27">
+              <a:extLst>
+                <a:ext uri="{FF2B5EF4-FFF2-40B4-BE49-F238E27FC236}">
+                  <a16:creationId xmlns:a16="http://schemas.microsoft.com/office/drawing/2014/main" id="{FBEEEDE9-D086-5541-B408-86A079C0FBB6}"/>
+                </a:ext>
+              </a:extLst>
+            </p:cNvPr>
+            <p:cNvCxnSpPr>
+              <a:stCxn id="4" idx="2"/>
+              <a:endCxn id="4" idx="1"/>
+            </p:cNvCxnSpPr>
+            <p:nvPr/>
+          </p:nvCxnSpPr>
+          <p:spPr>
+            <a:xfrm rot="5400000" flipH="1">
+              <a:off x="873905" y="2775197"/>
+              <a:ext cx="1033968" cy="727919"/>
+            </a:xfrm>
+            <a:prstGeom prst="bentConnector4">
+              <a:avLst>
+                <a:gd name="adj1" fmla="val -22109"/>
+                <a:gd name="adj2" fmla="val 131405"/>
+              </a:avLst>
+            </a:prstGeom>
+            <a:ln w="38100">
+              <a:solidFill>
+                <a:schemeClr val="tx1"/>
+              </a:solidFill>
+            </a:ln>
+          </p:spPr>
+          <p:style>
+            <a:lnRef idx="1">
+              <a:schemeClr val="accent1"/>
+            </a:lnRef>
+            <a:fillRef idx="0">
+              <a:schemeClr val="accent1"/>
+            </a:fillRef>
+            <a:effectRef idx="0">
+              <a:schemeClr val="accent1"/>
+            </a:effectRef>
+            <a:fontRef idx="minor">
               <a:schemeClr val="tx1"/>
-            </a:solidFill>
-          </a:ln>
-        </p:spPr>
-        <p:style>
-          <a:lnRef idx="1">
-            <a:schemeClr val="accent1"/>
-          </a:lnRef>
-          <a:fillRef idx="0">
-            <a:schemeClr val="accent1"/>
-          </a:fillRef>
-          <a:effectRef idx="0">
-            <a:schemeClr val="accent1"/>
-          </a:effectRef>
-          <a:fontRef idx="minor">
-            <a:schemeClr val="tx1"/>
-          </a:fontRef>
-        </p:style>
-      </p:cxnSp>
-      <p:sp>
-        <p:nvSpPr>
-          <p:cNvPr id="24" name="TextBox 23">
-            <a:extLst>
-              <a:ext uri="{FF2B5EF4-FFF2-40B4-BE49-F238E27FC236}">
-                <a16:creationId xmlns:a16="http://schemas.microsoft.com/office/drawing/2014/main" id="{A5045C65-2FA1-F24F-B881-E6791DEFEE1E}"/>
-              </a:ext>
-            </a:extLst>
-          </p:cNvPr>
-          <p:cNvSpPr txBox="1"/>
-          <p:nvPr/>
-        </p:nvSpPr>
-        <p:spPr>
-          <a:xfrm>
-            <a:off x="3604694" y="2412820"/>
-            <a:ext cx="877163" cy="369332"/>
-          </a:xfrm>
-          <a:prstGeom prst="rect">
-            <a:avLst/>
-          </a:prstGeom>
-          <a:noFill/>
-        </p:spPr>
-        <p:txBody>
-          <a:bodyPr wrap="none" rtlCol="0">
-            <a:spAutoFit/>
-          </a:bodyPr>
-          <a:lstStyle/>
-          <a:p>
-            <a:r>
-              <a:rPr kumimoji="1" lang="ko-Kore-KR" altLang="en-US" dirty="0"/>
-              <a:t>좋아요</a:t>
-            </a:r>
-          </a:p>
-        </p:txBody>
-      </p:sp>
-      <p:sp>
-        <p:nvSpPr>
-          <p:cNvPr id="25" name="TextBox 24">
-            <a:extLst>
-              <a:ext uri="{FF2B5EF4-FFF2-40B4-BE49-F238E27FC236}">
-                <a16:creationId xmlns:a16="http://schemas.microsoft.com/office/drawing/2014/main" id="{7023132C-BD7C-3A45-BF5B-BFE549685914}"/>
-              </a:ext>
-            </a:extLst>
-          </p:cNvPr>
-          <p:cNvSpPr txBox="1"/>
-          <p:nvPr/>
-        </p:nvSpPr>
-        <p:spPr>
-          <a:xfrm>
-            <a:off x="2499454" y="2452699"/>
-            <a:ext cx="300082" cy="369332"/>
-          </a:xfrm>
-          <a:prstGeom prst="rect">
-            <a:avLst/>
-          </a:prstGeom>
-          <a:noFill/>
-        </p:spPr>
-        <p:txBody>
-          <a:bodyPr wrap="none" rtlCol="0">
-            <a:spAutoFit/>
-          </a:bodyPr>
-          <a:lstStyle/>
-          <a:p>
-            <a:r>
-              <a:rPr kumimoji="1" lang="ko-Kore-KR" altLang="en-US" dirty="0"/>
-              <a:t>*</a:t>
-            </a:r>
-          </a:p>
-        </p:txBody>
-      </p:sp>
-      <p:sp>
-        <p:nvSpPr>
-          <p:cNvPr id="26" name="TextBox 25">
-            <a:extLst>
-              <a:ext uri="{FF2B5EF4-FFF2-40B4-BE49-F238E27FC236}">
-                <a16:creationId xmlns:a16="http://schemas.microsoft.com/office/drawing/2014/main" id="{AF04798A-D013-3144-8973-367D40E6DB35}"/>
-              </a:ext>
-            </a:extLst>
-          </p:cNvPr>
-          <p:cNvSpPr txBox="1"/>
-          <p:nvPr/>
-        </p:nvSpPr>
-        <p:spPr>
-          <a:xfrm>
-            <a:off x="5287015" y="2439252"/>
-            <a:ext cx="300082" cy="369332"/>
-          </a:xfrm>
-          <a:prstGeom prst="rect">
-            <a:avLst/>
-          </a:prstGeom>
-          <a:noFill/>
-        </p:spPr>
-        <p:txBody>
-          <a:bodyPr wrap="none" rtlCol="0">
-            <a:spAutoFit/>
-          </a:bodyPr>
-          <a:lstStyle/>
-          <a:p>
-            <a:r>
-              <a:rPr kumimoji="1" lang="ko-KR" altLang="en-US" dirty="0"/>
-              <a:t>*</a:t>
-            </a:r>
-            <a:endParaRPr kumimoji="1" lang="ko-Kore-KR" altLang="en-US" dirty="0"/>
-          </a:p>
-        </p:txBody>
-      </p:sp>
-      <p:cxnSp>
-        <p:nvCxnSpPr>
-          <p:cNvPr id="28" name="꺾인 연결선[E] 27">
-            <a:extLst>
-              <a:ext uri="{FF2B5EF4-FFF2-40B4-BE49-F238E27FC236}">
-                <a16:creationId xmlns:a16="http://schemas.microsoft.com/office/drawing/2014/main" id="{FBEEEDE9-D086-5541-B408-86A079C0FBB6}"/>
-              </a:ext>
-            </a:extLst>
-          </p:cNvPr>
-          <p:cNvCxnSpPr>
-            <a:stCxn id="4" idx="2"/>
-            <a:endCxn id="4" idx="1"/>
-          </p:cNvCxnSpPr>
-          <p:nvPr/>
-        </p:nvCxnSpPr>
-        <p:spPr>
-          <a:xfrm rot="5400000" flipH="1">
-            <a:off x="873905" y="2775197"/>
-            <a:ext cx="1033968" cy="727919"/>
-          </a:xfrm>
-          <a:prstGeom prst="bentConnector4">
-            <a:avLst>
-              <a:gd name="adj1" fmla="val -22109"/>
-              <a:gd name="adj2" fmla="val 131405"/>
-            </a:avLst>
-          </a:prstGeom>
-          <a:ln w="38100">
-            <a:solidFill>
+            </a:fontRef>
+          </p:style>
+        </p:cxnSp>
+        <p:sp>
+          <p:nvSpPr>
+            <p:cNvPr id="29" name="TextBox 28">
+              <a:extLst>
+                <a:ext uri="{FF2B5EF4-FFF2-40B4-BE49-F238E27FC236}">
+                  <a16:creationId xmlns:a16="http://schemas.microsoft.com/office/drawing/2014/main" id="{0CDDB793-DD11-8F47-AF20-548ECDD547EF}"/>
+                </a:ext>
+              </a:extLst>
+            </p:cNvPr>
+            <p:cNvSpPr txBox="1"/>
+            <p:nvPr/>
+          </p:nvSpPr>
+          <p:spPr>
+            <a:xfrm>
+              <a:off x="588347" y="3970472"/>
+              <a:ext cx="877163" cy="369332"/>
+            </a:xfrm>
+            <a:prstGeom prst="rect">
+              <a:avLst/>
+            </a:prstGeom>
+            <a:noFill/>
+          </p:spPr>
+          <p:txBody>
+            <a:bodyPr wrap="none" rtlCol="0">
+              <a:spAutoFit/>
+            </a:bodyPr>
+            <a:lstStyle/>
+            <a:p>
+              <a:r>
+                <a:rPr kumimoji="1" lang="ko-Kore-KR" altLang="en-US" dirty="0"/>
+                <a:t>팔로우</a:t>
+              </a:r>
+            </a:p>
+          </p:txBody>
+        </p:sp>
+        <p:sp>
+          <p:nvSpPr>
+            <p:cNvPr id="30" name="TextBox 29">
+              <a:extLst>
+                <a:ext uri="{FF2B5EF4-FFF2-40B4-BE49-F238E27FC236}">
+                  <a16:creationId xmlns:a16="http://schemas.microsoft.com/office/drawing/2014/main" id="{F1B2DD47-B655-9F4B-AA4B-90B967300E73}"/>
+                </a:ext>
+              </a:extLst>
+            </p:cNvPr>
+            <p:cNvSpPr txBox="1"/>
+            <p:nvPr/>
+          </p:nvSpPr>
+          <p:spPr>
+            <a:xfrm>
+              <a:off x="1783301" y="3785806"/>
+              <a:ext cx="300082" cy="369332"/>
+            </a:xfrm>
+            <a:prstGeom prst="rect">
+              <a:avLst/>
+            </a:prstGeom>
+            <a:noFill/>
+          </p:spPr>
+          <p:txBody>
+            <a:bodyPr wrap="none" rtlCol="0">
+              <a:spAutoFit/>
+            </a:bodyPr>
+            <a:lstStyle/>
+            <a:p>
+              <a:r>
+                <a:rPr kumimoji="1" lang="ko-Kore-KR" altLang="en-US" dirty="0"/>
+                <a:t>*</a:t>
+              </a:r>
+            </a:p>
+          </p:txBody>
+        </p:sp>
+        <p:sp>
+          <p:nvSpPr>
+            <p:cNvPr id="31" name="TextBox 30">
+              <a:extLst>
+                <a:ext uri="{FF2B5EF4-FFF2-40B4-BE49-F238E27FC236}">
+                  <a16:creationId xmlns:a16="http://schemas.microsoft.com/office/drawing/2014/main" id="{3170CF11-6CD4-C444-B8FD-BB5D9678D582}"/>
+                </a:ext>
+              </a:extLst>
+            </p:cNvPr>
+            <p:cNvSpPr txBox="1"/>
+            <p:nvPr/>
+          </p:nvSpPr>
+          <p:spPr>
+            <a:xfrm>
+              <a:off x="472835" y="2412820"/>
+              <a:ext cx="300082" cy="369332"/>
+            </a:xfrm>
+            <a:prstGeom prst="rect">
+              <a:avLst/>
+            </a:prstGeom>
+            <a:noFill/>
+          </p:spPr>
+          <p:txBody>
+            <a:bodyPr wrap="none" rtlCol="0">
+              <a:spAutoFit/>
+            </a:bodyPr>
+            <a:lstStyle/>
+            <a:p>
+              <a:r>
+                <a:rPr kumimoji="1" lang="ko-Kore-KR" altLang="en-US" dirty="0"/>
+                <a:t>*</a:t>
+              </a:r>
+            </a:p>
+          </p:txBody>
+        </p:sp>
+        <p:cxnSp>
+          <p:nvCxnSpPr>
+            <p:cNvPr id="32" name="꺾인 연결선[E] 31">
+              <a:extLst>
+                <a:ext uri="{FF2B5EF4-FFF2-40B4-BE49-F238E27FC236}">
+                  <a16:creationId xmlns:a16="http://schemas.microsoft.com/office/drawing/2014/main" id="{E90E2FF7-93CE-7B47-8410-49A070E92AA0}"/>
+                </a:ext>
+              </a:extLst>
+            </p:cNvPr>
+            <p:cNvCxnSpPr>
+              <a:cxnSpLocks/>
+              <a:stCxn id="6" idx="1"/>
+            </p:cNvCxnSpPr>
+            <p:nvPr/>
+          </p:nvCxnSpPr>
+          <p:spPr>
+            <a:xfrm rot="10800000">
+              <a:off x="2482785" y="3285504"/>
+              <a:ext cx="3167283" cy="2920308"/>
+            </a:xfrm>
+            <a:prstGeom prst="bentConnector3">
+              <a:avLst>
+                <a:gd name="adj1" fmla="val 50000"/>
+              </a:avLst>
+            </a:prstGeom>
+            <a:ln w="38100">
+              <a:solidFill>
+                <a:schemeClr val="tx1"/>
+              </a:solidFill>
+            </a:ln>
+          </p:spPr>
+          <p:style>
+            <a:lnRef idx="1">
+              <a:schemeClr val="accent1"/>
+            </a:lnRef>
+            <a:fillRef idx="0">
+              <a:schemeClr val="accent1"/>
+            </a:fillRef>
+            <a:effectRef idx="0">
+              <a:schemeClr val="accent1"/>
+            </a:effectRef>
+            <a:fontRef idx="minor">
               <a:schemeClr val="tx1"/>
-            </a:solidFill>
-          </a:ln>
-        </p:spPr>
-        <p:style>
-          <a:lnRef idx="1">
-            <a:schemeClr val="accent1"/>
-          </a:lnRef>
-          <a:fillRef idx="0">
-            <a:schemeClr val="accent1"/>
-          </a:fillRef>
-          <a:effectRef idx="0">
-            <a:schemeClr val="accent1"/>
-          </a:effectRef>
-          <a:fontRef idx="minor">
-            <a:schemeClr val="tx1"/>
-          </a:fontRef>
-        </p:style>
-      </p:cxnSp>
-      <p:sp>
-        <p:nvSpPr>
-          <p:cNvPr id="29" name="TextBox 28">
-            <a:extLst>
-              <a:ext uri="{FF2B5EF4-FFF2-40B4-BE49-F238E27FC236}">
-                <a16:creationId xmlns:a16="http://schemas.microsoft.com/office/drawing/2014/main" id="{0CDDB793-DD11-8F47-AF20-548ECDD547EF}"/>
-              </a:ext>
-            </a:extLst>
-          </p:cNvPr>
-          <p:cNvSpPr txBox="1"/>
-          <p:nvPr/>
-        </p:nvSpPr>
-        <p:spPr>
-          <a:xfrm>
-            <a:off x="588347" y="3970472"/>
-            <a:ext cx="877163" cy="369332"/>
-          </a:xfrm>
-          <a:prstGeom prst="rect">
-            <a:avLst/>
-          </a:prstGeom>
-          <a:noFill/>
-        </p:spPr>
-        <p:txBody>
-          <a:bodyPr wrap="none" rtlCol="0">
-            <a:spAutoFit/>
-          </a:bodyPr>
-          <a:lstStyle/>
-          <a:p>
-            <a:r>
-              <a:rPr kumimoji="1" lang="ko-Kore-KR" altLang="en-US" dirty="0"/>
-              <a:t>팔로우</a:t>
-            </a:r>
-          </a:p>
-        </p:txBody>
-      </p:sp>
-      <p:sp>
-        <p:nvSpPr>
-          <p:cNvPr id="30" name="TextBox 29">
-            <a:extLst>
-              <a:ext uri="{FF2B5EF4-FFF2-40B4-BE49-F238E27FC236}">
-                <a16:creationId xmlns:a16="http://schemas.microsoft.com/office/drawing/2014/main" id="{F1B2DD47-B655-9F4B-AA4B-90B967300E73}"/>
-              </a:ext>
-            </a:extLst>
-          </p:cNvPr>
-          <p:cNvSpPr txBox="1"/>
-          <p:nvPr/>
-        </p:nvSpPr>
-        <p:spPr>
-          <a:xfrm>
-            <a:off x="1783301" y="3785806"/>
-            <a:ext cx="300082" cy="369332"/>
-          </a:xfrm>
-          <a:prstGeom prst="rect">
-            <a:avLst/>
-          </a:prstGeom>
-          <a:noFill/>
-        </p:spPr>
-        <p:txBody>
-          <a:bodyPr wrap="none" rtlCol="0">
-            <a:spAutoFit/>
-          </a:bodyPr>
-          <a:lstStyle/>
-          <a:p>
-            <a:r>
-              <a:rPr kumimoji="1" lang="ko-Kore-KR" altLang="en-US" dirty="0"/>
-              <a:t>*</a:t>
-            </a:r>
-          </a:p>
-        </p:txBody>
-      </p:sp>
-      <p:sp>
-        <p:nvSpPr>
-          <p:cNvPr id="31" name="TextBox 30">
-            <a:extLst>
-              <a:ext uri="{FF2B5EF4-FFF2-40B4-BE49-F238E27FC236}">
-                <a16:creationId xmlns:a16="http://schemas.microsoft.com/office/drawing/2014/main" id="{3170CF11-6CD4-C444-B8FD-BB5D9678D582}"/>
-              </a:ext>
-            </a:extLst>
-          </p:cNvPr>
-          <p:cNvSpPr txBox="1"/>
-          <p:nvPr/>
-        </p:nvSpPr>
-        <p:spPr>
-          <a:xfrm>
-            <a:off x="472835" y="2412820"/>
-            <a:ext cx="300082" cy="369332"/>
-          </a:xfrm>
-          <a:prstGeom prst="rect">
-            <a:avLst/>
-          </a:prstGeom>
-          <a:noFill/>
-        </p:spPr>
-        <p:txBody>
-          <a:bodyPr wrap="none" rtlCol="0">
-            <a:spAutoFit/>
-          </a:bodyPr>
-          <a:lstStyle/>
-          <a:p>
-            <a:r>
-              <a:rPr kumimoji="1" lang="ko-Kore-KR" altLang="en-US" dirty="0"/>
-              <a:t>*</a:t>
-            </a:r>
-          </a:p>
-        </p:txBody>
-      </p:sp>
-      <p:cxnSp>
-        <p:nvCxnSpPr>
-          <p:cNvPr id="32" name="꺾인 연결선[E] 31">
-            <a:extLst>
-              <a:ext uri="{FF2B5EF4-FFF2-40B4-BE49-F238E27FC236}">
-                <a16:creationId xmlns:a16="http://schemas.microsoft.com/office/drawing/2014/main" id="{E90E2FF7-93CE-7B47-8410-49A070E92AA0}"/>
-              </a:ext>
-            </a:extLst>
-          </p:cNvPr>
-          <p:cNvCxnSpPr>
-            <a:cxnSpLocks/>
-            <a:stCxn id="6" idx="1"/>
-          </p:cNvCxnSpPr>
-          <p:nvPr/>
-        </p:nvCxnSpPr>
-        <p:spPr>
-          <a:xfrm rot="10800000">
-            <a:off x="2482785" y="3285504"/>
-            <a:ext cx="3167283" cy="2920308"/>
-          </a:xfrm>
-          <a:prstGeom prst="bentConnector3">
-            <a:avLst>
-              <a:gd name="adj1" fmla="val 50000"/>
-            </a:avLst>
-          </a:prstGeom>
-          <a:ln w="38100">
-            <a:solidFill>
+            </a:fontRef>
+          </p:style>
+        </p:cxnSp>
+        <p:sp>
+          <p:nvSpPr>
+            <p:cNvPr id="36" name="TextBox 35">
+              <a:extLst>
+                <a:ext uri="{FF2B5EF4-FFF2-40B4-BE49-F238E27FC236}">
+                  <a16:creationId xmlns:a16="http://schemas.microsoft.com/office/drawing/2014/main" id="{F2030E15-4076-A043-B9FA-8847394E3D75}"/>
+                </a:ext>
+              </a:extLst>
+            </p:cNvPr>
+            <p:cNvSpPr txBox="1"/>
+            <p:nvPr/>
+          </p:nvSpPr>
+          <p:spPr>
+            <a:xfrm>
+              <a:off x="3166112" y="4479441"/>
+              <a:ext cx="877163" cy="369332"/>
+            </a:xfrm>
+            <a:prstGeom prst="rect">
+              <a:avLst/>
+            </a:prstGeom>
+            <a:noFill/>
+          </p:spPr>
+          <p:txBody>
+            <a:bodyPr wrap="none" rtlCol="0">
+              <a:spAutoFit/>
+            </a:bodyPr>
+            <a:lstStyle/>
+            <a:p>
+              <a:r>
+                <a:rPr kumimoji="1" lang="ko-Kore-KR" altLang="en-US" dirty="0"/>
+                <a:t>관심사</a:t>
+              </a:r>
+            </a:p>
+          </p:txBody>
+        </p:sp>
+        <p:sp>
+          <p:nvSpPr>
+            <p:cNvPr id="37" name="TextBox 36">
+              <a:extLst>
+                <a:ext uri="{FF2B5EF4-FFF2-40B4-BE49-F238E27FC236}">
+                  <a16:creationId xmlns:a16="http://schemas.microsoft.com/office/drawing/2014/main" id="{A66DBE67-72C7-CB4C-88FD-122DBCFCEE34}"/>
+                </a:ext>
+              </a:extLst>
+            </p:cNvPr>
+            <p:cNvSpPr txBox="1"/>
+            <p:nvPr/>
+          </p:nvSpPr>
+          <p:spPr>
+            <a:xfrm>
+              <a:off x="2560789" y="3348503"/>
+              <a:ext cx="300082" cy="369332"/>
+            </a:xfrm>
+            <a:prstGeom prst="rect">
+              <a:avLst/>
+            </a:prstGeom>
+            <a:noFill/>
+          </p:spPr>
+          <p:txBody>
+            <a:bodyPr wrap="none" rtlCol="0">
+              <a:spAutoFit/>
+            </a:bodyPr>
+            <a:lstStyle/>
+            <a:p>
+              <a:r>
+                <a:rPr kumimoji="1" lang="ko-Kore-KR" altLang="en-US" dirty="0"/>
+                <a:t>*</a:t>
+              </a:r>
+            </a:p>
+          </p:txBody>
+        </p:sp>
+        <p:sp>
+          <p:nvSpPr>
+            <p:cNvPr id="38" name="TextBox 37">
+              <a:extLst>
+                <a:ext uri="{FF2B5EF4-FFF2-40B4-BE49-F238E27FC236}">
+                  <a16:creationId xmlns:a16="http://schemas.microsoft.com/office/drawing/2014/main" id="{425C2D39-5598-9242-9012-EB7EC9E1873E}"/>
+                </a:ext>
+              </a:extLst>
+            </p:cNvPr>
+            <p:cNvSpPr txBox="1"/>
+            <p:nvPr/>
+          </p:nvSpPr>
+          <p:spPr>
+            <a:xfrm>
+              <a:off x="5281539" y="5836479"/>
+              <a:ext cx="300082" cy="369332"/>
+            </a:xfrm>
+            <a:prstGeom prst="rect">
+              <a:avLst/>
+            </a:prstGeom>
+            <a:noFill/>
+          </p:spPr>
+          <p:txBody>
+            <a:bodyPr wrap="none" rtlCol="0">
+              <a:spAutoFit/>
+            </a:bodyPr>
+            <a:lstStyle/>
+            <a:p>
+              <a:r>
+                <a:rPr kumimoji="1" lang="ko-Kore-KR" altLang="en-US" dirty="0"/>
+                <a:t>*</a:t>
+              </a:r>
+            </a:p>
+          </p:txBody>
+        </p:sp>
+        <p:cxnSp>
+          <p:nvCxnSpPr>
+            <p:cNvPr id="39" name="꺾인 연결선[E] 38">
+              <a:extLst>
+                <a:ext uri="{FF2B5EF4-FFF2-40B4-BE49-F238E27FC236}">
+                  <a16:creationId xmlns:a16="http://schemas.microsoft.com/office/drawing/2014/main" id="{B52189A6-B6CC-5B4F-9C68-5A5D4EB265A7}"/>
+                </a:ext>
+              </a:extLst>
+            </p:cNvPr>
+            <p:cNvCxnSpPr>
+              <a:cxnSpLocks/>
+              <a:stCxn id="7" idx="0"/>
+              <a:endCxn id="4" idx="0"/>
+            </p:cNvCxnSpPr>
+            <p:nvPr/>
+          </p:nvCxnSpPr>
+          <p:spPr>
+            <a:xfrm rot="16200000" flipV="1">
+              <a:off x="6472115" y="-2700220"/>
+              <a:ext cx="12700" cy="8576849"/>
+            </a:xfrm>
+            <a:prstGeom prst="bentConnector3">
+              <a:avLst>
+                <a:gd name="adj1" fmla="val 4023528"/>
+              </a:avLst>
+            </a:prstGeom>
+            <a:ln w="38100">
+              <a:solidFill>
+                <a:schemeClr val="tx1"/>
+              </a:solidFill>
+            </a:ln>
+          </p:spPr>
+          <p:style>
+            <a:lnRef idx="1">
+              <a:schemeClr val="accent1"/>
+            </a:lnRef>
+            <a:fillRef idx="0">
+              <a:schemeClr val="accent1"/>
+            </a:fillRef>
+            <a:effectRef idx="0">
+              <a:schemeClr val="accent1"/>
+            </a:effectRef>
+            <a:fontRef idx="minor">
               <a:schemeClr val="tx1"/>
-            </a:solidFill>
-          </a:ln>
-        </p:spPr>
-        <p:style>
-          <a:lnRef idx="1">
-            <a:schemeClr val="accent1"/>
-          </a:lnRef>
-          <a:fillRef idx="0">
-            <a:schemeClr val="accent1"/>
-          </a:fillRef>
-          <a:effectRef idx="0">
-            <a:schemeClr val="accent1"/>
-          </a:effectRef>
-          <a:fontRef idx="minor">
-            <a:schemeClr val="tx1"/>
-          </a:fontRef>
-        </p:style>
-      </p:cxnSp>
-      <p:sp>
-        <p:nvSpPr>
-          <p:cNvPr id="36" name="TextBox 35">
-            <a:extLst>
-              <a:ext uri="{FF2B5EF4-FFF2-40B4-BE49-F238E27FC236}">
-                <a16:creationId xmlns:a16="http://schemas.microsoft.com/office/drawing/2014/main" id="{F2030E15-4076-A043-B9FA-8847394E3D75}"/>
-              </a:ext>
-            </a:extLst>
-          </p:cNvPr>
-          <p:cNvSpPr txBox="1"/>
-          <p:nvPr/>
-        </p:nvSpPr>
-        <p:spPr>
-          <a:xfrm>
-            <a:off x="3166112" y="4479441"/>
-            <a:ext cx="877163" cy="369332"/>
-          </a:xfrm>
-          <a:prstGeom prst="rect">
-            <a:avLst/>
-          </a:prstGeom>
-          <a:noFill/>
-        </p:spPr>
-        <p:txBody>
-          <a:bodyPr wrap="none" rtlCol="0">
-            <a:spAutoFit/>
-          </a:bodyPr>
-          <a:lstStyle/>
-          <a:p>
-            <a:r>
-              <a:rPr kumimoji="1" lang="ko-Kore-KR" altLang="en-US" dirty="0"/>
-              <a:t>관심사</a:t>
-            </a:r>
-          </a:p>
-        </p:txBody>
-      </p:sp>
-      <p:sp>
-        <p:nvSpPr>
-          <p:cNvPr id="37" name="TextBox 36">
-            <a:extLst>
-              <a:ext uri="{FF2B5EF4-FFF2-40B4-BE49-F238E27FC236}">
-                <a16:creationId xmlns:a16="http://schemas.microsoft.com/office/drawing/2014/main" id="{A66DBE67-72C7-CB4C-88FD-122DBCFCEE34}"/>
-              </a:ext>
-            </a:extLst>
-          </p:cNvPr>
-          <p:cNvSpPr txBox="1"/>
-          <p:nvPr/>
-        </p:nvSpPr>
-        <p:spPr>
-          <a:xfrm>
-            <a:off x="2560789" y="3348503"/>
-            <a:ext cx="300082" cy="369332"/>
-          </a:xfrm>
-          <a:prstGeom prst="rect">
-            <a:avLst/>
-          </a:prstGeom>
-          <a:noFill/>
-        </p:spPr>
-        <p:txBody>
-          <a:bodyPr wrap="none" rtlCol="0">
-            <a:spAutoFit/>
-          </a:bodyPr>
-          <a:lstStyle/>
-          <a:p>
-            <a:r>
-              <a:rPr kumimoji="1" lang="ko-Kore-KR" altLang="en-US" dirty="0"/>
-              <a:t>*</a:t>
-            </a:r>
-          </a:p>
-        </p:txBody>
-      </p:sp>
-      <p:sp>
-        <p:nvSpPr>
-          <p:cNvPr id="38" name="TextBox 37">
-            <a:extLst>
-              <a:ext uri="{FF2B5EF4-FFF2-40B4-BE49-F238E27FC236}">
-                <a16:creationId xmlns:a16="http://schemas.microsoft.com/office/drawing/2014/main" id="{425C2D39-5598-9242-9012-EB7EC9E1873E}"/>
-              </a:ext>
-            </a:extLst>
-          </p:cNvPr>
-          <p:cNvSpPr txBox="1"/>
-          <p:nvPr/>
-        </p:nvSpPr>
-        <p:spPr>
-          <a:xfrm>
-            <a:off x="5281539" y="5836479"/>
-            <a:ext cx="300082" cy="369332"/>
-          </a:xfrm>
-          <a:prstGeom prst="rect">
-            <a:avLst/>
-          </a:prstGeom>
-          <a:noFill/>
-        </p:spPr>
-        <p:txBody>
-          <a:bodyPr wrap="none" rtlCol="0">
-            <a:spAutoFit/>
-          </a:bodyPr>
-          <a:lstStyle/>
-          <a:p>
-            <a:r>
-              <a:rPr kumimoji="1" lang="ko-Kore-KR" altLang="en-US" dirty="0"/>
-              <a:t>*</a:t>
-            </a:r>
-          </a:p>
-        </p:txBody>
-      </p:sp>
-      <p:cxnSp>
-        <p:nvCxnSpPr>
-          <p:cNvPr id="39" name="꺾인 연결선[E] 38">
-            <a:extLst>
-              <a:ext uri="{FF2B5EF4-FFF2-40B4-BE49-F238E27FC236}">
-                <a16:creationId xmlns:a16="http://schemas.microsoft.com/office/drawing/2014/main" id="{B52189A6-B6CC-5B4F-9C68-5A5D4EB265A7}"/>
-              </a:ext>
-            </a:extLst>
-          </p:cNvPr>
-          <p:cNvCxnSpPr>
-            <a:cxnSpLocks/>
-            <a:stCxn id="7" idx="0"/>
-            <a:endCxn id="4" idx="0"/>
-          </p:cNvCxnSpPr>
-          <p:nvPr/>
-        </p:nvCxnSpPr>
-        <p:spPr>
-          <a:xfrm rot="16200000" flipV="1">
-            <a:off x="6472115" y="-2700220"/>
-            <a:ext cx="12700" cy="8576849"/>
-          </a:xfrm>
-          <a:prstGeom prst="bentConnector3">
-            <a:avLst>
-              <a:gd name="adj1" fmla="val 4023528"/>
-            </a:avLst>
-          </a:prstGeom>
-          <a:ln w="38100">
-            <a:solidFill>
+            </a:fontRef>
+          </p:style>
+        </p:cxnSp>
+        <p:sp>
+          <p:nvSpPr>
+            <p:cNvPr id="43" name="TextBox 42">
+              <a:extLst>
+                <a:ext uri="{FF2B5EF4-FFF2-40B4-BE49-F238E27FC236}">
+                  <a16:creationId xmlns:a16="http://schemas.microsoft.com/office/drawing/2014/main" id="{B20B2BB4-EDE6-CF46-B2DD-50C969FA0BF7}"/>
+                </a:ext>
+              </a:extLst>
+            </p:cNvPr>
+            <p:cNvSpPr txBox="1"/>
+            <p:nvPr/>
+          </p:nvSpPr>
+          <p:spPr>
+            <a:xfrm>
+              <a:off x="5939404" y="645687"/>
+              <a:ext cx="877163" cy="369332"/>
+            </a:xfrm>
+            <a:prstGeom prst="rect">
+              <a:avLst/>
+            </a:prstGeom>
+            <a:noFill/>
+          </p:spPr>
+          <p:txBody>
+            <a:bodyPr wrap="none" rtlCol="0">
+              <a:spAutoFit/>
+            </a:bodyPr>
+            <a:lstStyle/>
+            <a:p>
+              <a:r>
+                <a:rPr kumimoji="1" lang="ko-Kore-KR" altLang="en-US" dirty="0"/>
+                <a:t>작성자</a:t>
+              </a:r>
+            </a:p>
+          </p:txBody>
+        </p:sp>
+        <p:sp>
+          <p:nvSpPr>
+            <p:cNvPr id="44" name="TextBox 43">
+              <a:extLst>
+                <a:ext uri="{FF2B5EF4-FFF2-40B4-BE49-F238E27FC236}">
+                  <a16:creationId xmlns:a16="http://schemas.microsoft.com/office/drawing/2014/main" id="{59A0C77A-F79E-F54D-961C-04C4AE428918}"/>
+                </a:ext>
+              </a:extLst>
+            </p:cNvPr>
+            <p:cNvSpPr txBox="1"/>
+            <p:nvPr/>
+          </p:nvSpPr>
+          <p:spPr>
+            <a:xfrm>
+              <a:off x="2226756" y="1203510"/>
+              <a:ext cx="301686" cy="369332"/>
+            </a:xfrm>
+            <a:prstGeom prst="rect">
+              <a:avLst/>
+            </a:prstGeom>
+            <a:noFill/>
+          </p:spPr>
+          <p:txBody>
+            <a:bodyPr wrap="none" rtlCol="0">
+              <a:spAutoFit/>
+            </a:bodyPr>
+            <a:lstStyle/>
+            <a:p>
+              <a:r>
+                <a:rPr kumimoji="1" lang="en-US" altLang="ko-Kore-KR" dirty="0"/>
+                <a:t>1</a:t>
+              </a:r>
+              <a:endParaRPr kumimoji="1" lang="ko-Kore-KR" altLang="en-US" dirty="0"/>
+            </a:p>
+          </p:txBody>
+        </p:sp>
+        <p:sp>
+          <p:nvSpPr>
+            <p:cNvPr id="45" name="TextBox 44">
+              <a:extLst>
+                <a:ext uri="{FF2B5EF4-FFF2-40B4-BE49-F238E27FC236}">
+                  <a16:creationId xmlns:a16="http://schemas.microsoft.com/office/drawing/2014/main" id="{971AC82B-75F7-6640-9676-FD7A807442B1}"/>
+                </a:ext>
+              </a:extLst>
+            </p:cNvPr>
+            <p:cNvSpPr txBox="1"/>
+            <p:nvPr/>
+          </p:nvSpPr>
+          <p:spPr>
+            <a:xfrm>
+              <a:off x="10449797" y="1179522"/>
+              <a:ext cx="301686" cy="369332"/>
+            </a:xfrm>
+            <a:prstGeom prst="rect">
+              <a:avLst/>
+            </a:prstGeom>
+            <a:noFill/>
+          </p:spPr>
+          <p:txBody>
+            <a:bodyPr wrap="none" rtlCol="0">
+              <a:spAutoFit/>
+            </a:bodyPr>
+            <a:lstStyle/>
+            <a:p>
+              <a:r>
+                <a:rPr kumimoji="1" lang="en-US" altLang="ko-Kore-KR" dirty="0"/>
+                <a:t>*</a:t>
+              </a:r>
+              <a:endParaRPr kumimoji="1" lang="ko-Kore-KR" altLang="en-US" dirty="0"/>
+            </a:p>
+          </p:txBody>
+        </p:sp>
+        <p:sp>
+          <p:nvSpPr>
+            <p:cNvPr id="51" name="TextBox 50">
+              <a:extLst>
+                <a:ext uri="{FF2B5EF4-FFF2-40B4-BE49-F238E27FC236}">
+                  <a16:creationId xmlns:a16="http://schemas.microsoft.com/office/drawing/2014/main" id="{2BF60BEE-F2CE-6849-BBFE-5D5717EAFD67}"/>
+                </a:ext>
+              </a:extLst>
+            </p:cNvPr>
+            <p:cNvSpPr txBox="1"/>
+            <p:nvPr/>
+          </p:nvSpPr>
+          <p:spPr>
+            <a:xfrm>
+              <a:off x="5939404" y="-174490"/>
+              <a:ext cx="877163" cy="369332"/>
+            </a:xfrm>
+            <a:prstGeom prst="rect">
+              <a:avLst/>
+            </a:prstGeom>
+            <a:noFill/>
+          </p:spPr>
+          <p:txBody>
+            <a:bodyPr wrap="none" rtlCol="0">
+              <a:spAutoFit/>
+            </a:bodyPr>
+            <a:lstStyle/>
+            <a:p>
+              <a:r>
+                <a:rPr kumimoji="1" lang="ko-Kore-KR" altLang="en-US" dirty="0"/>
+                <a:t>좋아요</a:t>
+              </a:r>
+            </a:p>
+          </p:txBody>
+        </p:sp>
+        <p:cxnSp>
+          <p:nvCxnSpPr>
+            <p:cNvPr id="50" name="꺾인 연결선[E] 49">
+              <a:extLst>
+                <a:ext uri="{FF2B5EF4-FFF2-40B4-BE49-F238E27FC236}">
+                  <a16:creationId xmlns:a16="http://schemas.microsoft.com/office/drawing/2014/main" id="{7151296B-6963-E645-A2AF-7B4635331483}"/>
+                </a:ext>
+              </a:extLst>
+            </p:cNvPr>
+            <p:cNvCxnSpPr>
+              <a:cxnSpLocks/>
+            </p:cNvCxnSpPr>
+            <p:nvPr/>
+          </p:nvCxnSpPr>
+          <p:spPr>
+            <a:xfrm rot="16200000" flipV="1">
+              <a:off x="6497618" y="-3610530"/>
+              <a:ext cx="32941" cy="10377987"/>
+            </a:xfrm>
+            <a:prstGeom prst="bentConnector3">
+              <a:avLst>
+                <a:gd name="adj1" fmla="val 4023528"/>
+              </a:avLst>
+            </a:prstGeom>
+            <a:ln w="38100">
+              <a:solidFill>
+                <a:schemeClr val="tx1"/>
+              </a:solidFill>
+            </a:ln>
+          </p:spPr>
+          <p:style>
+            <a:lnRef idx="1">
+              <a:schemeClr val="accent1"/>
+            </a:lnRef>
+            <a:fillRef idx="0">
+              <a:schemeClr val="accent1"/>
+            </a:fillRef>
+            <a:effectRef idx="0">
+              <a:schemeClr val="accent1"/>
+            </a:effectRef>
+            <a:fontRef idx="minor">
               <a:schemeClr val="tx1"/>
-            </a:solidFill>
-          </a:ln>
-        </p:spPr>
-        <p:style>
-          <a:lnRef idx="1">
-            <a:schemeClr val="accent1"/>
-          </a:lnRef>
-          <a:fillRef idx="0">
-            <a:schemeClr val="accent1"/>
-          </a:fillRef>
-          <a:effectRef idx="0">
-            <a:schemeClr val="accent1"/>
-          </a:effectRef>
-          <a:fontRef idx="minor">
-            <a:schemeClr val="tx1"/>
-          </a:fontRef>
-        </p:style>
-      </p:cxnSp>
-      <p:sp>
-        <p:nvSpPr>
-          <p:cNvPr id="43" name="TextBox 42">
-            <a:extLst>
-              <a:ext uri="{FF2B5EF4-FFF2-40B4-BE49-F238E27FC236}">
-                <a16:creationId xmlns:a16="http://schemas.microsoft.com/office/drawing/2014/main" id="{B20B2BB4-EDE6-CF46-B2DD-50C969FA0BF7}"/>
-              </a:ext>
-            </a:extLst>
-          </p:cNvPr>
-          <p:cNvSpPr txBox="1"/>
-          <p:nvPr/>
-        </p:nvSpPr>
-        <p:spPr>
-          <a:xfrm>
-            <a:off x="5939404" y="645687"/>
-            <a:ext cx="877163" cy="369332"/>
-          </a:xfrm>
-          <a:prstGeom prst="rect">
-            <a:avLst/>
-          </a:prstGeom>
-          <a:noFill/>
-        </p:spPr>
-        <p:txBody>
-          <a:bodyPr wrap="none" rtlCol="0">
-            <a:spAutoFit/>
-          </a:bodyPr>
-          <a:lstStyle/>
-          <a:p>
-            <a:r>
-              <a:rPr kumimoji="1" lang="ko-Kore-KR" altLang="en-US" dirty="0"/>
-              <a:t>작성자</a:t>
-            </a:r>
-          </a:p>
-        </p:txBody>
-      </p:sp>
-      <p:sp>
-        <p:nvSpPr>
-          <p:cNvPr id="44" name="TextBox 43">
-            <a:extLst>
-              <a:ext uri="{FF2B5EF4-FFF2-40B4-BE49-F238E27FC236}">
-                <a16:creationId xmlns:a16="http://schemas.microsoft.com/office/drawing/2014/main" id="{59A0C77A-F79E-F54D-961C-04C4AE428918}"/>
-              </a:ext>
-            </a:extLst>
-          </p:cNvPr>
-          <p:cNvSpPr txBox="1"/>
-          <p:nvPr/>
-        </p:nvSpPr>
-        <p:spPr>
-          <a:xfrm>
-            <a:off x="2226756" y="1203510"/>
-            <a:ext cx="300082" cy="369332"/>
-          </a:xfrm>
-          <a:prstGeom prst="rect">
-            <a:avLst/>
-          </a:prstGeom>
-          <a:noFill/>
-        </p:spPr>
-        <p:txBody>
-          <a:bodyPr wrap="none" rtlCol="0">
-            <a:spAutoFit/>
-          </a:bodyPr>
-          <a:lstStyle/>
-          <a:p>
-            <a:r>
-              <a:rPr kumimoji="1" lang="ko-Kore-KR" altLang="en-US" dirty="0"/>
-              <a:t>*</a:t>
-            </a:r>
-          </a:p>
-        </p:txBody>
-      </p:sp>
-      <p:sp>
-        <p:nvSpPr>
-          <p:cNvPr id="45" name="TextBox 44">
-            <a:extLst>
-              <a:ext uri="{FF2B5EF4-FFF2-40B4-BE49-F238E27FC236}">
-                <a16:creationId xmlns:a16="http://schemas.microsoft.com/office/drawing/2014/main" id="{971AC82B-75F7-6640-9676-FD7A807442B1}"/>
-              </a:ext>
-            </a:extLst>
-          </p:cNvPr>
-          <p:cNvSpPr txBox="1"/>
-          <p:nvPr/>
-        </p:nvSpPr>
-        <p:spPr>
-          <a:xfrm>
-            <a:off x="10449797" y="1179522"/>
-            <a:ext cx="301686" cy="369332"/>
-          </a:xfrm>
-          <a:prstGeom prst="rect">
-            <a:avLst/>
-          </a:prstGeom>
-          <a:noFill/>
-        </p:spPr>
-        <p:txBody>
-          <a:bodyPr wrap="none" rtlCol="0">
-            <a:spAutoFit/>
-          </a:bodyPr>
-          <a:lstStyle/>
-          <a:p>
-            <a:r>
-              <a:rPr kumimoji="1" lang="en-US" altLang="ko-Kore-KR" dirty="0"/>
-              <a:t>1</a:t>
-            </a:r>
-            <a:endParaRPr kumimoji="1" lang="ko-Kore-KR" altLang="en-US" dirty="0"/>
-          </a:p>
-        </p:txBody>
-      </p:sp>
-      <p:sp>
-        <p:nvSpPr>
-          <p:cNvPr id="51" name="TextBox 50">
-            <a:extLst>
-              <a:ext uri="{FF2B5EF4-FFF2-40B4-BE49-F238E27FC236}">
-                <a16:creationId xmlns:a16="http://schemas.microsoft.com/office/drawing/2014/main" id="{2BF60BEE-F2CE-6849-BBFE-5D5717EAFD67}"/>
-              </a:ext>
-            </a:extLst>
-          </p:cNvPr>
-          <p:cNvSpPr txBox="1"/>
-          <p:nvPr/>
-        </p:nvSpPr>
-        <p:spPr>
-          <a:xfrm>
-            <a:off x="5939404" y="-174490"/>
-            <a:ext cx="877163" cy="369332"/>
-          </a:xfrm>
-          <a:prstGeom prst="rect">
-            <a:avLst/>
-          </a:prstGeom>
-          <a:noFill/>
-        </p:spPr>
-        <p:txBody>
-          <a:bodyPr wrap="none" rtlCol="0">
-            <a:spAutoFit/>
-          </a:bodyPr>
-          <a:lstStyle/>
-          <a:p>
-            <a:r>
-              <a:rPr kumimoji="1" lang="ko-Kore-KR" altLang="en-US" dirty="0"/>
-              <a:t>좋아요</a:t>
-            </a:r>
-          </a:p>
-        </p:txBody>
-      </p:sp>
-      <p:cxnSp>
-        <p:nvCxnSpPr>
-          <p:cNvPr id="50" name="꺾인 연결선[E] 49">
-            <a:extLst>
-              <a:ext uri="{FF2B5EF4-FFF2-40B4-BE49-F238E27FC236}">
-                <a16:creationId xmlns:a16="http://schemas.microsoft.com/office/drawing/2014/main" id="{7151296B-6963-E645-A2AF-7B4635331483}"/>
-              </a:ext>
-            </a:extLst>
-          </p:cNvPr>
-          <p:cNvCxnSpPr>
-            <a:cxnSpLocks/>
-          </p:cNvCxnSpPr>
-          <p:nvPr/>
-        </p:nvCxnSpPr>
-        <p:spPr>
-          <a:xfrm rot="16200000" flipV="1">
-            <a:off x="6497618" y="-3610530"/>
-            <a:ext cx="32941" cy="10377987"/>
-          </a:xfrm>
-          <a:prstGeom prst="bentConnector3">
-            <a:avLst>
-              <a:gd name="adj1" fmla="val 4023528"/>
-            </a:avLst>
-          </a:prstGeom>
-          <a:ln w="38100">
-            <a:solidFill>
+            </a:fontRef>
+          </p:style>
+        </p:cxnSp>
+        <p:sp>
+          <p:nvSpPr>
+            <p:cNvPr id="52" name="TextBox 51">
+              <a:extLst>
+                <a:ext uri="{FF2B5EF4-FFF2-40B4-BE49-F238E27FC236}">
+                  <a16:creationId xmlns:a16="http://schemas.microsoft.com/office/drawing/2014/main" id="{38B523AC-5BD7-C747-AE6A-227FE200CB4D}"/>
+                </a:ext>
+              </a:extLst>
+            </p:cNvPr>
+            <p:cNvSpPr txBox="1"/>
+            <p:nvPr/>
+          </p:nvSpPr>
+          <p:spPr>
+            <a:xfrm>
+              <a:off x="1369520" y="580664"/>
+              <a:ext cx="363099" cy="957953"/>
+            </a:xfrm>
+            <a:prstGeom prst="rect">
+              <a:avLst/>
+            </a:prstGeom>
+            <a:noFill/>
+          </p:spPr>
+          <p:txBody>
+            <a:bodyPr wrap="none" rtlCol="0">
+              <a:spAutoFit/>
+            </a:bodyPr>
+            <a:lstStyle/>
+            <a:p>
+              <a:r>
+                <a:rPr kumimoji="1" lang="ko-Kore-KR" altLang="en-US" dirty="0"/>
+                <a:t>*</a:t>
+              </a:r>
+            </a:p>
+          </p:txBody>
+        </p:sp>
+        <p:sp>
+          <p:nvSpPr>
+            <p:cNvPr id="53" name="TextBox 52">
+              <a:extLst>
+                <a:ext uri="{FF2B5EF4-FFF2-40B4-BE49-F238E27FC236}">
+                  <a16:creationId xmlns:a16="http://schemas.microsoft.com/office/drawing/2014/main" id="{DA532E0C-8DC8-8D43-A498-4525D8F49263}"/>
+                </a:ext>
+              </a:extLst>
+            </p:cNvPr>
+            <p:cNvSpPr txBox="1"/>
+            <p:nvPr/>
+          </p:nvSpPr>
+          <p:spPr>
+            <a:xfrm>
+              <a:off x="11319400" y="518445"/>
+              <a:ext cx="300082" cy="369331"/>
+            </a:xfrm>
+            <a:prstGeom prst="rect">
+              <a:avLst/>
+            </a:prstGeom>
+            <a:noFill/>
+          </p:spPr>
+          <p:txBody>
+            <a:bodyPr wrap="none" rtlCol="0">
+              <a:spAutoFit/>
+            </a:bodyPr>
+            <a:lstStyle/>
+            <a:p>
+              <a:r>
+                <a:rPr kumimoji="1" lang="ko-KR" altLang="en-US" dirty="0"/>
+                <a:t>*</a:t>
+              </a:r>
+              <a:endParaRPr kumimoji="1" lang="ko-Kore-KR" altLang="en-US" dirty="0"/>
+            </a:p>
+          </p:txBody>
+        </p:sp>
+        <p:sp>
+          <p:nvSpPr>
+            <p:cNvPr id="65" name="TextBox 64">
+              <a:extLst>
+                <a:ext uri="{FF2B5EF4-FFF2-40B4-BE49-F238E27FC236}">
+                  <a16:creationId xmlns:a16="http://schemas.microsoft.com/office/drawing/2014/main" id="{6AD5852D-1364-5744-B18C-BDF0573A3A3B}"/>
+                </a:ext>
+              </a:extLst>
+            </p:cNvPr>
+            <p:cNvSpPr txBox="1"/>
+            <p:nvPr/>
+          </p:nvSpPr>
+          <p:spPr>
+            <a:xfrm>
+              <a:off x="6377985" y="4314045"/>
+              <a:ext cx="1160895" cy="369332"/>
+            </a:xfrm>
+            <a:prstGeom prst="rect">
+              <a:avLst/>
+            </a:prstGeom>
+            <a:noFill/>
+          </p:spPr>
+          <p:txBody>
+            <a:bodyPr wrap="none" rtlCol="0">
+              <a:spAutoFit/>
+            </a:bodyPr>
+            <a:lstStyle/>
+            <a:p>
+              <a:r>
+                <a:rPr kumimoji="1" lang="ko-Kore-KR" altLang="en-US" dirty="0"/>
+                <a:t>관련</a:t>
+              </a:r>
+              <a:r>
+                <a:rPr kumimoji="1" lang="ko-KR" altLang="en-US" dirty="0"/>
+                <a:t> 주제</a:t>
+              </a:r>
+              <a:endParaRPr kumimoji="1" lang="ko-Kore-KR" altLang="en-US" dirty="0"/>
+            </a:p>
+          </p:txBody>
+        </p:sp>
+        <p:sp>
+          <p:nvSpPr>
+            <p:cNvPr id="66" name="TextBox 65">
+              <a:extLst>
+                <a:ext uri="{FF2B5EF4-FFF2-40B4-BE49-F238E27FC236}">
+                  <a16:creationId xmlns:a16="http://schemas.microsoft.com/office/drawing/2014/main" id="{A661C596-7F12-E14E-8A35-479232C92DC7}"/>
+                </a:ext>
+              </a:extLst>
+            </p:cNvPr>
+            <p:cNvSpPr txBox="1"/>
+            <p:nvPr/>
+          </p:nvSpPr>
+          <p:spPr>
+            <a:xfrm>
+              <a:off x="6420792" y="5214387"/>
+              <a:ext cx="300082" cy="369332"/>
+            </a:xfrm>
+            <a:prstGeom prst="rect">
+              <a:avLst/>
+            </a:prstGeom>
+            <a:noFill/>
+          </p:spPr>
+          <p:txBody>
+            <a:bodyPr wrap="none" rtlCol="0">
+              <a:spAutoFit/>
+            </a:bodyPr>
+            <a:lstStyle/>
+            <a:p>
+              <a:r>
+                <a:rPr kumimoji="1" lang="ko-Kore-KR" altLang="en-US" dirty="0"/>
+                <a:t>*</a:t>
+              </a:r>
+            </a:p>
+          </p:txBody>
+        </p:sp>
+        <p:sp>
+          <p:nvSpPr>
+            <p:cNvPr id="67" name="TextBox 66">
+              <a:extLst>
+                <a:ext uri="{FF2B5EF4-FFF2-40B4-BE49-F238E27FC236}">
+                  <a16:creationId xmlns:a16="http://schemas.microsoft.com/office/drawing/2014/main" id="{758FB94C-D31B-6745-806A-1357C56FB9A3}"/>
+                </a:ext>
+              </a:extLst>
+            </p:cNvPr>
+            <p:cNvSpPr txBox="1"/>
+            <p:nvPr/>
+          </p:nvSpPr>
+          <p:spPr>
+            <a:xfrm>
+              <a:off x="6413297" y="3670400"/>
+              <a:ext cx="300082" cy="369332"/>
+            </a:xfrm>
+            <a:prstGeom prst="rect">
+              <a:avLst/>
+            </a:prstGeom>
+            <a:noFill/>
+          </p:spPr>
+          <p:txBody>
+            <a:bodyPr wrap="none" rtlCol="0">
+              <a:spAutoFit/>
+            </a:bodyPr>
+            <a:lstStyle/>
+            <a:p>
+              <a:r>
+                <a:rPr kumimoji="1" lang="ko-Kore-KR" altLang="en-US" dirty="0"/>
+                <a:t>*</a:t>
+              </a:r>
+            </a:p>
+          </p:txBody>
+        </p:sp>
+        <p:sp>
+          <p:nvSpPr>
+            <p:cNvPr id="68" name="TextBox 67">
+              <a:extLst>
+                <a:ext uri="{FF2B5EF4-FFF2-40B4-BE49-F238E27FC236}">
+                  <a16:creationId xmlns:a16="http://schemas.microsoft.com/office/drawing/2014/main" id="{11E20DBA-CE2C-DC41-8C97-18C8FBAA2440}"/>
+                </a:ext>
+              </a:extLst>
+            </p:cNvPr>
+            <p:cNvSpPr txBox="1"/>
+            <p:nvPr/>
+          </p:nvSpPr>
+          <p:spPr>
+            <a:xfrm>
+              <a:off x="7139438" y="1895389"/>
+              <a:ext cx="300082" cy="369332"/>
+            </a:xfrm>
+            <a:prstGeom prst="rect">
+              <a:avLst/>
+            </a:prstGeom>
+            <a:noFill/>
+          </p:spPr>
+          <p:txBody>
+            <a:bodyPr wrap="none" rtlCol="0">
+              <a:spAutoFit/>
+            </a:bodyPr>
+            <a:lstStyle/>
+            <a:p>
+              <a:r>
+                <a:rPr kumimoji="1" lang="en-US" altLang="ko-Kore-KR" dirty="0"/>
+                <a:t>1</a:t>
+              </a:r>
+              <a:endParaRPr kumimoji="1" lang="ko-Kore-KR" altLang="en-US" dirty="0"/>
+            </a:p>
+          </p:txBody>
+        </p:sp>
+        <p:sp>
+          <p:nvSpPr>
+            <p:cNvPr id="69" name="TextBox 68">
+              <a:extLst>
+                <a:ext uri="{FF2B5EF4-FFF2-40B4-BE49-F238E27FC236}">
+                  <a16:creationId xmlns:a16="http://schemas.microsoft.com/office/drawing/2014/main" id="{A40DDDBC-D20A-8446-838B-B660ECB04883}"/>
+                </a:ext>
+              </a:extLst>
+            </p:cNvPr>
+            <p:cNvSpPr txBox="1"/>
+            <p:nvPr/>
+          </p:nvSpPr>
+          <p:spPr>
+            <a:xfrm>
+              <a:off x="8229686" y="1818944"/>
+              <a:ext cx="1107996" cy="369332"/>
+            </a:xfrm>
+            <a:prstGeom prst="rect">
+              <a:avLst/>
+            </a:prstGeom>
+            <a:noFill/>
+          </p:spPr>
+          <p:txBody>
+            <a:bodyPr wrap="none" rtlCol="0">
+              <a:spAutoFit/>
+            </a:bodyPr>
+            <a:lstStyle/>
+            <a:p>
+              <a:r>
+                <a:rPr kumimoji="1" lang="ko-Kore-KR" altLang="en-US" dirty="0"/>
+                <a:t>작성되다</a:t>
+              </a:r>
+            </a:p>
+          </p:txBody>
+        </p:sp>
+        <p:cxnSp>
+          <p:nvCxnSpPr>
+            <p:cNvPr id="70" name="꺾인 연결선[E] 69">
+              <a:extLst>
+                <a:ext uri="{FF2B5EF4-FFF2-40B4-BE49-F238E27FC236}">
+                  <a16:creationId xmlns:a16="http://schemas.microsoft.com/office/drawing/2014/main" id="{3AD8D5FF-D2E8-9043-9654-E367FEAE7957}"/>
+                </a:ext>
+              </a:extLst>
+            </p:cNvPr>
+            <p:cNvCxnSpPr/>
+            <p:nvPr/>
+          </p:nvCxnSpPr>
+          <p:spPr>
+            <a:xfrm rot="5400000" flipH="1">
+              <a:off x="10284128" y="2753471"/>
+              <a:ext cx="1033968" cy="727919"/>
+            </a:xfrm>
+            <a:prstGeom prst="bentConnector4">
+              <a:avLst>
+                <a:gd name="adj1" fmla="val -22109"/>
+                <a:gd name="adj2" fmla="val 131405"/>
+              </a:avLst>
+            </a:prstGeom>
+            <a:ln w="38100">
+              <a:solidFill>
+                <a:schemeClr val="tx1"/>
+              </a:solidFill>
+            </a:ln>
+          </p:spPr>
+          <p:style>
+            <a:lnRef idx="1">
+              <a:schemeClr val="accent1"/>
+            </a:lnRef>
+            <a:fillRef idx="0">
+              <a:schemeClr val="accent1"/>
+            </a:fillRef>
+            <a:effectRef idx="0">
+              <a:schemeClr val="accent1"/>
+            </a:effectRef>
+            <a:fontRef idx="minor">
               <a:schemeClr val="tx1"/>
-            </a:solidFill>
-          </a:ln>
-        </p:spPr>
-        <p:style>
-          <a:lnRef idx="1">
-            <a:schemeClr val="accent1"/>
-          </a:lnRef>
-          <a:fillRef idx="0">
-            <a:schemeClr val="accent1"/>
-          </a:fillRef>
-          <a:effectRef idx="0">
-            <a:schemeClr val="accent1"/>
-          </a:effectRef>
-          <a:fontRef idx="minor">
-            <a:schemeClr val="tx1"/>
-          </a:fontRef>
-        </p:style>
-      </p:cxnSp>
-      <p:sp>
-        <p:nvSpPr>
-          <p:cNvPr id="52" name="TextBox 51">
-            <a:extLst>
-              <a:ext uri="{FF2B5EF4-FFF2-40B4-BE49-F238E27FC236}">
-                <a16:creationId xmlns:a16="http://schemas.microsoft.com/office/drawing/2014/main" id="{38B523AC-5BD7-C747-AE6A-227FE200CB4D}"/>
-              </a:ext>
-            </a:extLst>
-          </p:cNvPr>
-          <p:cNvSpPr txBox="1"/>
-          <p:nvPr/>
-        </p:nvSpPr>
-        <p:spPr>
-          <a:xfrm>
-            <a:off x="1369520" y="580664"/>
-            <a:ext cx="363099" cy="957953"/>
-          </a:xfrm>
-          <a:prstGeom prst="rect">
-            <a:avLst/>
-          </a:prstGeom>
-          <a:noFill/>
-        </p:spPr>
-        <p:txBody>
-          <a:bodyPr wrap="none" rtlCol="0">
-            <a:spAutoFit/>
-          </a:bodyPr>
-          <a:lstStyle/>
-          <a:p>
-            <a:r>
-              <a:rPr kumimoji="1" lang="ko-Kore-KR" altLang="en-US" dirty="0"/>
-              <a:t>*</a:t>
-            </a:r>
-          </a:p>
-        </p:txBody>
-      </p:sp>
-      <p:sp>
-        <p:nvSpPr>
-          <p:cNvPr id="53" name="TextBox 52">
-            <a:extLst>
-              <a:ext uri="{FF2B5EF4-FFF2-40B4-BE49-F238E27FC236}">
-                <a16:creationId xmlns:a16="http://schemas.microsoft.com/office/drawing/2014/main" id="{DA532E0C-8DC8-8D43-A498-4525D8F49263}"/>
-              </a:ext>
-            </a:extLst>
-          </p:cNvPr>
-          <p:cNvSpPr txBox="1"/>
-          <p:nvPr/>
-        </p:nvSpPr>
-        <p:spPr>
-          <a:xfrm>
-            <a:off x="11319400" y="518445"/>
-            <a:ext cx="300082" cy="369331"/>
-          </a:xfrm>
-          <a:prstGeom prst="rect">
-            <a:avLst/>
-          </a:prstGeom>
-          <a:noFill/>
-        </p:spPr>
-        <p:txBody>
-          <a:bodyPr wrap="none" rtlCol="0">
-            <a:spAutoFit/>
-          </a:bodyPr>
-          <a:lstStyle/>
-          <a:p>
-            <a:r>
-              <a:rPr kumimoji="1" lang="ko-KR" altLang="en-US" dirty="0"/>
-              <a:t>*</a:t>
-            </a:r>
-            <a:endParaRPr kumimoji="1" lang="ko-Kore-KR" altLang="en-US" dirty="0"/>
-          </a:p>
-        </p:txBody>
-      </p:sp>
-      <p:sp>
-        <p:nvSpPr>
-          <p:cNvPr id="65" name="TextBox 64">
-            <a:extLst>
-              <a:ext uri="{FF2B5EF4-FFF2-40B4-BE49-F238E27FC236}">
-                <a16:creationId xmlns:a16="http://schemas.microsoft.com/office/drawing/2014/main" id="{6AD5852D-1364-5744-B18C-BDF0573A3A3B}"/>
-              </a:ext>
-            </a:extLst>
-          </p:cNvPr>
-          <p:cNvSpPr txBox="1"/>
-          <p:nvPr/>
-        </p:nvSpPr>
-        <p:spPr>
-          <a:xfrm>
-            <a:off x="6377985" y="4314045"/>
-            <a:ext cx="1160895" cy="369332"/>
-          </a:xfrm>
-          <a:prstGeom prst="rect">
-            <a:avLst/>
-          </a:prstGeom>
-          <a:noFill/>
-        </p:spPr>
-        <p:txBody>
-          <a:bodyPr wrap="none" rtlCol="0">
-            <a:spAutoFit/>
-          </a:bodyPr>
-          <a:lstStyle/>
-          <a:p>
-            <a:r>
-              <a:rPr kumimoji="1" lang="ko-Kore-KR" altLang="en-US" dirty="0"/>
-              <a:t>관련</a:t>
-            </a:r>
-            <a:r>
-              <a:rPr kumimoji="1" lang="ko-KR" altLang="en-US" dirty="0"/>
-              <a:t> 주제</a:t>
-            </a:r>
-            <a:endParaRPr kumimoji="1" lang="ko-Kore-KR" altLang="en-US" dirty="0"/>
-          </a:p>
-        </p:txBody>
-      </p:sp>
-      <p:sp>
-        <p:nvSpPr>
-          <p:cNvPr id="66" name="TextBox 65">
-            <a:extLst>
-              <a:ext uri="{FF2B5EF4-FFF2-40B4-BE49-F238E27FC236}">
-                <a16:creationId xmlns:a16="http://schemas.microsoft.com/office/drawing/2014/main" id="{A661C596-7F12-E14E-8A35-479232C92DC7}"/>
-              </a:ext>
-            </a:extLst>
-          </p:cNvPr>
-          <p:cNvSpPr txBox="1"/>
-          <p:nvPr/>
-        </p:nvSpPr>
-        <p:spPr>
-          <a:xfrm>
-            <a:off x="6420792" y="5214387"/>
-            <a:ext cx="300082" cy="369332"/>
-          </a:xfrm>
-          <a:prstGeom prst="rect">
-            <a:avLst/>
-          </a:prstGeom>
-          <a:noFill/>
-        </p:spPr>
-        <p:txBody>
-          <a:bodyPr wrap="none" rtlCol="0">
-            <a:spAutoFit/>
-          </a:bodyPr>
-          <a:lstStyle/>
-          <a:p>
-            <a:r>
-              <a:rPr kumimoji="1" lang="ko-Kore-KR" altLang="en-US" dirty="0"/>
-              <a:t>*</a:t>
-            </a:r>
-          </a:p>
-        </p:txBody>
-      </p:sp>
-      <p:sp>
-        <p:nvSpPr>
-          <p:cNvPr id="67" name="TextBox 66">
-            <a:extLst>
-              <a:ext uri="{FF2B5EF4-FFF2-40B4-BE49-F238E27FC236}">
-                <a16:creationId xmlns:a16="http://schemas.microsoft.com/office/drawing/2014/main" id="{758FB94C-D31B-6745-806A-1357C56FB9A3}"/>
-              </a:ext>
-            </a:extLst>
-          </p:cNvPr>
-          <p:cNvSpPr txBox="1"/>
-          <p:nvPr/>
-        </p:nvSpPr>
-        <p:spPr>
-          <a:xfrm>
-            <a:off x="6413297" y="3670400"/>
-            <a:ext cx="300082" cy="369332"/>
-          </a:xfrm>
-          <a:prstGeom prst="rect">
-            <a:avLst/>
-          </a:prstGeom>
-          <a:noFill/>
-        </p:spPr>
-        <p:txBody>
-          <a:bodyPr wrap="none" rtlCol="0">
-            <a:spAutoFit/>
-          </a:bodyPr>
-          <a:lstStyle/>
-          <a:p>
-            <a:r>
-              <a:rPr kumimoji="1" lang="ko-Kore-KR" altLang="en-US" dirty="0"/>
-              <a:t>*</a:t>
-            </a:r>
-          </a:p>
-        </p:txBody>
-      </p:sp>
-      <p:sp>
-        <p:nvSpPr>
-          <p:cNvPr id="68" name="TextBox 67">
-            <a:extLst>
-              <a:ext uri="{FF2B5EF4-FFF2-40B4-BE49-F238E27FC236}">
-                <a16:creationId xmlns:a16="http://schemas.microsoft.com/office/drawing/2014/main" id="{11E20DBA-CE2C-DC41-8C97-18C8FBAA2440}"/>
-              </a:ext>
-            </a:extLst>
-          </p:cNvPr>
-          <p:cNvSpPr txBox="1"/>
-          <p:nvPr/>
-        </p:nvSpPr>
-        <p:spPr>
-          <a:xfrm>
-            <a:off x="7139438" y="1895389"/>
-            <a:ext cx="300082" cy="369332"/>
-          </a:xfrm>
-          <a:prstGeom prst="rect">
-            <a:avLst/>
-          </a:prstGeom>
-          <a:noFill/>
-        </p:spPr>
-        <p:txBody>
-          <a:bodyPr wrap="none" rtlCol="0">
-            <a:spAutoFit/>
-          </a:bodyPr>
-          <a:lstStyle/>
-          <a:p>
-            <a:r>
-              <a:rPr kumimoji="1" lang="ko-Kore-KR" altLang="en-US" dirty="0"/>
-              <a:t>*</a:t>
-            </a:r>
-          </a:p>
-        </p:txBody>
-      </p:sp>
-      <p:sp>
-        <p:nvSpPr>
-          <p:cNvPr id="69" name="TextBox 68">
-            <a:extLst>
-              <a:ext uri="{FF2B5EF4-FFF2-40B4-BE49-F238E27FC236}">
-                <a16:creationId xmlns:a16="http://schemas.microsoft.com/office/drawing/2014/main" id="{A40DDDBC-D20A-8446-838B-B660ECB04883}"/>
-              </a:ext>
-            </a:extLst>
-          </p:cNvPr>
-          <p:cNvSpPr txBox="1"/>
-          <p:nvPr/>
-        </p:nvSpPr>
-        <p:spPr>
-          <a:xfrm>
-            <a:off x="8229686" y="1818944"/>
-            <a:ext cx="1107996" cy="369332"/>
-          </a:xfrm>
-          <a:prstGeom prst="rect">
-            <a:avLst/>
-          </a:prstGeom>
-          <a:noFill/>
-        </p:spPr>
-        <p:txBody>
-          <a:bodyPr wrap="none" rtlCol="0">
-            <a:spAutoFit/>
-          </a:bodyPr>
-          <a:lstStyle/>
-          <a:p>
-            <a:r>
-              <a:rPr kumimoji="1" lang="ko-Kore-KR" altLang="en-US" dirty="0"/>
-              <a:t>작성되다</a:t>
-            </a:r>
-          </a:p>
-        </p:txBody>
-      </p:sp>
-      <p:cxnSp>
-        <p:nvCxnSpPr>
-          <p:cNvPr id="70" name="꺾인 연결선[E] 69">
-            <a:extLst>
-              <a:ext uri="{FF2B5EF4-FFF2-40B4-BE49-F238E27FC236}">
-                <a16:creationId xmlns:a16="http://schemas.microsoft.com/office/drawing/2014/main" id="{3AD8D5FF-D2E8-9043-9654-E367FEAE7957}"/>
-              </a:ext>
-            </a:extLst>
-          </p:cNvPr>
-          <p:cNvCxnSpPr/>
-          <p:nvPr/>
-        </p:nvCxnSpPr>
-        <p:spPr>
-          <a:xfrm rot="5400000" flipH="1">
-            <a:off x="10284128" y="2753471"/>
-            <a:ext cx="1033968" cy="727919"/>
-          </a:xfrm>
-          <a:prstGeom prst="bentConnector4">
-            <a:avLst>
-              <a:gd name="adj1" fmla="val -22109"/>
-              <a:gd name="adj2" fmla="val 131405"/>
-            </a:avLst>
-          </a:prstGeom>
-          <a:ln w="38100">
-            <a:solidFill>
-              <a:schemeClr val="tx1"/>
-            </a:solidFill>
-          </a:ln>
-        </p:spPr>
-        <p:style>
-          <a:lnRef idx="1">
-            <a:schemeClr val="accent1"/>
-          </a:lnRef>
-          <a:fillRef idx="0">
-            <a:schemeClr val="accent1"/>
-          </a:fillRef>
-          <a:effectRef idx="0">
-            <a:schemeClr val="accent1"/>
-          </a:effectRef>
-          <a:fontRef idx="minor">
-            <a:schemeClr val="tx1"/>
-          </a:fontRef>
-        </p:style>
-      </p:cxnSp>
-      <p:sp>
-        <p:nvSpPr>
-          <p:cNvPr id="71" name="TextBox 70">
-            <a:extLst>
-              <a:ext uri="{FF2B5EF4-FFF2-40B4-BE49-F238E27FC236}">
-                <a16:creationId xmlns:a16="http://schemas.microsoft.com/office/drawing/2014/main" id="{71A98AC0-4749-4445-8A25-1DC84898DAB8}"/>
-              </a:ext>
-            </a:extLst>
-          </p:cNvPr>
-          <p:cNvSpPr txBox="1"/>
-          <p:nvPr/>
-        </p:nvSpPr>
-        <p:spPr>
-          <a:xfrm>
-            <a:off x="10301940" y="3879499"/>
-            <a:ext cx="646331" cy="369332"/>
-          </a:xfrm>
-          <a:prstGeom prst="rect">
-            <a:avLst/>
-          </a:prstGeom>
-          <a:noFill/>
-        </p:spPr>
-        <p:txBody>
-          <a:bodyPr wrap="none" rtlCol="0">
-            <a:spAutoFit/>
-          </a:bodyPr>
-          <a:lstStyle/>
-          <a:p>
-            <a:r>
-              <a:rPr kumimoji="1" lang="ko-Kore-KR" altLang="en-US" dirty="0"/>
-              <a:t>답글</a:t>
-            </a:r>
-          </a:p>
-        </p:txBody>
-      </p:sp>
-      <p:sp>
-        <p:nvSpPr>
-          <p:cNvPr id="72" name="TextBox 71">
-            <a:extLst>
-              <a:ext uri="{FF2B5EF4-FFF2-40B4-BE49-F238E27FC236}">
-                <a16:creationId xmlns:a16="http://schemas.microsoft.com/office/drawing/2014/main" id="{B007EF02-0877-554A-A737-64B93438D614}"/>
-              </a:ext>
-            </a:extLst>
-          </p:cNvPr>
-          <p:cNvSpPr txBox="1"/>
-          <p:nvPr/>
-        </p:nvSpPr>
-        <p:spPr>
-          <a:xfrm>
-            <a:off x="11193524" y="3764080"/>
-            <a:ext cx="300082" cy="369332"/>
-          </a:xfrm>
-          <a:prstGeom prst="rect">
-            <a:avLst/>
-          </a:prstGeom>
-          <a:noFill/>
-        </p:spPr>
-        <p:txBody>
-          <a:bodyPr wrap="none" rtlCol="0">
-            <a:spAutoFit/>
-          </a:bodyPr>
-          <a:lstStyle/>
-          <a:p>
-            <a:r>
-              <a:rPr kumimoji="1" lang="en-US" altLang="ko-Kore-KR" dirty="0"/>
-              <a:t>1</a:t>
-            </a:r>
-            <a:endParaRPr kumimoji="1" lang="ko-Kore-KR" altLang="en-US" dirty="0"/>
-          </a:p>
-        </p:txBody>
-      </p:sp>
-      <p:sp>
-        <p:nvSpPr>
-          <p:cNvPr id="73" name="TextBox 72">
-            <a:extLst>
-              <a:ext uri="{FF2B5EF4-FFF2-40B4-BE49-F238E27FC236}">
-                <a16:creationId xmlns:a16="http://schemas.microsoft.com/office/drawing/2014/main" id="{30D1AEA7-116C-054F-A8AE-A064B3B65A4B}"/>
-              </a:ext>
-            </a:extLst>
-          </p:cNvPr>
-          <p:cNvSpPr txBox="1"/>
-          <p:nvPr/>
-        </p:nvSpPr>
-        <p:spPr>
-          <a:xfrm>
-            <a:off x="9916818" y="2606889"/>
-            <a:ext cx="300082" cy="369332"/>
-          </a:xfrm>
-          <a:prstGeom prst="rect">
-            <a:avLst/>
-          </a:prstGeom>
-          <a:noFill/>
-        </p:spPr>
-        <p:txBody>
-          <a:bodyPr wrap="none" rtlCol="0">
-            <a:spAutoFit/>
-          </a:bodyPr>
-          <a:lstStyle/>
-          <a:p>
-            <a:r>
-              <a:rPr kumimoji="1" lang="ko-KR" altLang="en-US" dirty="0"/>
-              <a:t>*</a:t>
-            </a:r>
-            <a:endParaRPr kumimoji="1" lang="ko-Kore-KR" altLang="en-US" dirty="0"/>
-          </a:p>
-        </p:txBody>
-      </p:sp>
-      <p:sp>
-        <p:nvSpPr>
-          <p:cNvPr id="74" name="TextBox 73">
-            <a:extLst>
-              <a:ext uri="{FF2B5EF4-FFF2-40B4-BE49-F238E27FC236}">
-                <a16:creationId xmlns:a16="http://schemas.microsoft.com/office/drawing/2014/main" id="{1B567DF2-B928-CF41-BFBE-B7D78F0FFDEB}"/>
-              </a:ext>
-            </a:extLst>
-          </p:cNvPr>
-          <p:cNvSpPr txBox="1"/>
-          <p:nvPr/>
-        </p:nvSpPr>
-        <p:spPr>
-          <a:xfrm>
-            <a:off x="5304477" y="1571466"/>
-            <a:ext cx="300082" cy="369332"/>
-          </a:xfrm>
-          <a:prstGeom prst="rect">
-            <a:avLst/>
-          </a:prstGeom>
-          <a:noFill/>
-        </p:spPr>
-        <p:txBody>
-          <a:bodyPr wrap="none" rtlCol="0">
-            <a:spAutoFit/>
-          </a:bodyPr>
-          <a:lstStyle/>
-          <a:p>
-            <a:r>
-              <a:rPr kumimoji="1" lang="en-US" altLang="ko-Kore-KR" dirty="0"/>
-              <a:t>1</a:t>
-            </a:r>
-            <a:endParaRPr kumimoji="1" lang="ko-Kore-KR" altLang="en-US" dirty="0"/>
-          </a:p>
-        </p:txBody>
-      </p:sp>
+            </a:fontRef>
+          </p:style>
+        </p:cxnSp>
+        <p:sp>
+          <p:nvSpPr>
+            <p:cNvPr id="71" name="TextBox 70">
+              <a:extLst>
+                <a:ext uri="{FF2B5EF4-FFF2-40B4-BE49-F238E27FC236}">
+                  <a16:creationId xmlns:a16="http://schemas.microsoft.com/office/drawing/2014/main" id="{71A98AC0-4749-4445-8A25-1DC84898DAB8}"/>
+                </a:ext>
+              </a:extLst>
+            </p:cNvPr>
+            <p:cNvSpPr txBox="1"/>
+            <p:nvPr/>
+          </p:nvSpPr>
+          <p:spPr>
+            <a:xfrm>
+              <a:off x="10301940" y="3879499"/>
+              <a:ext cx="646331" cy="369332"/>
+            </a:xfrm>
+            <a:prstGeom prst="rect">
+              <a:avLst/>
+            </a:prstGeom>
+            <a:noFill/>
+          </p:spPr>
+          <p:txBody>
+            <a:bodyPr wrap="none" rtlCol="0">
+              <a:spAutoFit/>
+            </a:bodyPr>
+            <a:lstStyle/>
+            <a:p>
+              <a:r>
+                <a:rPr kumimoji="1" lang="ko-Kore-KR" altLang="en-US" dirty="0"/>
+                <a:t>답글</a:t>
+              </a:r>
+            </a:p>
+          </p:txBody>
+        </p:sp>
+        <p:sp>
+          <p:nvSpPr>
+            <p:cNvPr id="72" name="TextBox 71">
+              <a:extLst>
+                <a:ext uri="{FF2B5EF4-FFF2-40B4-BE49-F238E27FC236}">
+                  <a16:creationId xmlns:a16="http://schemas.microsoft.com/office/drawing/2014/main" id="{B007EF02-0877-554A-A737-64B93438D614}"/>
+                </a:ext>
+              </a:extLst>
+            </p:cNvPr>
+            <p:cNvSpPr txBox="1"/>
+            <p:nvPr/>
+          </p:nvSpPr>
+          <p:spPr>
+            <a:xfrm>
+              <a:off x="11193524" y="3764080"/>
+              <a:ext cx="300082" cy="369332"/>
+            </a:xfrm>
+            <a:prstGeom prst="rect">
+              <a:avLst/>
+            </a:prstGeom>
+            <a:noFill/>
+          </p:spPr>
+          <p:txBody>
+            <a:bodyPr wrap="none" rtlCol="0">
+              <a:spAutoFit/>
+            </a:bodyPr>
+            <a:lstStyle/>
+            <a:p>
+              <a:r>
+                <a:rPr kumimoji="1" lang="en-US" altLang="ko-Kore-KR" dirty="0"/>
+                <a:t>1</a:t>
+              </a:r>
+              <a:endParaRPr kumimoji="1" lang="ko-Kore-KR" altLang="en-US" dirty="0"/>
+            </a:p>
+          </p:txBody>
+        </p:sp>
+        <p:sp>
+          <p:nvSpPr>
+            <p:cNvPr id="73" name="TextBox 72">
+              <a:extLst>
+                <a:ext uri="{FF2B5EF4-FFF2-40B4-BE49-F238E27FC236}">
+                  <a16:creationId xmlns:a16="http://schemas.microsoft.com/office/drawing/2014/main" id="{30D1AEA7-116C-054F-A8AE-A064B3B65A4B}"/>
+                </a:ext>
+              </a:extLst>
+            </p:cNvPr>
+            <p:cNvSpPr txBox="1"/>
+            <p:nvPr/>
+          </p:nvSpPr>
+          <p:spPr>
+            <a:xfrm>
+              <a:off x="9916818" y="2606889"/>
+              <a:ext cx="300082" cy="369332"/>
+            </a:xfrm>
+            <a:prstGeom prst="rect">
+              <a:avLst/>
+            </a:prstGeom>
+            <a:noFill/>
+          </p:spPr>
+          <p:txBody>
+            <a:bodyPr wrap="none" rtlCol="0">
+              <a:spAutoFit/>
+            </a:bodyPr>
+            <a:lstStyle/>
+            <a:p>
+              <a:r>
+                <a:rPr kumimoji="1" lang="ko-KR" altLang="en-US" dirty="0"/>
+                <a:t>*</a:t>
+              </a:r>
+              <a:endParaRPr kumimoji="1" lang="ko-Kore-KR" altLang="en-US" dirty="0"/>
+            </a:p>
+          </p:txBody>
+        </p:sp>
+        <p:sp>
+          <p:nvSpPr>
+            <p:cNvPr id="74" name="TextBox 73">
+              <a:extLst>
+                <a:ext uri="{FF2B5EF4-FFF2-40B4-BE49-F238E27FC236}">
+                  <a16:creationId xmlns:a16="http://schemas.microsoft.com/office/drawing/2014/main" id="{1B567DF2-B928-CF41-BFBE-B7D78F0FFDEB}"/>
+                </a:ext>
+              </a:extLst>
+            </p:cNvPr>
+            <p:cNvSpPr txBox="1"/>
+            <p:nvPr/>
+          </p:nvSpPr>
+          <p:spPr>
+            <a:xfrm>
+              <a:off x="5304477" y="1571466"/>
+              <a:ext cx="300082" cy="369332"/>
+            </a:xfrm>
+            <a:prstGeom prst="rect">
+              <a:avLst/>
+            </a:prstGeom>
+            <a:noFill/>
+          </p:spPr>
+          <p:txBody>
+            <a:bodyPr wrap="none" rtlCol="0">
+              <a:spAutoFit/>
+            </a:bodyPr>
+            <a:lstStyle/>
+            <a:p>
+              <a:r>
+                <a:rPr kumimoji="1" lang="en-US" altLang="ko-Kore-KR" dirty="0"/>
+                <a:t>*</a:t>
+              </a:r>
+              <a:endParaRPr kumimoji="1" lang="ko-Kore-KR" altLang="en-US" dirty="0"/>
+            </a:p>
+          </p:txBody>
+        </p:sp>
+      </p:grpSp>
     </p:spTree>
     <p:extLst>
       <p:ext uri="{BB962C8B-B14F-4D97-AF65-F5344CB8AC3E}">

--- a/document/design/domain.pptx
+++ b/document/design/domain.pptx
@@ -6,6 +6,7 @@
   </p:sldMasterIdLst>
   <p:sldIdLst>
     <p:sldId id="256" r:id="rId2"/>
+    <p:sldId id="257" r:id="rId3"/>
   </p:sldIdLst>
   <p:sldSz cx="12192000" cy="6858000"/>
   <p:notesSz cx="6858000" cy="9144000"/>
@@ -104,6 +105,11 @@
       </a:defRPr>
     </a:lvl9pPr>
   </p:defaultTextStyle>
+  <p:extLst>
+    <p:ext uri="{EFAFB233-063F-42B5-8137-9DF3F51BA10A}">
+      <p15:sldGuideLst xmlns:p15="http://schemas.microsoft.com/office/powerpoint/2012/main"/>
+    </p:ext>
+  </p:extLst>
 </p:presentation>
 </file>
 
@@ -256,7 +262,7 @@
           <a:p>
             <a:fld id="{6C497929-E2A1-1C42-8953-77C52A26E13B}" type="datetimeFigureOut">
               <a:rPr kumimoji="1" lang="ko-Kore-KR" altLang="en-US" smtClean="0"/>
-              <a:t>2020. 9. 9.</a:t>
+              <a:t>2020. 9. 14.</a:t>
             </a:fld>
             <a:endParaRPr kumimoji="1" lang="ko-Kore-KR" altLang="en-US"/>
           </a:p>
@@ -456,7 +462,7 @@
           <a:p>
             <a:fld id="{6C497929-E2A1-1C42-8953-77C52A26E13B}" type="datetimeFigureOut">
               <a:rPr kumimoji="1" lang="ko-Kore-KR" altLang="en-US" smtClean="0"/>
-              <a:t>2020. 9. 9.</a:t>
+              <a:t>2020. 9. 14.</a:t>
             </a:fld>
             <a:endParaRPr kumimoji="1" lang="ko-Kore-KR" altLang="en-US"/>
           </a:p>
@@ -666,7 +672,7 @@
           <a:p>
             <a:fld id="{6C497929-E2A1-1C42-8953-77C52A26E13B}" type="datetimeFigureOut">
               <a:rPr kumimoji="1" lang="ko-Kore-KR" altLang="en-US" smtClean="0"/>
-              <a:t>2020. 9. 9.</a:t>
+              <a:t>2020. 9. 14.</a:t>
             </a:fld>
             <a:endParaRPr kumimoji="1" lang="ko-Kore-KR" altLang="en-US"/>
           </a:p>
@@ -866,7 +872,7 @@
           <a:p>
             <a:fld id="{6C497929-E2A1-1C42-8953-77C52A26E13B}" type="datetimeFigureOut">
               <a:rPr kumimoji="1" lang="ko-Kore-KR" altLang="en-US" smtClean="0"/>
-              <a:t>2020. 9. 9.</a:t>
+              <a:t>2020. 9. 14.</a:t>
             </a:fld>
             <a:endParaRPr kumimoji="1" lang="ko-Kore-KR" altLang="en-US"/>
           </a:p>
@@ -1142,7 +1148,7 @@
           <a:p>
             <a:fld id="{6C497929-E2A1-1C42-8953-77C52A26E13B}" type="datetimeFigureOut">
               <a:rPr kumimoji="1" lang="ko-Kore-KR" altLang="en-US" smtClean="0"/>
-              <a:t>2020. 9. 9.</a:t>
+              <a:t>2020. 9. 14.</a:t>
             </a:fld>
             <a:endParaRPr kumimoji="1" lang="ko-Kore-KR" altLang="en-US"/>
           </a:p>
@@ -1410,7 +1416,7 @@
           <a:p>
             <a:fld id="{6C497929-E2A1-1C42-8953-77C52A26E13B}" type="datetimeFigureOut">
               <a:rPr kumimoji="1" lang="ko-Kore-KR" altLang="en-US" smtClean="0"/>
-              <a:t>2020. 9. 9.</a:t>
+              <a:t>2020. 9. 14.</a:t>
             </a:fld>
             <a:endParaRPr kumimoji="1" lang="ko-Kore-KR" altLang="en-US"/>
           </a:p>
@@ -1825,7 +1831,7 @@
           <a:p>
             <a:fld id="{6C497929-E2A1-1C42-8953-77C52A26E13B}" type="datetimeFigureOut">
               <a:rPr kumimoji="1" lang="ko-Kore-KR" altLang="en-US" smtClean="0"/>
-              <a:t>2020. 9. 9.</a:t>
+              <a:t>2020. 9. 14.</a:t>
             </a:fld>
             <a:endParaRPr kumimoji="1" lang="ko-Kore-KR" altLang="en-US"/>
           </a:p>
@@ -1967,7 +1973,7 @@
           <a:p>
             <a:fld id="{6C497929-E2A1-1C42-8953-77C52A26E13B}" type="datetimeFigureOut">
               <a:rPr kumimoji="1" lang="ko-Kore-KR" altLang="en-US" smtClean="0"/>
-              <a:t>2020. 9. 9.</a:t>
+              <a:t>2020. 9. 14.</a:t>
             </a:fld>
             <a:endParaRPr kumimoji="1" lang="ko-Kore-KR" altLang="en-US"/>
           </a:p>
@@ -2080,7 +2086,7 @@
           <a:p>
             <a:fld id="{6C497929-E2A1-1C42-8953-77C52A26E13B}" type="datetimeFigureOut">
               <a:rPr kumimoji="1" lang="ko-Kore-KR" altLang="en-US" smtClean="0"/>
-              <a:t>2020. 9. 9.</a:t>
+              <a:t>2020. 9. 14.</a:t>
             </a:fld>
             <a:endParaRPr kumimoji="1" lang="ko-Kore-KR" altLang="en-US"/>
           </a:p>
@@ -2393,7 +2399,7 @@
           <a:p>
             <a:fld id="{6C497929-E2A1-1C42-8953-77C52A26E13B}" type="datetimeFigureOut">
               <a:rPr kumimoji="1" lang="ko-Kore-KR" altLang="en-US" smtClean="0"/>
-              <a:t>2020. 9. 9.</a:t>
+              <a:t>2020. 9. 14.</a:t>
             </a:fld>
             <a:endParaRPr kumimoji="1" lang="ko-Kore-KR" altLang="en-US"/>
           </a:p>
@@ -2682,7 +2688,7 @@
           <a:p>
             <a:fld id="{6C497929-E2A1-1C42-8953-77C52A26E13B}" type="datetimeFigureOut">
               <a:rPr kumimoji="1" lang="ko-Kore-KR" altLang="en-US" smtClean="0"/>
-              <a:t>2020. 9. 9.</a:t>
+              <a:t>2020. 9. 14.</a:t>
             </a:fld>
             <a:endParaRPr kumimoji="1" lang="ko-Kore-KR" altLang="en-US"/>
           </a:p>
@@ -2925,7 +2931,7 @@
           <a:p>
             <a:fld id="{6C497929-E2A1-1C42-8953-77C52A26E13B}" type="datetimeFigureOut">
               <a:rPr kumimoji="1" lang="ko-Kore-KR" altLang="en-US" smtClean="0"/>
-              <a:t>2020. 9. 9.</a:t>
+              <a:t>2020. 9. 14.</a:t>
             </a:fld>
             <a:endParaRPr kumimoji="1" lang="ko-Kore-KR" altLang="en-US"/>
           </a:p>
@@ -4993,6 +4999,2107 @@
 </p:sld>
 </file>
 
+<file path=ppt/slides/slide2.xml><?xml version="1.0" encoding="utf-8"?>
+<p:sld xmlns:a="http://schemas.openxmlformats.org/drawingml/2006/main" xmlns:r="http://schemas.openxmlformats.org/officeDocument/2006/relationships" xmlns:p="http://schemas.openxmlformats.org/presentationml/2006/main">
+  <p:cSld>
+    <p:spTree>
+      <p:nvGrpSpPr>
+        <p:cNvPr id="1" name=""/>
+        <p:cNvGrpSpPr/>
+        <p:nvPr/>
+      </p:nvGrpSpPr>
+      <p:grpSpPr>
+        <a:xfrm>
+          <a:off x="0" y="0"/>
+          <a:ext cx="0" cy="0"/>
+          <a:chOff x="0" y="0"/>
+          <a:chExt cx="0" cy="0"/>
+        </a:xfrm>
+      </p:grpSpPr>
+      <p:grpSp>
+        <p:nvGrpSpPr>
+          <p:cNvPr id="18" name="그룹 17">
+            <a:extLst>
+              <a:ext uri="{FF2B5EF4-FFF2-40B4-BE49-F238E27FC236}">
+                <a16:creationId xmlns:a16="http://schemas.microsoft.com/office/drawing/2014/main" id="{D7B55C12-72A2-DB44-AD82-A08E586C3102}"/>
+              </a:ext>
+            </a:extLst>
+          </p:cNvPr>
+          <p:cNvGrpSpPr/>
+          <p:nvPr/>
+        </p:nvGrpSpPr>
+        <p:grpSpPr>
+          <a:xfrm>
+            <a:off x="221871" y="-146741"/>
+            <a:ext cx="11695430" cy="6994565"/>
+            <a:chOff x="221871" y="-146741"/>
+            <a:chExt cx="11695430" cy="6994565"/>
+          </a:xfrm>
+        </p:grpSpPr>
+        <p:sp>
+          <p:nvSpPr>
+            <p:cNvPr id="7" name="직사각형 6">
+              <a:extLst>
+                <a:ext uri="{FF2B5EF4-FFF2-40B4-BE49-F238E27FC236}">
+                  <a16:creationId xmlns:a16="http://schemas.microsoft.com/office/drawing/2014/main" id="{B8819FFC-C9E7-B64F-A3C0-9B02C36C198C}"/>
+                </a:ext>
+              </a:extLst>
+            </p:cNvPr>
+            <p:cNvSpPr/>
+            <p:nvPr/>
+          </p:nvSpPr>
+          <p:spPr>
+            <a:xfrm>
+              <a:off x="10461463" y="1610313"/>
+              <a:ext cx="1455838" cy="2274730"/>
+            </a:xfrm>
+            <a:prstGeom prst="rect">
+              <a:avLst/>
+            </a:prstGeom>
+            <a:noFill/>
+            <a:ln w="38100">
+              <a:solidFill>
+                <a:schemeClr val="tx1"/>
+              </a:solidFill>
+            </a:ln>
+          </p:spPr>
+          <p:style>
+            <a:lnRef idx="2">
+              <a:schemeClr val="accent1">
+                <a:shade val="50000"/>
+              </a:schemeClr>
+            </a:lnRef>
+            <a:fillRef idx="1">
+              <a:schemeClr val="accent1"/>
+            </a:fillRef>
+            <a:effectRef idx="0">
+              <a:schemeClr val="accent1"/>
+            </a:effectRef>
+            <a:fontRef idx="minor">
+              <a:schemeClr val="lt1"/>
+            </a:fontRef>
+          </p:style>
+          <p:txBody>
+            <a:bodyPr rtlCol="0" anchor="t"/>
+            <a:lstStyle/>
+            <a:p>
+              <a:pPr algn="ctr"/>
+              <a:r>
+                <a:rPr kumimoji="1" lang="en-US" altLang="ko-KR" sz="1000" b="1" dirty="0">
+                  <a:solidFill>
+                    <a:schemeClr val="tx1"/>
+                  </a:solidFill>
+                </a:rPr>
+                <a:t>Comment</a:t>
+              </a:r>
+            </a:p>
+            <a:p>
+              <a:pPr algn="ctr"/>
+              <a:endParaRPr kumimoji="1" lang="en-US" altLang="ko-KR" sz="1000" b="1" dirty="0">
+                <a:solidFill>
+                  <a:schemeClr val="tx1"/>
+                </a:solidFill>
+              </a:endParaRPr>
+            </a:p>
+            <a:p>
+              <a:r>
+                <a:rPr kumimoji="1" lang="en-US" altLang="ko-Kore-KR" sz="1000" dirty="0">
+                  <a:solidFill>
+                    <a:schemeClr val="tx1"/>
+                  </a:solidFill>
+                </a:rPr>
+                <a:t>id: Long</a:t>
+              </a:r>
+            </a:p>
+            <a:p>
+              <a:r>
+                <a:rPr kumimoji="1" lang="en-US" altLang="ko-Kore-KR" sz="1000" dirty="0">
+                  <a:solidFill>
+                    <a:schemeClr val="tx1"/>
+                  </a:solidFill>
+                </a:rPr>
+                <a:t>writtenFeed: Feed</a:t>
+              </a:r>
+            </a:p>
+            <a:p>
+              <a:r>
+                <a:rPr kumimoji="1" lang="en-US" altLang="ko-Kore-KR" sz="1000" dirty="0">
+                  <a:solidFill>
+                    <a:schemeClr val="tx1"/>
+                  </a:solidFill>
+                </a:rPr>
+                <a:t>commentedCodeNumber: int</a:t>
+              </a:r>
+            </a:p>
+            <a:p>
+              <a:r>
+                <a:rPr kumimoji="1" lang="en-US" altLang="ko-Kore-KR" sz="1000" dirty="0">
+                  <a:solidFill>
+                    <a:schemeClr val="tx1"/>
+                  </a:solidFill>
+                </a:rPr>
+                <a:t>writer: Member</a:t>
+              </a:r>
+            </a:p>
+            <a:p>
+              <a:r>
+                <a:rPr kumimoji="1" lang="en-US" altLang="ko-Kore-KR" sz="1000" dirty="0">
+                  <a:solidFill>
+                    <a:schemeClr val="tx1"/>
+                  </a:solidFill>
+                </a:rPr>
+                <a:t>replied: Comment</a:t>
+              </a:r>
+            </a:p>
+            <a:p>
+              <a:r>
+                <a:rPr kumimoji="1" lang="en-US" altLang="ko-Kore-KR" sz="1000" dirty="0">
+                  <a:solidFill>
+                    <a:schemeClr val="tx1"/>
+                  </a:solidFill>
+                </a:rPr>
+                <a:t>replies: List&lt;Comment&gt;</a:t>
+              </a:r>
+            </a:p>
+            <a:p>
+              <a:r>
+                <a:rPr kumimoji="1" lang="en-US" altLang="ko-Kore-KR" sz="1000" dirty="0">
+                  <a:solidFill>
+                    <a:schemeClr val="tx1"/>
+                  </a:solidFill>
+                </a:rPr>
+                <a:t>content: String</a:t>
+              </a:r>
+            </a:p>
+            <a:p>
+              <a:r>
+                <a:rPr kumimoji="1" lang="en-US" altLang="ko-Kore-KR" sz="1000" dirty="0">
+                  <a:solidFill>
+                    <a:schemeClr val="tx1"/>
+                  </a:solidFill>
+                </a:rPr>
+                <a:t>createdDateTime: LocalDateTime</a:t>
+              </a:r>
+            </a:p>
+            <a:p>
+              <a:r>
+                <a:rPr kumimoji="1" lang="en-US" altLang="ko-Kore-KR" sz="1000" dirty="0">
+                  <a:solidFill>
+                    <a:schemeClr val="tx1"/>
+                  </a:solidFill>
+                </a:rPr>
+                <a:t>membersWhoLike: List&lt;Member&gt;</a:t>
+              </a:r>
+              <a:endParaRPr kumimoji="1" lang="ko-Kore-KR" altLang="en-US" sz="1000" dirty="0">
+                <a:solidFill>
+                  <a:schemeClr val="tx1"/>
+                </a:solidFill>
+              </a:endParaRPr>
+            </a:p>
+          </p:txBody>
+        </p:sp>
+        <p:cxnSp>
+          <p:nvCxnSpPr>
+            <p:cNvPr id="11" name="직선 연결선[R] 10">
+              <a:extLst>
+                <a:ext uri="{FF2B5EF4-FFF2-40B4-BE49-F238E27FC236}">
+                  <a16:creationId xmlns:a16="http://schemas.microsoft.com/office/drawing/2014/main" id="{8A5EEA6C-C520-C941-9FC2-AF4802FC55FA}"/>
+                </a:ext>
+              </a:extLst>
+            </p:cNvPr>
+            <p:cNvCxnSpPr>
+              <a:cxnSpLocks/>
+            </p:cNvCxnSpPr>
+            <p:nvPr/>
+          </p:nvCxnSpPr>
+          <p:spPr>
+            <a:xfrm flipV="1">
+              <a:off x="7178697" y="2245657"/>
+              <a:ext cx="3282766" cy="2959"/>
+            </a:xfrm>
+            <a:prstGeom prst="line">
+              <a:avLst/>
+            </a:prstGeom>
+            <a:ln w="38100">
+              <a:solidFill>
+                <a:schemeClr val="tx1"/>
+              </a:solidFill>
+            </a:ln>
+          </p:spPr>
+          <p:style>
+            <a:lnRef idx="1">
+              <a:schemeClr val="accent1"/>
+            </a:lnRef>
+            <a:fillRef idx="0">
+              <a:schemeClr val="accent1"/>
+            </a:fillRef>
+            <a:effectRef idx="0">
+              <a:schemeClr val="accent1"/>
+            </a:effectRef>
+            <a:fontRef idx="minor">
+              <a:schemeClr val="tx1"/>
+            </a:fontRef>
+          </p:style>
+        </p:cxnSp>
+        <p:sp>
+          <p:nvSpPr>
+            <p:cNvPr id="5" name="직사각형 4">
+              <a:extLst>
+                <a:ext uri="{FF2B5EF4-FFF2-40B4-BE49-F238E27FC236}">
+                  <a16:creationId xmlns:a16="http://schemas.microsoft.com/office/drawing/2014/main" id="{2ABAC75C-7DBA-BC43-A56D-73EF35F52796}"/>
+                </a:ext>
+              </a:extLst>
+            </p:cNvPr>
+            <p:cNvSpPr/>
+            <p:nvPr/>
+          </p:nvSpPr>
+          <p:spPr>
+            <a:xfrm>
+              <a:off x="5577275" y="1422052"/>
+              <a:ext cx="1601422" cy="2274730"/>
+            </a:xfrm>
+            <a:prstGeom prst="rect">
+              <a:avLst/>
+            </a:prstGeom>
+            <a:noFill/>
+            <a:ln w="38100">
+              <a:solidFill>
+                <a:schemeClr val="tx1"/>
+              </a:solidFill>
+            </a:ln>
+          </p:spPr>
+          <p:style>
+            <a:lnRef idx="2">
+              <a:schemeClr val="accent1">
+                <a:shade val="50000"/>
+              </a:schemeClr>
+            </a:lnRef>
+            <a:fillRef idx="1">
+              <a:schemeClr val="accent1"/>
+            </a:fillRef>
+            <a:effectRef idx="0">
+              <a:schemeClr val="accent1"/>
+            </a:effectRef>
+            <a:fontRef idx="minor">
+              <a:schemeClr val="lt1"/>
+            </a:fontRef>
+          </p:style>
+          <p:txBody>
+            <a:bodyPr rtlCol="0" anchor="t"/>
+            <a:lstStyle/>
+            <a:p>
+              <a:pPr algn="ctr"/>
+              <a:r>
+                <a:rPr kumimoji="1" lang="en-US" altLang="ko-Kore-KR" sz="1000" b="1" dirty="0">
+                  <a:solidFill>
+                    <a:schemeClr val="tx1"/>
+                  </a:solidFill>
+                </a:rPr>
+                <a:t>Feed</a:t>
+              </a:r>
+            </a:p>
+            <a:p>
+              <a:pPr algn="ctr"/>
+              <a:endParaRPr kumimoji="1" lang="en-US" altLang="ko-Kore-KR" sz="1000" b="1" dirty="0">
+                <a:solidFill>
+                  <a:schemeClr val="tx1"/>
+                </a:solidFill>
+              </a:endParaRPr>
+            </a:p>
+            <a:p>
+              <a:r>
+                <a:rPr kumimoji="1" lang="en-US" altLang="ko-Kore-KR" sz="1000" dirty="0">
+                  <a:solidFill>
+                    <a:schemeClr val="tx1"/>
+                  </a:solidFill>
+                </a:rPr>
+                <a:t>id: Long</a:t>
+              </a:r>
+            </a:p>
+            <a:p>
+              <a:r>
+                <a:rPr kumimoji="1" lang="en-US" altLang="ko-Kore-KR" sz="1000" dirty="0">
+                  <a:solidFill>
+                    <a:schemeClr val="tx1"/>
+                  </a:solidFill>
+                </a:rPr>
+                <a:t>writer: Member</a:t>
+              </a:r>
+              <a:br>
+                <a:rPr kumimoji="1" lang="en-US" altLang="ko-Kore-KR" sz="1000" dirty="0">
+                  <a:solidFill>
+                    <a:schemeClr val="tx1"/>
+                  </a:solidFill>
+                </a:rPr>
+              </a:br>
+              <a:r>
+                <a:rPr kumimoji="1" lang="en-US" altLang="ko-Kore-KR" sz="1000" dirty="0">
+                  <a:solidFill>
+                    <a:schemeClr val="tx1"/>
+                  </a:solidFill>
+                </a:rPr>
+                <a:t>summary: String</a:t>
+              </a:r>
+            </a:p>
+            <a:p>
+              <a:r>
+                <a:rPr kumimoji="1" lang="en-US" altLang="ko-Kore-KR" sz="1000" dirty="0">
+                  <a:solidFill>
+                    <a:schemeClr val="tx1"/>
+                  </a:solidFill>
+                </a:rPr>
+                <a:t>mainCode:String</a:t>
+              </a:r>
+            </a:p>
+            <a:p>
+              <a:r>
+                <a:rPr kumimoji="1" lang="en-US" altLang="ko-Kore-KR" sz="1000" dirty="0">
+                  <a:solidFill>
+                    <a:schemeClr val="tx1"/>
+                  </a:solidFill>
+                </a:rPr>
+                <a:t>content: String</a:t>
+              </a:r>
+            </a:p>
+            <a:p>
+              <a:r>
+                <a:rPr kumimoji="1" lang="en-US" altLang="ko-Kore-KR" sz="1000" dirty="0">
+                  <a:solidFill>
+                    <a:schemeClr val="tx1"/>
+                  </a:solidFill>
+                </a:rPr>
+                <a:t>relatedTags: List&lt;Hashtag&gt;</a:t>
+              </a:r>
+            </a:p>
+            <a:p>
+              <a:r>
+                <a:rPr kumimoji="1" lang="en-US" altLang="ko-Kore-KR" sz="1000" dirty="0">
+                  <a:solidFill>
+                    <a:schemeClr val="tx1"/>
+                  </a:solidFill>
+                </a:rPr>
+                <a:t>createdDateTime: LocalDateTime</a:t>
+              </a:r>
+            </a:p>
+            <a:p>
+              <a:r>
+                <a:rPr kumimoji="1" lang="en-US" altLang="ko-Kore-KR" sz="1000" dirty="0">
+                  <a:solidFill>
+                    <a:schemeClr val="tx1"/>
+                  </a:solidFill>
+                </a:rPr>
+                <a:t>comments: List&lt;Comment&gt;</a:t>
+              </a:r>
+            </a:p>
+            <a:p>
+              <a:r>
+                <a:rPr kumimoji="1" lang="en-US" altLang="ko-Kore-KR" sz="1000" dirty="0">
+                  <a:solidFill>
+                    <a:schemeClr val="tx1"/>
+                  </a:solidFill>
+                </a:rPr>
+                <a:t>membersWhoLike: List&lt;Member&gt;</a:t>
+              </a:r>
+              <a:endParaRPr kumimoji="1" lang="ko-Kore-KR" altLang="en-US" sz="1000" dirty="0">
+                <a:solidFill>
+                  <a:schemeClr val="tx1"/>
+                </a:solidFill>
+              </a:endParaRPr>
+            </a:p>
+          </p:txBody>
+        </p:sp>
+        <p:sp>
+          <p:nvSpPr>
+            <p:cNvPr id="6" name="직사각형 5">
+              <a:extLst>
+                <a:ext uri="{FF2B5EF4-FFF2-40B4-BE49-F238E27FC236}">
+                  <a16:creationId xmlns:a16="http://schemas.microsoft.com/office/drawing/2014/main" id="{21350F2C-9C99-8942-890F-126D53923103}"/>
+                </a:ext>
+              </a:extLst>
+            </p:cNvPr>
+            <p:cNvSpPr/>
+            <p:nvPr/>
+          </p:nvSpPr>
+          <p:spPr>
+            <a:xfrm>
+              <a:off x="5650067" y="5563799"/>
+              <a:ext cx="1455838" cy="1284025"/>
+            </a:xfrm>
+            <a:prstGeom prst="rect">
+              <a:avLst/>
+            </a:prstGeom>
+            <a:noFill/>
+            <a:ln w="38100">
+              <a:solidFill>
+                <a:schemeClr val="tx1"/>
+              </a:solidFill>
+            </a:ln>
+          </p:spPr>
+          <p:style>
+            <a:lnRef idx="2">
+              <a:schemeClr val="accent1">
+                <a:shade val="50000"/>
+              </a:schemeClr>
+            </a:lnRef>
+            <a:fillRef idx="1">
+              <a:schemeClr val="accent1"/>
+            </a:fillRef>
+            <a:effectRef idx="0">
+              <a:schemeClr val="accent1"/>
+            </a:effectRef>
+            <a:fontRef idx="minor">
+              <a:schemeClr val="lt1"/>
+            </a:fontRef>
+          </p:style>
+          <p:txBody>
+            <a:bodyPr rtlCol="0" anchor="t"/>
+            <a:lstStyle/>
+            <a:p>
+              <a:pPr algn="ctr"/>
+              <a:r>
+                <a:rPr kumimoji="1" lang="en-US" altLang="ko-Kore-KR" sz="1000" b="1" dirty="0">
+                  <a:solidFill>
+                    <a:schemeClr val="tx1"/>
+                  </a:solidFill>
+                </a:rPr>
+                <a:t>Hashtag</a:t>
+              </a:r>
+            </a:p>
+            <a:p>
+              <a:pPr algn="ctr"/>
+              <a:endParaRPr kumimoji="1" lang="en-US" altLang="ko-Kore-KR" sz="1000" b="1" dirty="0">
+                <a:solidFill>
+                  <a:schemeClr val="tx1"/>
+                </a:solidFill>
+              </a:endParaRPr>
+            </a:p>
+            <a:p>
+              <a:pPr algn="ctr"/>
+              <a:endParaRPr kumimoji="1" lang="en-US" altLang="ko-Kore-KR" sz="1000" b="1" dirty="0">
+                <a:solidFill>
+                  <a:schemeClr val="tx1"/>
+                </a:solidFill>
+              </a:endParaRPr>
+            </a:p>
+            <a:p>
+              <a:r>
+                <a:rPr kumimoji="1" lang="en-US" altLang="ko-Kore-KR" sz="1000" dirty="0">
+                  <a:solidFill>
+                    <a:schemeClr val="tx1"/>
+                  </a:solidFill>
+                </a:rPr>
+                <a:t>id: Long</a:t>
+              </a:r>
+            </a:p>
+            <a:p>
+              <a:r>
+                <a:rPr kumimoji="1" lang="en-US" altLang="ko-Kore-KR" sz="1000" dirty="0">
+                  <a:solidFill>
+                    <a:schemeClr val="tx1"/>
+                  </a:solidFill>
+                </a:rPr>
+                <a:t>name: String</a:t>
+              </a:r>
+            </a:p>
+            <a:p>
+              <a:r>
+                <a:rPr kumimoji="1" lang="en-US" altLang="ko-Kore-KR" sz="1000" dirty="0">
+                  <a:solidFill>
+                    <a:schemeClr val="tx1"/>
+                  </a:solidFill>
+                </a:rPr>
+                <a:t>countOfTagged: Long</a:t>
+              </a:r>
+              <a:endParaRPr kumimoji="1" lang="ko-Kore-KR" altLang="en-US" sz="1000" dirty="0">
+                <a:solidFill>
+                  <a:schemeClr val="tx1"/>
+                </a:solidFill>
+              </a:endParaRPr>
+            </a:p>
+          </p:txBody>
+        </p:sp>
+        <p:cxnSp>
+          <p:nvCxnSpPr>
+            <p:cNvPr id="12" name="직선 연결선[R] 11">
+              <a:extLst>
+                <a:ext uri="{FF2B5EF4-FFF2-40B4-BE49-F238E27FC236}">
+                  <a16:creationId xmlns:a16="http://schemas.microsoft.com/office/drawing/2014/main" id="{045935FF-E279-6E4B-B11C-1D37FF724269}"/>
+                </a:ext>
+              </a:extLst>
+            </p:cNvPr>
+            <p:cNvCxnSpPr>
+              <a:cxnSpLocks/>
+              <a:stCxn id="6" idx="0"/>
+              <a:endCxn id="5" idx="2"/>
+            </p:cNvCxnSpPr>
+            <p:nvPr/>
+          </p:nvCxnSpPr>
+          <p:spPr>
+            <a:xfrm flipV="1">
+              <a:off x="6377986" y="3696782"/>
+              <a:ext cx="0" cy="1867017"/>
+            </a:xfrm>
+            <a:prstGeom prst="line">
+              <a:avLst/>
+            </a:prstGeom>
+            <a:ln w="38100">
+              <a:solidFill>
+                <a:schemeClr val="tx1"/>
+              </a:solidFill>
+            </a:ln>
+          </p:spPr>
+          <p:style>
+            <a:lnRef idx="1">
+              <a:schemeClr val="accent1"/>
+            </a:lnRef>
+            <a:fillRef idx="0">
+              <a:schemeClr val="accent1"/>
+            </a:fillRef>
+            <a:effectRef idx="0">
+              <a:schemeClr val="accent1"/>
+            </a:effectRef>
+            <a:fontRef idx="minor">
+              <a:schemeClr val="tx1"/>
+            </a:fontRef>
+          </p:style>
+        </p:cxnSp>
+        <p:sp>
+          <p:nvSpPr>
+            <p:cNvPr id="19" name="TextBox 18">
+              <a:extLst>
+                <a:ext uri="{FF2B5EF4-FFF2-40B4-BE49-F238E27FC236}">
+                  <a16:creationId xmlns:a16="http://schemas.microsoft.com/office/drawing/2014/main" id="{22FA4E34-C716-A74A-B031-AADB44F03589}"/>
+                </a:ext>
+              </a:extLst>
+            </p:cNvPr>
+            <p:cNvSpPr txBox="1"/>
+            <p:nvPr/>
+          </p:nvSpPr>
+          <p:spPr>
+            <a:xfrm>
+              <a:off x="3689213" y="1654218"/>
+              <a:ext cx="706027" cy="369332"/>
+            </a:xfrm>
+            <a:prstGeom prst="rect">
+              <a:avLst/>
+            </a:prstGeom>
+            <a:noFill/>
+          </p:spPr>
+          <p:txBody>
+            <a:bodyPr wrap="none" rtlCol="0">
+              <a:spAutoFit/>
+            </a:bodyPr>
+            <a:lstStyle/>
+            <a:p>
+              <a:pPr algn="ctr"/>
+              <a:r>
+                <a:rPr kumimoji="1" lang="en-US" altLang="ko-Kore-KR" dirty="0"/>
+                <a:t>Write</a:t>
+              </a:r>
+              <a:endParaRPr kumimoji="1" lang="ko-Kore-KR" altLang="en-US" dirty="0"/>
+            </a:p>
+          </p:txBody>
+        </p:sp>
+        <p:sp>
+          <p:nvSpPr>
+            <p:cNvPr id="20" name="TextBox 19">
+              <a:extLst>
+                <a:ext uri="{FF2B5EF4-FFF2-40B4-BE49-F238E27FC236}">
+                  <a16:creationId xmlns:a16="http://schemas.microsoft.com/office/drawing/2014/main" id="{3E974255-F8D9-3C41-8EA0-C5F08062368D}"/>
+                </a:ext>
+              </a:extLst>
+            </p:cNvPr>
+            <p:cNvSpPr txBox="1"/>
+            <p:nvPr/>
+          </p:nvSpPr>
+          <p:spPr>
+            <a:xfrm>
+              <a:off x="2522595" y="1674157"/>
+              <a:ext cx="301686" cy="369332"/>
+            </a:xfrm>
+            <a:prstGeom prst="rect">
+              <a:avLst/>
+            </a:prstGeom>
+            <a:noFill/>
+          </p:spPr>
+          <p:txBody>
+            <a:bodyPr wrap="none" rtlCol="0">
+              <a:spAutoFit/>
+            </a:bodyPr>
+            <a:lstStyle/>
+            <a:p>
+              <a:r>
+                <a:rPr kumimoji="1" lang="en-US" altLang="ko-Kore-KR" dirty="0"/>
+                <a:t>1</a:t>
+              </a:r>
+              <a:endParaRPr kumimoji="1" lang="ko-Kore-KR" altLang="en-US" dirty="0"/>
+            </a:p>
+          </p:txBody>
+        </p:sp>
+        <p:sp>
+          <p:nvSpPr>
+            <p:cNvPr id="21" name="TextBox 20">
+              <a:extLst>
+                <a:ext uri="{FF2B5EF4-FFF2-40B4-BE49-F238E27FC236}">
+                  <a16:creationId xmlns:a16="http://schemas.microsoft.com/office/drawing/2014/main" id="{BA6760E4-E89C-5C4B-A8B6-3A7B4671338B}"/>
+                </a:ext>
+              </a:extLst>
+            </p:cNvPr>
+            <p:cNvSpPr txBox="1"/>
+            <p:nvPr/>
+          </p:nvSpPr>
+          <p:spPr>
+            <a:xfrm>
+              <a:off x="10151097" y="1862418"/>
+              <a:ext cx="301686" cy="369332"/>
+            </a:xfrm>
+            <a:prstGeom prst="rect">
+              <a:avLst/>
+            </a:prstGeom>
+            <a:noFill/>
+          </p:spPr>
+          <p:txBody>
+            <a:bodyPr wrap="none" rtlCol="0">
+              <a:spAutoFit/>
+            </a:bodyPr>
+            <a:lstStyle/>
+            <a:p>
+              <a:r>
+                <a:rPr kumimoji="1" lang="en-US" altLang="ko-KR" dirty="0"/>
+                <a:t>*</a:t>
+              </a:r>
+              <a:endParaRPr kumimoji="1" lang="ko-Kore-KR" altLang="en-US" dirty="0"/>
+            </a:p>
+          </p:txBody>
+        </p:sp>
+        <p:sp>
+          <p:nvSpPr>
+            <p:cNvPr id="24" name="TextBox 23">
+              <a:extLst>
+                <a:ext uri="{FF2B5EF4-FFF2-40B4-BE49-F238E27FC236}">
+                  <a16:creationId xmlns:a16="http://schemas.microsoft.com/office/drawing/2014/main" id="{A5045C65-2FA1-F24F-B881-E6791DEFEE1E}"/>
+                </a:ext>
+              </a:extLst>
+            </p:cNvPr>
+            <p:cNvSpPr txBox="1"/>
+            <p:nvPr/>
+          </p:nvSpPr>
+          <p:spPr>
+            <a:xfrm>
+              <a:off x="3769514" y="2412820"/>
+              <a:ext cx="547522" cy="369332"/>
+            </a:xfrm>
+            <a:prstGeom prst="rect">
+              <a:avLst/>
+            </a:prstGeom>
+            <a:noFill/>
+          </p:spPr>
+          <p:txBody>
+            <a:bodyPr wrap="none" rtlCol="0">
+              <a:spAutoFit/>
+            </a:bodyPr>
+            <a:lstStyle/>
+            <a:p>
+              <a:pPr algn="ctr"/>
+              <a:r>
+                <a:rPr kumimoji="1" lang="en-US" altLang="ko-Kore-KR" dirty="0"/>
+                <a:t>Like</a:t>
+              </a:r>
+              <a:endParaRPr kumimoji="1" lang="ko-Kore-KR" altLang="en-US" dirty="0"/>
+            </a:p>
+          </p:txBody>
+        </p:sp>
+        <p:sp>
+          <p:nvSpPr>
+            <p:cNvPr id="25" name="TextBox 24">
+              <a:extLst>
+                <a:ext uri="{FF2B5EF4-FFF2-40B4-BE49-F238E27FC236}">
+                  <a16:creationId xmlns:a16="http://schemas.microsoft.com/office/drawing/2014/main" id="{7023132C-BD7C-3A45-BF5B-BFE549685914}"/>
+                </a:ext>
+              </a:extLst>
+            </p:cNvPr>
+            <p:cNvSpPr txBox="1"/>
+            <p:nvPr/>
+          </p:nvSpPr>
+          <p:spPr>
+            <a:xfrm>
+              <a:off x="2499454" y="2452699"/>
+              <a:ext cx="300082" cy="369332"/>
+            </a:xfrm>
+            <a:prstGeom prst="rect">
+              <a:avLst/>
+            </a:prstGeom>
+            <a:noFill/>
+          </p:spPr>
+          <p:txBody>
+            <a:bodyPr wrap="none" rtlCol="0">
+              <a:spAutoFit/>
+            </a:bodyPr>
+            <a:lstStyle/>
+            <a:p>
+              <a:r>
+                <a:rPr kumimoji="1" lang="ko-Kore-KR" altLang="en-US" dirty="0"/>
+                <a:t>*</a:t>
+              </a:r>
+            </a:p>
+          </p:txBody>
+        </p:sp>
+        <p:sp>
+          <p:nvSpPr>
+            <p:cNvPr id="26" name="TextBox 25">
+              <a:extLst>
+                <a:ext uri="{FF2B5EF4-FFF2-40B4-BE49-F238E27FC236}">
+                  <a16:creationId xmlns:a16="http://schemas.microsoft.com/office/drawing/2014/main" id="{AF04798A-D013-3144-8973-367D40E6DB35}"/>
+                </a:ext>
+              </a:extLst>
+            </p:cNvPr>
+            <p:cNvSpPr txBox="1"/>
+            <p:nvPr/>
+          </p:nvSpPr>
+          <p:spPr>
+            <a:xfrm>
+              <a:off x="5287015" y="2439252"/>
+              <a:ext cx="300082" cy="369332"/>
+            </a:xfrm>
+            <a:prstGeom prst="rect">
+              <a:avLst/>
+            </a:prstGeom>
+            <a:noFill/>
+          </p:spPr>
+          <p:txBody>
+            <a:bodyPr wrap="none" rtlCol="0">
+              <a:spAutoFit/>
+            </a:bodyPr>
+            <a:lstStyle/>
+            <a:p>
+              <a:r>
+                <a:rPr kumimoji="1" lang="ko-KR" altLang="en-US" dirty="0"/>
+                <a:t>*</a:t>
+              </a:r>
+              <a:endParaRPr kumimoji="1" lang="ko-Kore-KR" altLang="en-US" dirty="0"/>
+            </a:p>
+          </p:txBody>
+        </p:sp>
+        <p:sp>
+          <p:nvSpPr>
+            <p:cNvPr id="29" name="TextBox 28">
+              <a:extLst>
+                <a:ext uri="{FF2B5EF4-FFF2-40B4-BE49-F238E27FC236}">
+                  <a16:creationId xmlns:a16="http://schemas.microsoft.com/office/drawing/2014/main" id="{0CDDB793-DD11-8F47-AF20-548ECDD547EF}"/>
+                </a:ext>
+              </a:extLst>
+            </p:cNvPr>
+            <p:cNvSpPr txBox="1"/>
+            <p:nvPr/>
+          </p:nvSpPr>
+          <p:spPr>
+            <a:xfrm>
+              <a:off x="344970" y="4848773"/>
+              <a:ext cx="800990" cy="369332"/>
+            </a:xfrm>
+            <a:prstGeom prst="rect">
+              <a:avLst/>
+            </a:prstGeom>
+            <a:noFill/>
+          </p:spPr>
+          <p:txBody>
+            <a:bodyPr wrap="none" rtlCol="0">
+              <a:spAutoFit/>
+            </a:bodyPr>
+            <a:lstStyle/>
+            <a:p>
+              <a:pPr algn="ctr"/>
+              <a:r>
+                <a:rPr kumimoji="1" lang="en-US" altLang="ko-Kore-KR" dirty="0"/>
+                <a:t>Follow</a:t>
+              </a:r>
+              <a:endParaRPr kumimoji="1" lang="ko-Kore-KR" altLang="en-US" dirty="0"/>
+            </a:p>
+          </p:txBody>
+        </p:sp>
+        <p:sp>
+          <p:nvSpPr>
+            <p:cNvPr id="30" name="TextBox 29">
+              <a:extLst>
+                <a:ext uri="{FF2B5EF4-FFF2-40B4-BE49-F238E27FC236}">
+                  <a16:creationId xmlns:a16="http://schemas.microsoft.com/office/drawing/2014/main" id="{F1B2DD47-B655-9F4B-AA4B-90B967300E73}"/>
+                </a:ext>
+              </a:extLst>
+            </p:cNvPr>
+            <p:cNvSpPr txBox="1"/>
+            <p:nvPr/>
+          </p:nvSpPr>
+          <p:spPr>
+            <a:xfrm>
+              <a:off x="1485934" y="4682219"/>
+              <a:ext cx="300082" cy="369332"/>
+            </a:xfrm>
+            <a:prstGeom prst="rect">
+              <a:avLst/>
+            </a:prstGeom>
+            <a:noFill/>
+          </p:spPr>
+          <p:txBody>
+            <a:bodyPr wrap="none" rtlCol="0">
+              <a:spAutoFit/>
+            </a:bodyPr>
+            <a:lstStyle/>
+            <a:p>
+              <a:r>
+                <a:rPr kumimoji="1" lang="ko-Kore-KR" altLang="en-US" dirty="0"/>
+                <a:t>*</a:t>
+              </a:r>
+            </a:p>
+          </p:txBody>
+        </p:sp>
+        <p:sp>
+          <p:nvSpPr>
+            <p:cNvPr id="31" name="TextBox 30">
+              <a:extLst>
+                <a:ext uri="{FF2B5EF4-FFF2-40B4-BE49-F238E27FC236}">
+                  <a16:creationId xmlns:a16="http://schemas.microsoft.com/office/drawing/2014/main" id="{3170CF11-6CD4-C444-B8FD-BB5D9678D582}"/>
+                </a:ext>
+              </a:extLst>
+            </p:cNvPr>
+            <p:cNvSpPr txBox="1"/>
+            <p:nvPr/>
+          </p:nvSpPr>
+          <p:spPr>
+            <a:xfrm>
+              <a:off x="221871" y="2767340"/>
+              <a:ext cx="300082" cy="369332"/>
+            </a:xfrm>
+            <a:prstGeom prst="rect">
+              <a:avLst/>
+            </a:prstGeom>
+            <a:noFill/>
+          </p:spPr>
+          <p:txBody>
+            <a:bodyPr wrap="none" rtlCol="0">
+              <a:spAutoFit/>
+            </a:bodyPr>
+            <a:lstStyle/>
+            <a:p>
+              <a:r>
+                <a:rPr kumimoji="1" lang="ko-Kore-KR" altLang="en-US" dirty="0"/>
+                <a:t>*</a:t>
+              </a:r>
+            </a:p>
+          </p:txBody>
+        </p:sp>
+        <p:sp>
+          <p:nvSpPr>
+            <p:cNvPr id="4" name="직사각형 3">
+              <a:extLst>
+                <a:ext uri="{FF2B5EF4-FFF2-40B4-BE49-F238E27FC236}">
+                  <a16:creationId xmlns:a16="http://schemas.microsoft.com/office/drawing/2014/main" id="{191E3FBA-ECFA-2246-8BE3-0978CD009B37}"/>
+                </a:ext>
+              </a:extLst>
+            </p:cNvPr>
+            <p:cNvSpPr/>
+            <p:nvPr/>
+          </p:nvSpPr>
+          <p:spPr>
+            <a:xfrm>
+              <a:off x="517042" y="1583469"/>
+              <a:ext cx="1937720" cy="3027665"/>
+            </a:xfrm>
+            <a:prstGeom prst="rect">
+              <a:avLst/>
+            </a:prstGeom>
+            <a:noFill/>
+            <a:ln w="38100">
+              <a:solidFill>
+                <a:schemeClr val="tx1"/>
+              </a:solidFill>
+            </a:ln>
+          </p:spPr>
+          <p:style>
+            <a:lnRef idx="2">
+              <a:schemeClr val="accent1">
+                <a:shade val="50000"/>
+              </a:schemeClr>
+            </a:lnRef>
+            <a:fillRef idx="1">
+              <a:schemeClr val="accent1"/>
+            </a:fillRef>
+            <a:effectRef idx="0">
+              <a:schemeClr val="accent1"/>
+            </a:effectRef>
+            <a:fontRef idx="minor">
+              <a:schemeClr val="lt1"/>
+            </a:fontRef>
+          </p:style>
+          <p:txBody>
+            <a:bodyPr lIns="90000" rtlCol="0" anchor="t"/>
+            <a:lstStyle/>
+            <a:p>
+              <a:pPr algn="ctr"/>
+              <a:r>
+                <a:rPr kumimoji="1" lang="en-US" altLang="ko-Kore-KR" sz="1000" b="1" dirty="0">
+                  <a:solidFill>
+                    <a:schemeClr val="tx1"/>
+                  </a:solidFill>
+                </a:rPr>
+                <a:t>Member</a:t>
+              </a:r>
+            </a:p>
+            <a:p>
+              <a:pPr algn="ctr"/>
+              <a:endParaRPr kumimoji="1" lang="en-US" altLang="ko-Kore-KR" sz="1000" dirty="0">
+                <a:solidFill>
+                  <a:schemeClr val="tx1"/>
+                </a:solidFill>
+              </a:endParaRPr>
+            </a:p>
+            <a:p>
+              <a:r>
+                <a:rPr kumimoji="1" lang="en-US" altLang="ko-Kore-KR" sz="1000" dirty="0">
+                  <a:solidFill>
+                    <a:schemeClr val="tx1"/>
+                  </a:solidFill>
+                </a:rPr>
+                <a:t>id: Long</a:t>
+              </a:r>
+            </a:p>
+            <a:p>
+              <a:r>
+                <a:rPr kumimoji="1" lang="en-US" altLang="ko-Kore-KR" sz="1000">
+                  <a:solidFill>
+                    <a:schemeClr val="tx1"/>
+                  </a:solidFill>
+                </a:rPr>
+                <a:t>name</a:t>
+              </a:r>
+              <a:r>
+                <a:rPr kumimoji="1" lang="en-US" altLang="ko-Kore-KR" sz="1000" dirty="0">
+                  <a:solidFill>
+                    <a:schemeClr val="tx1"/>
+                  </a:solidFill>
+                </a:rPr>
+                <a:t>: String</a:t>
+              </a:r>
+            </a:p>
+            <a:p>
+              <a:r>
+                <a:rPr kumimoji="1" lang="en-US" altLang="ko-Kore-KR" sz="1000" dirty="0">
+                  <a:solidFill>
+                    <a:schemeClr val="tx1"/>
+                  </a:solidFill>
+                </a:rPr>
+                <a:t>photo: String</a:t>
+              </a:r>
+            </a:p>
+            <a:p>
+              <a:r>
+                <a:rPr kumimoji="1" lang="en-US" altLang="ko-Kore-KR" sz="1000" dirty="0">
+                  <a:solidFill>
+                    <a:schemeClr val="tx1"/>
+                  </a:solidFill>
+                </a:rPr>
+                <a:t>email: String</a:t>
+              </a:r>
+            </a:p>
+            <a:p>
+              <a:r>
+                <a:rPr kumimoji="1" lang="en-US" altLang="ko-Kore-KR" sz="1000" dirty="0">
+                  <a:solidFill>
+                    <a:schemeClr val="tx1"/>
+                  </a:solidFill>
+                </a:rPr>
+                <a:t>isPublicEmail: Boolean</a:t>
+              </a:r>
+            </a:p>
+            <a:p>
+              <a:r>
+                <a:rPr kumimoji="1" lang="en-US" altLang="ko-Kore-KR" sz="1000" dirty="0">
+                  <a:solidFill>
+                    <a:schemeClr val="tx1"/>
+                  </a:solidFill>
+                </a:rPr>
+                <a:t>password: String</a:t>
+              </a:r>
+            </a:p>
+            <a:p>
+              <a:r>
+                <a:rPr kumimoji="1" lang="en-US" altLang="ko-Kore-KR" sz="1000" dirty="0">
+                  <a:solidFill>
+                    <a:schemeClr val="tx1"/>
+                  </a:solidFill>
+                </a:rPr>
+                <a:t>introduction: String</a:t>
+              </a:r>
+            </a:p>
+            <a:p>
+              <a:r>
+                <a:rPr kumimoji="1" lang="en-US" altLang="ko-Kore-KR" sz="1000" dirty="0">
+                  <a:solidFill>
+                    <a:schemeClr val="tx1"/>
+                  </a:solidFill>
+                </a:rPr>
+                <a:t>countOfLikes: Long</a:t>
+              </a:r>
+            </a:p>
+            <a:p>
+              <a:r>
+                <a:rPr kumimoji="1" lang="en-US" altLang="ko-Kore-KR" sz="1000" dirty="0">
+                  <a:solidFill>
+                    <a:schemeClr val="tx1"/>
+                  </a:solidFill>
+                </a:rPr>
+                <a:t>interests: List&lt;Hashtag&gt;</a:t>
+              </a:r>
+            </a:p>
+            <a:p>
+              <a:r>
+                <a:rPr kumimoji="1" lang="en-US" altLang="ko-Kore-KR" sz="1000" dirty="0">
+                  <a:solidFill>
+                    <a:schemeClr val="tx1"/>
+                  </a:solidFill>
+                </a:rPr>
+                <a:t>following: List&lt;Member&gt;</a:t>
+              </a:r>
+            </a:p>
+            <a:p>
+              <a:r>
+                <a:rPr kumimoji="1" lang="en-US" altLang="ko-Kore-KR" sz="1000" dirty="0">
+                  <a:solidFill>
+                    <a:schemeClr val="tx1"/>
+                  </a:solidFill>
+                </a:rPr>
+                <a:t>followers: List&lt;Member&gt;</a:t>
+              </a:r>
+            </a:p>
+            <a:p>
+              <a:r>
+                <a:rPr kumimoji="1" lang="en-US" altLang="ko-Kore-KR" sz="1000" dirty="0">
+                  <a:solidFill>
+                    <a:schemeClr val="tx1"/>
+                  </a:solidFill>
+                </a:rPr>
+                <a:t>writtenFeeds: List&lt;Feed&gt;</a:t>
+              </a:r>
+              <a:br>
+                <a:rPr kumimoji="1" lang="en-US" altLang="ko-Kore-KR" sz="1000" dirty="0">
+                  <a:solidFill>
+                    <a:schemeClr val="tx1"/>
+                  </a:solidFill>
+                </a:rPr>
+              </a:br>
+              <a:r>
+                <a:rPr kumimoji="1" lang="en-US" altLang="ko-Kore-KR" sz="1000" dirty="0">
+                  <a:solidFill>
+                    <a:schemeClr val="tx1"/>
+                  </a:solidFill>
+                </a:rPr>
+                <a:t>writtenComments: List&lt;Comment&gt;</a:t>
+              </a:r>
+            </a:p>
+            <a:p>
+              <a:r>
+                <a:rPr kumimoji="1" lang="en-US" altLang="ko-Kore-KR" sz="1000" dirty="0">
+                  <a:solidFill>
+                    <a:schemeClr val="tx1"/>
+                  </a:solidFill>
+                </a:rPr>
+                <a:t>likedFeeds:List&lt;Feed&gt;</a:t>
+              </a:r>
+            </a:p>
+            <a:p>
+              <a:r>
+                <a:rPr kumimoji="1" lang="en-US" altLang="ko-Kore-KR" sz="1000" dirty="0">
+                  <a:solidFill>
+                    <a:schemeClr val="tx1"/>
+                  </a:solidFill>
+                </a:rPr>
+                <a:t>likedComments&lt;Comment&gt;</a:t>
+              </a:r>
+              <a:endParaRPr kumimoji="1" lang="ko-Kore-KR" altLang="en-US" sz="1000" dirty="0">
+                <a:solidFill>
+                  <a:schemeClr val="tx1"/>
+                </a:solidFill>
+              </a:endParaRPr>
+            </a:p>
+          </p:txBody>
+        </p:sp>
+        <p:cxnSp>
+          <p:nvCxnSpPr>
+            <p:cNvPr id="10" name="직선 연결선[R] 9">
+              <a:extLst>
+                <a:ext uri="{FF2B5EF4-FFF2-40B4-BE49-F238E27FC236}">
+                  <a16:creationId xmlns:a16="http://schemas.microsoft.com/office/drawing/2014/main" id="{1A5EDADE-DEA2-C44A-A58B-74630F3C3892}"/>
+                </a:ext>
+              </a:extLst>
+            </p:cNvPr>
+            <p:cNvCxnSpPr>
+              <a:cxnSpLocks/>
+            </p:cNvCxnSpPr>
+            <p:nvPr/>
+          </p:nvCxnSpPr>
+          <p:spPr>
+            <a:xfrm>
+              <a:off x="2459626" y="2003610"/>
+              <a:ext cx="3127471" cy="0"/>
+            </a:xfrm>
+            <a:prstGeom prst="line">
+              <a:avLst/>
+            </a:prstGeom>
+            <a:ln w="38100">
+              <a:solidFill>
+                <a:schemeClr val="tx1"/>
+              </a:solidFill>
+            </a:ln>
+          </p:spPr>
+          <p:style>
+            <a:lnRef idx="1">
+              <a:schemeClr val="accent1"/>
+            </a:lnRef>
+            <a:fillRef idx="0">
+              <a:schemeClr val="accent1"/>
+            </a:fillRef>
+            <a:effectRef idx="0">
+              <a:schemeClr val="accent1"/>
+            </a:effectRef>
+            <a:fontRef idx="minor">
+              <a:schemeClr val="tx1"/>
+            </a:fontRef>
+          </p:style>
+        </p:cxnSp>
+        <p:cxnSp>
+          <p:nvCxnSpPr>
+            <p:cNvPr id="23" name="직선 연결선[R] 22">
+              <a:extLst>
+                <a:ext uri="{FF2B5EF4-FFF2-40B4-BE49-F238E27FC236}">
+                  <a16:creationId xmlns:a16="http://schemas.microsoft.com/office/drawing/2014/main" id="{FF765111-E65F-0E4E-8857-B940D3E9E945}"/>
+                </a:ext>
+              </a:extLst>
+            </p:cNvPr>
+            <p:cNvCxnSpPr>
+              <a:cxnSpLocks/>
+            </p:cNvCxnSpPr>
+            <p:nvPr/>
+          </p:nvCxnSpPr>
+          <p:spPr>
+            <a:xfrm>
+              <a:off x="2459626" y="2782152"/>
+              <a:ext cx="3127471" cy="0"/>
+            </a:xfrm>
+            <a:prstGeom prst="line">
+              <a:avLst/>
+            </a:prstGeom>
+            <a:ln w="38100">
+              <a:solidFill>
+                <a:schemeClr val="tx1"/>
+              </a:solidFill>
+            </a:ln>
+          </p:spPr>
+          <p:style>
+            <a:lnRef idx="1">
+              <a:schemeClr val="accent1"/>
+            </a:lnRef>
+            <a:fillRef idx="0">
+              <a:schemeClr val="accent1"/>
+            </a:fillRef>
+            <a:effectRef idx="0">
+              <a:schemeClr val="accent1"/>
+            </a:effectRef>
+            <a:fontRef idx="minor">
+              <a:schemeClr val="tx1"/>
+            </a:fontRef>
+          </p:style>
+        </p:cxnSp>
+        <p:cxnSp>
+          <p:nvCxnSpPr>
+            <p:cNvPr id="28" name="꺾인 연결선[E] 27">
+              <a:extLst>
+                <a:ext uri="{FF2B5EF4-FFF2-40B4-BE49-F238E27FC236}">
+                  <a16:creationId xmlns:a16="http://schemas.microsoft.com/office/drawing/2014/main" id="{FBEEEDE9-D086-5541-B408-86A079C0FBB6}"/>
+                </a:ext>
+              </a:extLst>
+            </p:cNvPr>
+            <p:cNvCxnSpPr>
+              <a:stCxn id="4" idx="2"/>
+              <a:endCxn id="4" idx="1"/>
+            </p:cNvCxnSpPr>
+            <p:nvPr/>
+          </p:nvCxnSpPr>
+          <p:spPr>
+            <a:xfrm rot="5400000" flipH="1">
+              <a:off x="244556" y="3369788"/>
+              <a:ext cx="1513832" cy="968860"/>
+            </a:xfrm>
+            <a:prstGeom prst="bentConnector4">
+              <a:avLst>
+                <a:gd name="adj1" fmla="val -15101"/>
+                <a:gd name="adj2" fmla="val 123595"/>
+              </a:avLst>
+            </a:prstGeom>
+            <a:ln w="38100">
+              <a:solidFill>
+                <a:schemeClr val="tx1"/>
+              </a:solidFill>
+            </a:ln>
+          </p:spPr>
+          <p:style>
+            <a:lnRef idx="1">
+              <a:schemeClr val="accent1"/>
+            </a:lnRef>
+            <a:fillRef idx="0">
+              <a:schemeClr val="accent1"/>
+            </a:fillRef>
+            <a:effectRef idx="0">
+              <a:schemeClr val="accent1"/>
+            </a:effectRef>
+            <a:fontRef idx="minor">
+              <a:schemeClr val="tx1"/>
+            </a:fontRef>
+          </p:style>
+        </p:cxnSp>
+        <p:cxnSp>
+          <p:nvCxnSpPr>
+            <p:cNvPr id="32" name="꺾인 연결선[E] 31">
+              <a:extLst>
+                <a:ext uri="{FF2B5EF4-FFF2-40B4-BE49-F238E27FC236}">
+                  <a16:creationId xmlns:a16="http://schemas.microsoft.com/office/drawing/2014/main" id="{E90E2FF7-93CE-7B47-8410-49A070E92AA0}"/>
+                </a:ext>
+              </a:extLst>
+            </p:cNvPr>
+            <p:cNvCxnSpPr>
+              <a:cxnSpLocks/>
+              <a:stCxn id="6" idx="1"/>
+            </p:cNvCxnSpPr>
+            <p:nvPr/>
+          </p:nvCxnSpPr>
+          <p:spPr>
+            <a:xfrm rot="10800000">
+              <a:off x="2482785" y="3285504"/>
+              <a:ext cx="3167283" cy="2920308"/>
+            </a:xfrm>
+            <a:prstGeom prst="bentConnector3">
+              <a:avLst>
+                <a:gd name="adj1" fmla="val 50000"/>
+              </a:avLst>
+            </a:prstGeom>
+            <a:ln w="38100">
+              <a:solidFill>
+                <a:schemeClr val="tx1"/>
+              </a:solidFill>
+            </a:ln>
+          </p:spPr>
+          <p:style>
+            <a:lnRef idx="1">
+              <a:schemeClr val="accent1"/>
+            </a:lnRef>
+            <a:fillRef idx="0">
+              <a:schemeClr val="accent1"/>
+            </a:fillRef>
+            <a:effectRef idx="0">
+              <a:schemeClr val="accent1"/>
+            </a:effectRef>
+            <a:fontRef idx="minor">
+              <a:schemeClr val="tx1"/>
+            </a:fontRef>
+          </p:style>
+        </p:cxnSp>
+        <p:sp>
+          <p:nvSpPr>
+            <p:cNvPr id="36" name="TextBox 35">
+              <a:extLst>
+                <a:ext uri="{FF2B5EF4-FFF2-40B4-BE49-F238E27FC236}">
+                  <a16:creationId xmlns:a16="http://schemas.microsoft.com/office/drawing/2014/main" id="{F2030E15-4076-A043-B9FA-8847394E3D75}"/>
+                </a:ext>
+              </a:extLst>
+            </p:cNvPr>
+            <p:cNvSpPr txBox="1"/>
+            <p:nvPr/>
+          </p:nvSpPr>
+          <p:spPr>
+            <a:xfrm>
+              <a:off x="3105486" y="4479441"/>
+              <a:ext cx="998415" cy="369332"/>
+            </a:xfrm>
+            <a:prstGeom prst="rect">
+              <a:avLst/>
+            </a:prstGeom>
+            <a:noFill/>
+          </p:spPr>
+          <p:txBody>
+            <a:bodyPr wrap="none" rtlCol="0">
+              <a:spAutoFit/>
+            </a:bodyPr>
+            <a:lstStyle/>
+            <a:p>
+              <a:pPr algn="ctr"/>
+              <a:r>
+                <a:rPr kumimoji="1" lang="en-US" altLang="ko-Kore-KR" dirty="0"/>
+                <a:t>Interests</a:t>
+              </a:r>
+              <a:endParaRPr kumimoji="1" lang="ko-Kore-KR" altLang="en-US" dirty="0"/>
+            </a:p>
+          </p:txBody>
+        </p:sp>
+        <p:sp>
+          <p:nvSpPr>
+            <p:cNvPr id="37" name="TextBox 36">
+              <a:extLst>
+                <a:ext uri="{FF2B5EF4-FFF2-40B4-BE49-F238E27FC236}">
+                  <a16:creationId xmlns:a16="http://schemas.microsoft.com/office/drawing/2014/main" id="{A66DBE67-72C7-CB4C-88FD-122DBCFCEE34}"/>
+                </a:ext>
+              </a:extLst>
+            </p:cNvPr>
+            <p:cNvSpPr txBox="1"/>
+            <p:nvPr/>
+          </p:nvSpPr>
+          <p:spPr>
+            <a:xfrm>
+              <a:off x="2499454" y="3327311"/>
+              <a:ext cx="300082" cy="369332"/>
+            </a:xfrm>
+            <a:prstGeom prst="rect">
+              <a:avLst/>
+            </a:prstGeom>
+            <a:noFill/>
+          </p:spPr>
+          <p:txBody>
+            <a:bodyPr wrap="none" rtlCol="0">
+              <a:spAutoFit/>
+            </a:bodyPr>
+            <a:lstStyle/>
+            <a:p>
+              <a:r>
+                <a:rPr kumimoji="1" lang="ko-Kore-KR" altLang="en-US" dirty="0"/>
+                <a:t>*</a:t>
+              </a:r>
+            </a:p>
+          </p:txBody>
+        </p:sp>
+        <p:sp>
+          <p:nvSpPr>
+            <p:cNvPr id="38" name="TextBox 37">
+              <a:extLst>
+                <a:ext uri="{FF2B5EF4-FFF2-40B4-BE49-F238E27FC236}">
+                  <a16:creationId xmlns:a16="http://schemas.microsoft.com/office/drawing/2014/main" id="{425C2D39-5598-9242-9012-EB7EC9E1873E}"/>
+                </a:ext>
+              </a:extLst>
+            </p:cNvPr>
+            <p:cNvSpPr txBox="1"/>
+            <p:nvPr/>
+          </p:nvSpPr>
+          <p:spPr>
+            <a:xfrm>
+              <a:off x="5281539" y="5836479"/>
+              <a:ext cx="300082" cy="369332"/>
+            </a:xfrm>
+            <a:prstGeom prst="rect">
+              <a:avLst/>
+            </a:prstGeom>
+            <a:noFill/>
+          </p:spPr>
+          <p:txBody>
+            <a:bodyPr wrap="none" rtlCol="0">
+              <a:spAutoFit/>
+            </a:bodyPr>
+            <a:lstStyle/>
+            <a:p>
+              <a:r>
+                <a:rPr kumimoji="1" lang="ko-Kore-KR" altLang="en-US" dirty="0"/>
+                <a:t>*</a:t>
+              </a:r>
+            </a:p>
+          </p:txBody>
+        </p:sp>
+        <p:cxnSp>
+          <p:nvCxnSpPr>
+            <p:cNvPr id="39" name="꺾인 연결선[E] 38">
+              <a:extLst>
+                <a:ext uri="{FF2B5EF4-FFF2-40B4-BE49-F238E27FC236}">
+                  <a16:creationId xmlns:a16="http://schemas.microsoft.com/office/drawing/2014/main" id="{B52189A6-B6CC-5B4F-9C68-5A5D4EB265A7}"/>
+                </a:ext>
+              </a:extLst>
+            </p:cNvPr>
+            <p:cNvCxnSpPr>
+              <a:cxnSpLocks/>
+              <a:stCxn id="7" idx="0"/>
+              <a:endCxn id="4" idx="0"/>
+            </p:cNvCxnSpPr>
+            <p:nvPr/>
+          </p:nvCxnSpPr>
+          <p:spPr>
+            <a:xfrm rot="16200000" flipV="1">
+              <a:off x="6305994" y="-3254849"/>
+              <a:ext cx="63296" cy="9703480"/>
+            </a:xfrm>
+            <a:prstGeom prst="bentConnector3">
+              <a:avLst>
+                <a:gd name="adj1" fmla="val 951587"/>
+              </a:avLst>
+            </a:prstGeom>
+            <a:ln w="38100">
+              <a:solidFill>
+                <a:schemeClr val="tx1"/>
+              </a:solidFill>
+            </a:ln>
+          </p:spPr>
+          <p:style>
+            <a:lnRef idx="1">
+              <a:schemeClr val="accent1"/>
+            </a:lnRef>
+            <a:fillRef idx="0">
+              <a:schemeClr val="accent1"/>
+            </a:fillRef>
+            <a:effectRef idx="0">
+              <a:schemeClr val="accent1"/>
+            </a:effectRef>
+            <a:fontRef idx="minor">
+              <a:schemeClr val="tx1"/>
+            </a:fontRef>
+          </p:style>
+        </p:cxnSp>
+        <p:sp>
+          <p:nvSpPr>
+            <p:cNvPr id="43" name="TextBox 42">
+              <a:extLst>
+                <a:ext uri="{FF2B5EF4-FFF2-40B4-BE49-F238E27FC236}">
+                  <a16:creationId xmlns:a16="http://schemas.microsoft.com/office/drawing/2014/main" id="{B20B2BB4-EDE6-CF46-B2DD-50C969FA0BF7}"/>
+                </a:ext>
+              </a:extLst>
+            </p:cNvPr>
+            <p:cNvSpPr txBox="1"/>
+            <p:nvPr/>
+          </p:nvSpPr>
+          <p:spPr>
+            <a:xfrm>
+              <a:off x="5984628" y="644220"/>
+              <a:ext cx="706027" cy="369332"/>
+            </a:xfrm>
+            <a:prstGeom prst="rect">
+              <a:avLst/>
+            </a:prstGeom>
+            <a:noFill/>
+          </p:spPr>
+          <p:txBody>
+            <a:bodyPr wrap="none" rtlCol="0">
+              <a:spAutoFit/>
+            </a:bodyPr>
+            <a:lstStyle/>
+            <a:p>
+              <a:pPr algn="ctr"/>
+              <a:r>
+                <a:rPr kumimoji="1" lang="en-US" altLang="ko-Kore-KR" dirty="0"/>
+                <a:t>Write</a:t>
+              </a:r>
+              <a:endParaRPr kumimoji="1" lang="ko-Kore-KR" altLang="en-US" dirty="0"/>
+            </a:p>
+          </p:txBody>
+        </p:sp>
+        <p:sp>
+          <p:nvSpPr>
+            <p:cNvPr id="44" name="TextBox 43">
+              <a:extLst>
+                <a:ext uri="{FF2B5EF4-FFF2-40B4-BE49-F238E27FC236}">
+                  <a16:creationId xmlns:a16="http://schemas.microsoft.com/office/drawing/2014/main" id="{59A0C77A-F79E-F54D-961C-04C4AE428918}"/>
+                </a:ext>
+              </a:extLst>
+            </p:cNvPr>
+            <p:cNvSpPr txBox="1"/>
+            <p:nvPr/>
+          </p:nvSpPr>
+          <p:spPr>
+            <a:xfrm>
+              <a:off x="5212572" y="628530"/>
+              <a:ext cx="301686" cy="369332"/>
+            </a:xfrm>
+            <a:prstGeom prst="rect">
+              <a:avLst/>
+            </a:prstGeom>
+            <a:noFill/>
+          </p:spPr>
+          <p:txBody>
+            <a:bodyPr wrap="none" rtlCol="0">
+              <a:spAutoFit/>
+            </a:bodyPr>
+            <a:lstStyle/>
+            <a:p>
+              <a:r>
+                <a:rPr kumimoji="1" lang="en-US" altLang="ko-Kore-KR" dirty="0"/>
+                <a:t>1</a:t>
+              </a:r>
+              <a:endParaRPr kumimoji="1" lang="ko-Kore-KR" altLang="en-US" dirty="0"/>
+            </a:p>
+          </p:txBody>
+        </p:sp>
+        <p:sp>
+          <p:nvSpPr>
+            <p:cNvPr id="45" name="TextBox 44">
+              <a:extLst>
+                <a:ext uri="{FF2B5EF4-FFF2-40B4-BE49-F238E27FC236}">
+                  <a16:creationId xmlns:a16="http://schemas.microsoft.com/office/drawing/2014/main" id="{971AC82B-75F7-6640-9676-FD7A807442B1}"/>
+                </a:ext>
+              </a:extLst>
+            </p:cNvPr>
+            <p:cNvSpPr txBox="1"/>
+            <p:nvPr/>
+          </p:nvSpPr>
+          <p:spPr>
+            <a:xfrm>
+              <a:off x="7177895" y="681570"/>
+              <a:ext cx="301686" cy="369332"/>
+            </a:xfrm>
+            <a:prstGeom prst="rect">
+              <a:avLst/>
+            </a:prstGeom>
+            <a:noFill/>
+          </p:spPr>
+          <p:txBody>
+            <a:bodyPr wrap="none" rtlCol="0">
+              <a:spAutoFit/>
+            </a:bodyPr>
+            <a:lstStyle/>
+            <a:p>
+              <a:r>
+                <a:rPr kumimoji="1" lang="en-US" altLang="ko-Kore-KR" dirty="0"/>
+                <a:t>*</a:t>
+              </a:r>
+              <a:endParaRPr kumimoji="1" lang="ko-Kore-KR" altLang="en-US" dirty="0"/>
+            </a:p>
+          </p:txBody>
+        </p:sp>
+        <p:sp>
+          <p:nvSpPr>
+            <p:cNvPr id="51" name="TextBox 50">
+              <a:extLst>
+                <a:ext uri="{FF2B5EF4-FFF2-40B4-BE49-F238E27FC236}">
+                  <a16:creationId xmlns:a16="http://schemas.microsoft.com/office/drawing/2014/main" id="{2BF60BEE-F2CE-6849-BBFE-5D5717EAFD67}"/>
+                </a:ext>
+              </a:extLst>
+            </p:cNvPr>
+            <p:cNvSpPr txBox="1"/>
+            <p:nvPr/>
+          </p:nvSpPr>
+          <p:spPr>
+            <a:xfrm>
+              <a:off x="6063880" y="-146741"/>
+              <a:ext cx="547522" cy="369332"/>
+            </a:xfrm>
+            <a:prstGeom prst="rect">
+              <a:avLst/>
+            </a:prstGeom>
+            <a:noFill/>
+          </p:spPr>
+          <p:txBody>
+            <a:bodyPr wrap="none" rtlCol="0">
+              <a:spAutoFit/>
+            </a:bodyPr>
+            <a:lstStyle/>
+            <a:p>
+              <a:pPr algn="ctr"/>
+              <a:r>
+                <a:rPr kumimoji="1" lang="en-US" altLang="ko-Kore-KR" dirty="0"/>
+                <a:t>Like</a:t>
+              </a:r>
+              <a:endParaRPr kumimoji="1" lang="ko-Kore-KR" altLang="en-US" dirty="0"/>
+            </a:p>
+          </p:txBody>
+        </p:sp>
+        <p:cxnSp>
+          <p:nvCxnSpPr>
+            <p:cNvPr id="50" name="꺾인 연결선[E] 49">
+              <a:extLst>
+                <a:ext uri="{FF2B5EF4-FFF2-40B4-BE49-F238E27FC236}">
+                  <a16:creationId xmlns:a16="http://schemas.microsoft.com/office/drawing/2014/main" id="{7151296B-6963-E645-A2AF-7B4635331483}"/>
+                </a:ext>
+              </a:extLst>
+            </p:cNvPr>
+            <p:cNvCxnSpPr>
+              <a:cxnSpLocks/>
+            </p:cNvCxnSpPr>
+            <p:nvPr/>
+          </p:nvCxnSpPr>
+          <p:spPr>
+            <a:xfrm rot="16200000" flipV="1">
+              <a:off x="6497618" y="-3610530"/>
+              <a:ext cx="32941" cy="10377987"/>
+            </a:xfrm>
+            <a:prstGeom prst="bentConnector3">
+              <a:avLst>
+                <a:gd name="adj1" fmla="val 4023528"/>
+              </a:avLst>
+            </a:prstGeom>
+            <a:ln w="38100">
+              <a:solidFill>
+                <a:schemeClr val="tx1"/>
+              </a:solidFill>
+            </a:ln>
+          </p:spPr>
+          <p:style>
+            <a:lnRef idx="1">
+              <a:schemeClr val="accent1"/>
+            </a:lnRef>
+            <a:fillRef idx="0">
+              <a:schemeClr val="accent1"/>
+            </a:fillRef>
+            <a:effectRef idx="0">
+              <a:schemeClr val="accent1"/>
+            </a:effectRef>
+            <a:fontRef idx="minor">
+              <a:schemeClr val="tx1"/>
+            </a:fontRef>
+          </p:style>
+        </p:cxnSp>
+        <p:sp>
+          <p:nvSpPr>
+            <p:cNvPr id="52" name="TextBox 51">
+              <a:extLst>
+                <a:ext uri="{FF2B5EF4-FFF2-40B4-BE49-F238E27FC236}">
+                  <a16:creationId xmlns:a16="http://schemas.microsoft.com/office/drawing/2014/main" id="{38B523AC-5BD7-C747-AE6A-227FE200CB4D}"/>
+                </a:ext>
+              </a:extLst>
+            </p:cNvPr>
+            <p:cNvSpPr txBox="1"/>
+            <p:nvPr/>
+          </p:nvSpPr>
+          <p:spPr>
+            <a:xfrm>
+              <a:off x="5214176" y="-91484"/>
+              <a:ext cx="300082" cy="369332"/>
+            </a:xfrm>
+            <a:prstGeom prst="rect">
+              <a:avLst/>
+            </a:prstGeom>
+            <a:noFill/>
+          </p:spPr>
+          <p:txBody>
+            <a:bodyPr wrap="none" rtlCol="0">
+              <a:spAutoFit/>
+            </a:bodyPr>
+            <a:lstStyle/>
+            <a:p>
+              <a:r>
+                <a:rPr kumimoji="1" lang="ko-Kore-KR" altLang="en-US" dirty="0"/>
+                <a:t>*</a:t>
+              </a:r>
+            </a:p>
+          </p:txBody>
+        </p:sp>
+        <p:sp>
+          <p:nvSpPr>
+            <p:cNvPr id="53" name="TextBox 52">
+              <a:extLst>
+                <a:ext uri="{FF2B5EF4-FFF2-40B4-BE49-F238E27FC236}">
+                  <a16:creationId xmlns:a16="http://schemas.microsoft.com/office/drawing/2014/main" id="{DA532E0C-8DC8-8D43-A498-4525D8F49263}"/>
+                </a:ext>
+              </a:extLst>
+            </p:cNvPr>
+            <p:cNvSpPr txBox="1"/>
+            <p:nvPr/>
+          </p:nvSpPr>
+          <p:spPr>
+            <a:xfrm>
+              <a:off x="7178697" y="-94790"/>
+              <a:ext cx="300082" cy="369331"/>
+            </a:xfrm>
+            <a:prstGeom prst="rect">
+              <a:avLst/>
+            </a:prstGeom>
+            <a:noFill/>
+          </p:spPr>
+          <p:txBody>
+            <a:bodyPr wrap="none" rtlCol="0">
+              <a:spAutoFit/>
+            </a:bodyPr>
+            <a:lstStyle/>
+            <a:p>
+              <a:r>
+                <a:rPr kumimoji="1" lang="ko-KR" altLang="en-US" dirty="0"/>
+                <a:t>*</a:t>
+              </a:r>
+              <a:endParaRPr kumimoji="1" lang="ko-Kore-KR" altLang="en-US" dirty="0"/>
+            </a:p>
+          </p:txBody>
+        </p:sp>
+        <p:sp>
+          <p:nvSpPr>
+            <p:cNvPr id="65" name="TextBox 64">
+              <a:extLst>
+                <a:ext uri="{FF2B5EF4-FFF2-40B4-BE49-F238E27FC236}">
+                  <a16:creationId xmlns:a16="http://schemas.microsoft.com/office/drawing/2014/main" id="{6AD5852D-1364-5744-B18C-BDF0573A3A3B}"/>
+                </a:ext>
+              </a:extLst>
+            </p:cNvPr>
+            <p:cNvSpPr txBox="1"/>
+            <p:nvPr/>
+          </p:nvSpPr>
+          <p:spPr>
+            <a:xfrm>
+              <a:off x="6511356" y="4314045"/>
+              <a:ext cx="894156" cy="369332"/>
+            </a:xfrm>
+            <a:prstGeom prst="rect">
+              <a:avLst/>
+            </a:prstGeom>
+            <a:noFill/>
+          </p:spPr>
+          <p:txBody>
+            <a:bodyPr wrap="none" rtlCol="0">
+              <a:spAutoFit/>
+            </a:bodyPr>
+            <a:lstStyle/>
+            <a:p>
+              <a:pPr algn="ctr"/>
+              <a:r>
+                <a:rPr kumimoji="1" lang="en-US" altLang="ko-Kore-KR" dirty="0"/>
+                <a:t>Related</a:t>
+              </a:r>
+              <a:endParaRPr kumimoji="1" lang="ko-Kore-KR" altLang="en-US" dirty="0"/>
+            </a:p>
+          </p:txBody>
+        </p:sp>
+        <p:sp>
+          <p:nvSpPr>
+            <p:cNvPr id="66" name="TextBox 65">
+              <a:extLst>
+                <a:ext uri="{FF2B5EF4-FFF2-40B4-BE49-F238E27FC236}">
+                  <a16:creationId xmlns:a16="http://schemas.microsoft.com/office/drawing/2014/main" id="{A661C596-7F12-E14E-8A35-479232C92DC7}"/>
+                </a:ext>
+              </a:extLst>
+            </p:cNvPr>
+            <p:cNvSpPr txBox="1"/>
+            <p:nvPr/>
+          </p:nvSpPr>
+          <p:spPr>
+            <a:xfrm>
+              <a:off x="6420792" y="5214387"/>
+              <a:ext cx="300082" cy="369332"/>
+            </a:xfrm>
+            <a:prstGeom prst="rect">
+              <a:avLst/>
+            </a:prstGeom>
+            <a:noFill/>
+          </p:spPr>
+          <p:txBody>
+            <a:bodyPr wrap="none" rtlCol="0">
+              <a:spAutoFit/>
+            </a:bodyPr>
+            <a:lstStyle/>
+            <a:p>
+              <a:r>
+                <a:rPr kumimoji="1" lang="ko-Kore-KR" altLang="en-US" dirty="0"/>
+                <a:t>*</a:t>
+              </a:r>
+            </a:p>
+          </p:txBody>
+        </p:sp>
+        <p:sp>
+          <p:nvSpPr>
+            <p:cNvPr id="67" name="TextBox 66">
+              <a:extLst>
+                <a:ext uri="{FF2B5EF4-FFF2-40B4-BE49-F238E27FC236}">
+                  <a16:creationId xmlns:a16="http://schemas.microsoft.com/office/drawing/2014/main" id="{758FB94C-D31B-6745-806A-1357C56FB9A3}"/>
+                </a:ext>
+              </a:extLst>
+            </p:cNvPr>
+            <p:cNvSpPr txBox="1"/>
+            <p:nvPr/>
+          </p:nvSpPr>
+          <p:spPr>
+            <a:xfrm>
+              <a:off x="6413297" y="3670400"/>
+              <a:ext cx="300082" cy="369332"/>
+            </a:xfrm>
+            <a:prstGeom prst="rect">
+              <a:avLst/>
+            </a:prstGeom>
+            <a:noFill/>
+          </p:spPr>
+          <p:txBody>
+            <a:bodyPr wrap="none" rtlCol="0">
+              <a:spAutoFit/>
+            </a:bodyPr>
+            <a:lstStyle/>
+            <a:p>
+              <a:r>
+                <a:rPr kumimoji="1" lang="ko-Kore-KR" altLang="en-US" dirty="0"/>
+                <a:t>*</a:t>
+              </a:r>
+            </a:p>
+          </p:txBody>
+        </p:sp>
+        <p:sp>
+          <p:nvSpPr>
+            <p:cNvPr id="68" name="TextBox 67">
+              <a:extLst>
+                <a:ext uri="{FF2B5EF4-FFF2-40B4-BE49-F238E27FC236}">
+                  <a16:creationId xmlns:a16="http://schemas.microsoft.com/office/drawing/2014/main" id="{11E20DBA-CE2C-DC41-8C97-18C8FBAA2440}"/>
+                </a:ext>
+              </a:extLst>
+            </p:cNvPr>
+            <p:cNvSpPr txBox="1"/>
+            <p:nvPr/>
+          </p:nvSpPr>
+          <p:spPr>
+            <a:xfrm>
+              <a:off x="7292358" y="1818944"/>
+              <a:ext cx="300082" cy="369332"/>
+            </a:xfrm>
+            <a:prstGeom prst="rect">
+              <a:avLst/>
+            </a:prstGeom>
+            <a:noFill/>
+          </p:spPr>
+          <p:txBody>
+            <a:bodyPr wrap="none" rtlCol="0">
+              <a:spAutoFit/>
+            </a:bodyPr>
+            <a:lstStyle/>
+            <a:p>
+              <a:r>
+                <a:rPr kumimoji="1" lang="en-US" altLang="ko-Kore-KR" dirty="0"/>
+                <a:t>1</a:t>
+              </a:r>
+              <a:endParaRPr kumimoji="1" lang="ko-Kore-KR" altLang="en-US" dirty="0"/>
+            </a:p>
+          </p:txBody>
+        </p:sp>
+        <p:sp>
+          <p:nvSpPr>
+            <p:cNvPr id="69" name="TextBox 68">
+              <a:extLst>
+                <a:ext uri="{FF2B5EF4-FFF2-40B4-BE49-F238E27FC236}">
+                  <a16:creationId xmlns:a16="http://schemas.microsoft.com/office/drawing/2014/main" id="{A40DDDBC-D20A-8446-838B-B660ECB04883}"/>
+                </a:ext>
+              </a:extLst>
+            </p:cNvPr>
+            <p:cNvSpPr txBox="1"/>
+            <p:nvPr/>
+          </p:nvSpPr>
+          <p:spPr>
+            <a:xfrm>
+              <a:off x="8430671" y="1818944"/>
+              <a:ext cx="706027" cy="369332"/>
+            </a:xfrm>
+            <a:prstGeom prst="rect">
+              <a:avLst/>
+            </a:prstGeom>
+            <a:noFill/>
+          </p:spPr>
+          <p:txBody>
+            <a:bodyPr wrap="none" rtlCol="0">
+              <a:spAutoFit/>
+            </a:bodyPr>
+            <a:lstStyle/>
+            <a:p>
+              <a:pPr algn="ctr"/>
+              <a:r>
+                <a:rPr kumimoji="1" lang="en-US" altLang="ko-Kore-KR" dirty="0"/>
+                <a:t>Write</a:t>
+              </a:r>
+              <a:endParaRPr kumimoji="1" lang="ko-Kore-KR" altLang="en-US" dirty="0"/>
+            </a:p>
+          </p:txBody>
+        </p:sp>
+        <p:cxnSp>
+          <p:nvCxnSpPr>
+            <p:cNvPr id="70" name="꺾인 연결선[E] 69">
+              <a:extLst>
+                <a:ext uri="{FF2B5EF4-FFF2-40B4-BE49-F238E27FC236}">
+                  <a16:creationId xmlns:a16="http://schemas.microsoft.com/office/drawing/2014/main" id="{3AD8D5FF-D2E8-9043-9654-E367FEAE7957}"/>
+                </a:ext>
+              </a:extLst>
+            </p:cNvPr>
+            <p:cNvCxnSpPr/>
+            <p:nvPr/>
+          </p:nvCxnSpPr>
+          <p:spPr>
+            <a:xfrm rot="5400000" flipH="1">
+              <a:off x="10284128" y="3049308"/>
+              <a:ext cx="1033968" cy="727919"/>
+            </a:xfrm>
+            <a:prstGeom prst="bentConnector4">
+              <a:avLst>
+                <a:gd name="adj1" fmla="val -22109"/>
+                <a:gd name="adj2" fmla="val 131405"/>
+              </a:avLst>
+            </a:prstGeom>
+            <a:ln w="38100">
+              <a:solidFill>
+                <a:schemeClr val="tx1"/>
+              </a:solidFill>
+            </a:ln>
+          </p:spPr>
+          <p:style>
+            <a:lnRef idx="1">
+              <a:schemeClr val="accent1"/>
+            </a:lnRef>
+            <a:fillRef idx="0">
+              <a:schemeClr val="accent1"/>
+            </a:fillRef>
+            <a:effectRef idx="0">
+              <a:schemeClr val="accent1"/>
+            </a:effectRef>
+            <a:fontRef idx="minor">
+              <a:schemeClr val="tx1"/>
+            </a:fontRef>
+          </p:style>
+        </p:cxnSp>
+        <p:sp>
+          <p:nvSpPr>
+            <p:cNvPr id="71" name="TextBox 70">
+              <a:extLst>
+                <a:ext uri="{FF2B5EF4-FFF2-40B4-BE49-F238E27FC236}">
+                  <a16:creationId xmlns:a16="http://schemas.microsoft.com/office/drawing/2014/main" id="{71A98AC0-4749-4445-8A25-1DC84898DAB8}"/>
+                </a:ext>
+              </a:extLst>
+            </p:cNvPr>
+            <p:cNvSpPr txBox="1"/>
+            <p:nvPr/>
+          </p:nvSpPr>
+          <p:spPr>
+            <a:xfrm>
+              <a:off x="10275106" y="4175336"/>
+              <a:ext cx="700000" cy="369332"/>
+            </a:xfrm>
+            <a:prstGeom prst="rect">
+              <a:avLst/>
+            </a:prstGeom>
+            <a:noFill/>
+          </p:spPr>
+          <p:txBody>
+            <a:bodyPr wrap="none" rtlCol="0">
+              <a:spAutoFit/>
+            </a:bodyPr>
+            <a:lstStyle/>
+            <a:p>
+              <a:pPr algn="ctr"/>
+              <a:r>
+                <a:rPr kumimoji="1" lang="en-US" altLang="ko-Kore-KR" dirty="0"/>
+                <a:t>Reply</a:t>
+              </a:r>
+              <a:endParaRPr kumimoji="1" lang="ko-Kore-KR" altLang="en-US" dirty="0"/>
+            </a:p>
+          </p:txBody>
+        </p:sp>
+        <p:sp>
+          <p:nvSpPr>
+            <p:cNvPr id="72" name="TextBox 71">
+              <a:extLst>
+                <a:ext uri="{FF2B5EF4-FFF2-40B4-BE49-F238E27FC236}">
+                  <a16:creationId xmlns:a16="http://schemas.microsoft.com/office/drawing/2014/main" id="{B007EF02-0877-554A-A737-64B93438D614}"/>
+                </a:ext>
+              </a:extLst>
+            </p:cNvPr>
+            <p:cNvSpPr txBox="1"/>
+            <p:nvPr/>
+          </p:nvSpPr>
+          <p:spPr>
+            <a:xfrm>
+              <a:off x="11193524" y="4059917"/>
+              <a:ext cx="300082" cy="369332"/>
+            </a:xfrm>
+            <a:prstGeom prst="rect">
+              <a:avLst/>
+            </a:prstGeom>
+            <a:noFill/>
+          </p:spPr>
+          <p:txBody>
+            <a:bodyPr wrap="none" rtlCol="0">
+              <a:spAutoFit/>
+            </a:bodyPr>
+            <a:lstStyle/>
+            <a:p>
+              <a:r>
+                <a:rPr kumimoji="1" lang="en-US" altLang="ko-Kore-KR" dirty="0"/>
+                <a:t>1</a:t>
+              </a:r>
+              <a:endParaRPr kumimoji="1" lang="ko-Kore-KR" altLang="en-US" dirty="0"/>
+            </a:p>
+          </p:txBody>
+        </p:sp>
+        <p:sp>
+          <p:nvSpPr>
+            <p:cNvPr id="73" name="TextBox 72">
+              <a:extLst>
+                <a:ext uri="{FF2B5EF4-FFF2-40B4-BE49-F238E27FC236}">
+                  <a16:creationId xmlns:a16="http://schemas.microsoft.com/office/drawing/2014/main" id="{30D1AEA7-116C-054F-A8AE-A064B3B65A4B}"/>
+                </a:ext>
+              </a:extLst>
+            </p:cNvPr>
+            <p:cNvSpPr txBox="1"/>
+            <p:nvPr/>
+          </p:nvSpPr>
+          <p:spPr>
+            <a:xfrm>
+              <a:off x="9916818" y="2902726"/>
+              <a:ext cx="300082" cy="369332"/>
+            </a:xfrm>
+            <a:prstGeom prst="rect">
+              <a:avLst/>
+            </a:prstGeom>
+            <a:noFill/>
+          </p:spPr>
+          <p:txBody>
+            <a:bodyPr wrap="none" rtlCol="0">
+              <a:spAutoFit/>
+            </a:bodyPr>
+            <a:lstStyle/>
+            <a:p>
+              <a:r>
+                <a:rPr kumimoji="1" lang="ko-KR" altLang="en-US" dirty="0"/>
+                <a:t>*</a:t>
+              </a:r>
+              <a:endParaRPr kumimoji="1" lang="ko-Kore-KR" altLang="en-US" dirty="0"/>
+            </a:p>
+          </p:txBody>
+        </p:sp>
+        <p:sp>
+          <p:nvSpPr>
+            <p:cNvPr id="74" name="TextBox 73">
+              <a:extLst>
+                <a:ext uri="{FF2B5EF4-FFF2-40B4-BE49-F238E27FC236}">
+                  <a16:creationId xmlns:a16="http://schemas.microsoft.com/office/drawing/2014/main" id="{1B567DF2-B928-CF41-BFBE-B7D78F0FFDEB}"/>
+                </a:ext>
+              </a:extLst>
+            </p:cNvPr>
+            <p:cNvSpPr txBox="1"/>
+            <p:nvPr/>
+          </p:nvSpPr>
+          <p:spPr>
+            <a:xfrm>
+              <a:off x="5304477" y="1571466"/>
+              <a:ext cx="300082" cy="369332"/>
+            </a:xfrm>
+            <a:prstGeom prst="rect">
+              <a:avLst/>
+            </a:prstGeom>
+            <a:noFill/>
+          </p:spPr>
+          <p:txBody>
+            <a:bodyPr wrap="none" rtlCol="0">
+              <a:spAutoFit/>
+            </a:bodyPr>
+            <a:lstStyle/>
+            <a:p>
+              <a:r>
+                <a:rPr kumimoji="1" lang="en-US" altLang="ko-Kore-KR" dirty="0"/>
+                <a:t>*</a:t>
+              </a:r>
+              <a:endParaRPr kumimoji="1" lang="ko-Kore-KR" altLang="en-US" dirty="0"/>
+            </a:p>
+          </p:txBody>
+        </p:sp>
+      </p:grpSp>
+    </p:spTree>
+    <p:extLst>
+      <p:ext uri="{BB962C8B-B14F-4D97-AF65-F5344CB8AC3E}">
+        <p14:creationId xmlns:p14="http://schemas.microsoft.com/office/powerpoint/2010/main" val="3666180654"/>
+      </p:ext>
+    </p:extLst>
+  </p:cSld>
+  <p:clrMapOvr>
+    <a:masterClrMapping/>
+  </p:clrMapOvr>
+</p:sld>
+</file>
+
 <file path=ppt/theme/theme1.xml><?xml version="1.0" encoding="utf-8"?>
 <a:theme xmlns:a="http://schemas.openxmlformats.org/drawingml/2006/main" name="Office 테마">
   <a:themeElements>

--- a/document/design/domain.pptx
+++ b/document/design/domain.pptx
@@ -6047,6 +6047,16 @@
                     <a:schemeClr val="tx1"/>
                   </a:solidFill>
                 </a:rPr>
+                <a:t>website: String</a:t>
+              </a:r>
+            </a:p>
+            <a:p>
+              <a:r>
+                <a:rPr kumimoji="1" lang="en-US" altLang="ko-Kore-KR" sz="1000" dirty="0">
+                  <a:solidFill>
+                    <a:schemeClr val="tx1"/>
+                  </a:solidFill>
+                </a:rPr>
                 <a:t>interests: List&lt;Hashtag&gt;</a:t>
               </a:r>
             </a:p>
